--- a/events/2018-neo-blockchain-toronto/NEO Blockchain-Toronto-20180314 Meetup.pptx
+++ b/events/2018-neo-blockchain-toronto/NEO Blockchain-Toronto-20180314 Meetup.pptx
@@ -5,19 +5,23 @@
     <p:sldMasterId id="2147483648" r:id="rId1"/>
   </p:sldMasterIdLst>
   <p:notesMasterIdLst>
-    <p:notesMasterId r:id="rId12"/>
+    <p:notesMasterId r:id="rId16"/>
   </p:notesMasterIdLst>
   <p:sldIdLst>
     <p:sldId id="256" r:id="rId2"/>
     <p:sldId id="257" r:id="rId3"/>
     <p:sldId id="258" r:id="rId4"/>
     <p:sldId id="264" r:id="rId5"/>
-    <p:sldId id="260" r:id="rId6"/>
-    <p:sldId id="261" r:id="rId7"/>
-    <p:sldId id="265" r:id="rId8"/>
-    <p:sldId id="262" r:id="rId9"/>
-    <p:sldId id="259" r:id="rId10"/>
-    <p:sldId id="263" r:id="rId11"/>
+    <p:sldId id="268" r:id="rId6"/>
+    <p:sldId id="260" r:id="rId7"/>
+    <p:sldId id="261" r:id="rId8"/>
+    <p:sldId id="265" r:id="rId9"/>
+    <p:sldId id="262" r:id="rId10"/>
+    <p:sldId id="259" r:id="rId11"/>
+    <p:sldId id="269" r:id="rId12"/>
+    <p:sldId id="263" r:id="rId13"/>
+    <p:sldId id="267" r:id="rId14"/>
+    <p:sldId id="266" r:id="rId15"/>
   </p:sldIdLst>
   <p:sldSz cx="12192000" cy="6858000"/>
   <p:notesSz cx="6858000" cy="9144000"/>
@@ -116,6 +120,11 @@
       </a:defRPr>
     </a:lvl9pPr>
   </p:defaultTextStyle>
+  <p:extLst>
+    <p:ext uri="{EFAFB233-063F-42B5-8137-9DF3F51BA10A}">
+      <p15:sldGuideLst xmlns:p15="http://schemas.microsoft.com/office/powerpoint/2012/main"/>
+    </p:ext>
+  </p:extLst>
 </p:presentation>
 </file>
 
@@ -201,7 +210,7 @@
           <a:p>
             <a:fld id="{8C96CAC6-5EE5-4DF8-BED8-337C55BC9982}" type="datetimeFigureOut">
               <a:rPr lang="en-CA" smtClean="0"/>
-              <a:t>2018-02-16</a:t>
+              <a:t>2018-02-17</a:t>
             </a:fld>
             <a:endParaRPr lang="en-CA"/>
           </a:p>
@@ -6365,6 +6374,36 @@
           </a:p>
         </p:txBody>
       </p:sp>
+      <p:pic>
+        <p:nvPicPr>
+          <p:cNvPr id="4" name="Picture 3">
+            <a:extLst>
+              <a:ext uri="{FF2B5EF4-FFF2-40B4-BE49-F238E27FC236}">
+                <a16:creationId xmlns:a16="http://schemas.microsoft.com/office/drawing/2014/main" id="{02BF1D40-1B87-412A-A524-FE04616899E5}"/>
+              </a:ext>
+            </a:extLst>
+          </p:cNvPr>
+          <p:cNvPicPr>
+            <a:picLocks noChangeAspect="1"/>
+          </p:cNvPicPr>
+          <p:nvPr/>
+        </p:nvPicPr>
+        <p:blipFill>
+          <a:blip r:embed="rId3"/>
+          <a:stretch>
+            <a:fillRect/>
+          </a:stretch>
+        </p:blipFill>
+        <p:spPr>
+          <a:xfrm>
+            <a:off x="2521966" y="1307592"/>
+            <a:ext cx="5867908" cy="3071126"/>
+          </a:xfrm>
+          <a:prstGeom prst="rect">
+            <a:avLst/>
+          </a:prstGeom>
+        </p:spPr>
+      </p:pic>
     </p:spTree>
     <p:extLst>
       <p:ext uri="{BB962C8B-B14F-4D97-AF65-F5344CB8AC3E}">
@@ -6400,6 +6439,579 @@
           <p:cNvPr id="2" name="Title 1">
             <a:extLst>
               <a:ext uri="{FF2B5EF4-FFF2-40B4-BE49-F238E27FC236}">
+                <a16:creationId xmlns:a16="http://schemas.microsoft.com/office/drawing/2014/main" id="{E69B6798-0E27-464C-9C26-AB8334C19AFA}"/>
+              </a:ext>
+            </a:extLst>
+          </p:cNvPr>
+          <p:cNvSpPr>
+            <a:spLocks noGrp="1"/>
+          </p:cNvSpPr>
+          <p:nvPr>
+            <p:ph type="title"/>
+          </p:nvPr>
+        </p:nvSpPr>
+        <p:spPr/>
+        <p:txBody>
+          <a:bodyPr>
+            <a:normAutofit fontScale="90000"/>
+          </a:bodyPr>
+          <a:lstStyle/>
+          <a:p>
+            <a:r>
+              <a:rPr lang="en-US" dirty="0"/>
+              <a:t>NEO Blockchain Quick Start Guide</a:t>
+            </a:r>
+            <a:br>
+              <a:rPr lang="en-US" dirty="0"/>
+            </a:br>
+            <a:r>
+              <a:rPr lang="en-US" dirty="0"/>
+              <a:t>for .NET Developers</a:t>
+            </a:r>
+            <a:endParaRPr lang="en-CA" dirty="0"/>
+          </a:p>
+        </p:txBody>
+      </p:sp>
+      <p:sp>
+        <p:nvSpPr>
+          <p:cNvPr id="3" name="Content Placeholder 2">
+            <a:extLst>
+              <a:ext uri="{FF2B5EF4-FFF2-40B4-BE49-F238E27FC236}">
+                <a16:creationId xmlns:a16="http://schemas.microsoft.com/office/drawing/2014/main" id="{7019A0A9-E403-4795-9F88-DB86835D1E73}"/>
+              </a:ext>
+            </a:extLst>
+          </p:cNvPr>
+          <p:cNvSpPr>
+            <a:spLocks noGrp="1"/>
+          </p:cNvSpPr>
+          <p:nvPr>
+            <p:ph idx="1"/>
+          </p:nvPr>
+        </p:nvSpPr>
+        <p:spPr/>
+        <p:txBody>
+          <a:bodyPr/>
+          <a:lstStyle/>
+          <a:p>
+            <a:pPr marL="0" indent="0">
+              <a:buNone/>
+            </a:pPr>
+            <a:r>
+              <a:rPr lang="en-US" dirty="0">
+                <a:hlinkClick r:id="rId2" tooltip="https://github.com/mwherman2000/neo-windocs/blob/master/windocs/quickstart-csharp/README.md"/>
+              </a:rPr>
+              <a:t>https://github.com/mwherman2000/neo-windocs</a:t>
+            </a:r>
+          </a:p>
+          <a:p>
+            <a:pPr marL="0" indent="0">
+              <a:buNone/>
+            </a:pPr>
+            <a:r>
+              <a:rPr lang="en-US" dirty="0">
+                <a:hlinkClick r:id="rId2" tooltip="https://github.com/mwherman2000/neo-windocs/blob/master/windocs/quickstart-csharp/README.md"/>
+              </a:rPr>
+              <a:t>/blob/master/windocs/quickstart-csharp/README.md</a:t>
+            </a:r>
+            <a:endParaRPr lang="en-US" dirty="0"/>
+          </a:p>
+          <a:p>
+            <a:r>
+              <a:rPr lang="en-US" dirty="0"/>
+              <a:t>TODO</a:t>
+            </a:r>
+            <a:br>
+              <a:rPr lang="en-CA" dirty="0"/>
+            </a:br>
+            <a:endParaRPr lang="en-CA" dirty="0"/>
+          </a:p>
+        </p:txBody>
+      </p:sp>
+      <p:sp>
+        <p:nvSpPr>
+          <p:cNvPr id="4" name="Date Placeholder 3">
+            <a:extLst>
+              <a:ext uri="{FF2B5EF4-FFF2-40B4-BE49-F238E27FC236}">
+                <a16:creationId xmlns:a16="http://schemas.microsoft.com/office/drawing/2014/main" id="{839D4A78-CA7C-4183-8AA4-13B0EAD0D4CC}"/>
+              </a:ext>
+            </a:extLst>
+          </p:cNvPr>
+          <p:cNvSpPr>
+            <a:spLocks noGrp="1"/>
+          </p:cNvSpPr>
+          <p:nvPr>
+            <p:ph type="dt" sz="half" idx="10"/>
+          </p:nvPr>
+        </p:nvSpPr>
+        <p:spPr/>
+        <p:txBody>
+          <a:bodyPr/>
+          <a:lstStyle/>
+          <a:p>
+            <a:r>
+              <a:rPr lang="en-US"/>
+              <a:t>3/14/2018</a:t>
+            </a:r>
+            <a:endParaRPr lang="en-US" dirty="0"/>
+          </a:p>
+        </p:txBody>
+      </p:sp>
+      <p:sp>
+        <p:nvSpPr>
+          <p:cNvPr id="7" name="Footer Placeholder 6">
+            <a:extLst>
+              <a:ext uri="{FF2B5EF4-FFF2-40B4-BE49-F238E27FC236}">
+                <a16:creationId xmlns:a16="http://schemas.microsoft.com/office/drawing/2014/main" id="{EFA596A0-495B-4913-A95E-13E2904AD37D}"/>
+              </a:ext>
+            </a:extLst>
+          </p:cNvPr>
+          <p:cNvSpPr>
+            <a:spLocks noGrp="1"/>
+          </p:cNvSpPr>
+          <p:nvPr>
+            <p:ph type="ftr" sz="quarter" idx="11"/>
+          </p:nvPr>
+        </p:nvSpPr>
+        <p:spPr/>
+        <p:txBody>
+          <a:bodyPr/>
+          <a:lstStyle/>
+          <a:p>
+            <a:r>
+              <a:rPr lang="en-US"/>
+              <a:t>NEO Blockchain Toronto</a:t>
+            </a:r>
+            <a:endParaRPr lang="en-US" dirty="0"/>
+          </a:p>
+        </p:txBody>
+      </p:sp>
+      <p:sp>
+        <p:nvSpPr>
+          <p:cNvPr id="5" name="Slide Number Placeholder 4">
+            <a:extLst>
+              <a:ext uri="{FF2B5EF4-FFF2-40B4-BE49-F238E27FC236}">
+                <a16:creationId xmlns:a16="http://schemas.microsoft.com/office/drawing/2014/main" id="{FE531A56-5541-4288-8440-4DFEE9623005}"/>
+              </a:ext>
+            </a:extLst>
+          </p:cNvPr>
+          <p:cNvSpPr>
+            <a:spLocks noGrp="1"/>
+          </p:cNvSpPr>
+          <p:nvPr>
+            <p:ph type="sldNum" sz="quarter" idx="12"/>
+          </p:nvPr>
+        </p:nvSpPr>
+        <p:spPr/>
+        <p:txBody>
+          <a:bodyPr/>
+          <a:lstStyle/>
+          <a:p>
+            <a:fld id="{D57F1E4F-1CFF-5643-939E-217C01CDF565}" type="slidenum">
+              <a:rPr lang="en-US" smtClean="0"/>
+              <a:pPr/>
+              <a:t>10</a:t>
+            </a:fld>
+            <a:endParaRPr lang="en-US" dirty="0"/>
+          </a:p>
+        </p:txBody>
+      </p:sp>
+    </p:spTree>
+    <p:extLst>
+      <p:ext uri="{BB962C8B-B14F-4D97-AF65-F5344CB8AC3E}">
+        <p14:creationId xmlns:p14="http://schemas.microsoft.com/office/powerpoint/2010/main" val="2691972381"/>
+      </p:ext>
+    </p:extLst>
+  </p:cSld>
+  <p:clrMapOvr>
+    <a:masterClrMapping/>
+  </p:clrMapOvr>
+</p:sld>
+</file>
+
+<file path=ppt/slides/slide11.xml><?xml version="1.0" encoding="utf-8"?>
+<p:sld xmlns:a="http://schemas.openxmlformats.org/drawingml/2006/main" xmlns:r="http://schemas.openxmlformats.org/officeDocument/2006/relationships" xmlns:p="http://schemas.openxmlformats.org/presentationml/2006/main">
+  <p:cSld>
+    <p:spTree>
+      <p:nvGrpSpPr>
+        <p:cNvPr id="1" name=""/>
+        <p:cNvGrpSpPr/>
+        <p:nvPr/>
+      </p:nvGrpSpPr>
+      <p:grpSpPr>
+        <a:xfrm>
+          <a:off x="0" y="0"/>
+          <a:ext cx="0" cy="0"/>
+          <a:chOff x="0" y="0"/>
+          <a:chExt cx="0" cy="0"/>
+        </a:xfrm>
+      </p:grpSpPr>
+      <p:sp>
+        <p:nvSpPr>
+          <p:cNvPr id="2" name="Title 1">
+            <a:extLst>
+              <a:ext uri="{FF2B5EF4-FFF2-40B4-BE49-F238E27FC236}">
+                <a16:creationId xmlns:a16="http://schemas.microsoft.com/office/drawing/2014/main" id="{52CF9429-AA32-4FBE-ABAA-E013C5A1094B}"/>
+              </a:ext>
+            </a:extLst>
+          </p:cNvPr>
+          <p:cNvSpPr>
+            <a:spLocks noGrp="1"/>
+          </p:cNvSpPr>
+          <p:nvPr>
+            <p:ph type="title"/>
+          </p:nvPr>
+        </p:nvSpPr>
+        <p:spPr/>
+        <p:txBody>
+          <a:bodyPr/>
+          <a:lstStyle/>
+          <a:p>
+            <a:r>
+              <a:rPr lang="en-CA" dirty="0"/>
+              <a:t>Our Values as </a:t>
+            </a:r>
+            <a:r>
+              <a:rPr lang="en-CA" i="1" dirty="0"/>
+              <a:t>Neoxplorers</a:t>
+            </a:r>
+          </a:p>
+        </p:txBody>
+      </p:sp>
+      <p:sp>
+        <p:nvSpPr>
+          <p:cNvPr id="3" name="Content Placeholder 2">
+            <a:extLst>
+              <a:ext uri="{FF2B5EF4-FFF2-40B4-BE49-F238E27FC236}">
+                <a16:creationId xmlns:a16="http://schemas.microsoft.com/office/drawing/2014/main" id="{416D69F6-D9F8-4869-B695-28AD5D234E8F}"/>
+              </a:ext>
+            </a:extLst>
+          </p:cNvPr>
+          <p:cNvSpPr>
+            <a:spLocks noGrp="1"/>
+          </p:cNvSpPr>
+          <p:nvPr>
+            <p:ph sz="half" idx="1"/>
+          </p:nvPr>
+        </p:nvSpPr>
+        <p:spPr>
+          <a:xfrm>
+            <a:off x="677334" y="1661613"/>
+            <a:ext cx="4184035" cy="4245898"/>
+          </a:xfrm>
+        </p:spPr>
+        <p:txBody>
+          <a:bodyPr>
+            <a:normAutofit lnSpcReduction="10000"/>
+          </a:bodyPr>
+          <a:lstStyle/>
+          <a:p>
+            <a:pPr marL="0" indent="0">
+              <a:buNone/>
+            </a:pPr>
+            <a:r>
+              <a:rPr lang="en-CA" b="1" dirty="0"/>
+              <a:t>We </a:t>
+            </a:r>
+            <a:r>
+              <a:rPr lang="en-CA" b="1" u="sng" dirty="0"/>
+              <a:t>operate</a:t>
+            </a:r>
+            <a:r>
+              <a:rPr lang="en-CA" b="1" dirty="0"/>
+              <a:t> like a blockchain</a:t>
+            </a:r>
+          </a:p>
+          <a:p>
+            <a:r>
+              <a:rPr lang="en-CA" dirty="0"/>
+              <a:t>Decentralized</a:t>
+            </a:r>
+          </a:p>
+          <a:p>
+            <a:r>
+              <a:rPr lang="en-CA" dirty="0"/>
+              <a:t>Community based</a:t>
+            </a:r>
+          </a:p>
+          <a:p>
+            <a:r>
+              <a:rPr lang="en-CA" dirty="0"/>
+              <a:t>Consensus driven</a:t>
+            </a:r>
+          </a:p>
+          <a:p>
+            <a:r>
+              <a:rPr lang="en-CA" dirty="0"/>
+              <a:t>Creators of value</a:t>
+            </a:r>
+          </a:p>
+          <a:p>
+            <a:r>
+              <a:rPr lang="en-CA" dirty="0"/>
+              <a:t>Store value</a:t>
+            </a:r>
+          </a:p>
+          <a:p>
+            <a:r>
+              <a:rPr lang="en-CA" dirty="0"/>
+              <a:t>Transfer value</a:t>
+            </a:r>
+          </a:p>
+          <a:p>
+            <a:r>
+              <a:rPr lang="en-CA" dirty="0"/>
+              <a:t>Multi-disciplinary</a:t>
+            </a:r>
+          </a:p>
+          <a:p>
+            <a:r>
+              <a:rPr lang="en-CA" dirty="0"/>
+              <a:t>Multi-application</a:t>
+            </a:r>
+          </a:p>
+          <a:p>
+            <a:r>
+              <a:rPr lang="en-CA" dirty="0"/>
+              <a:t>Multi-technology</a:t>
+            </a:r>
+          </a:p>
+          <a:p>
+            <a:r>
+              <a:rPr lang="en-CA" dirty="0"/>
+              <a:t>Multi-industry</a:t>
+            </a:r>
+          </a:p>
+        </p:txBody>
+      </p:sp>
+      <p:sp>
+        <p:nvSpPr>
+          <p:cNvPr id="7" name="Content Placeholder 6">
+            <a:extLst>
+              <a:ext uri="{FF2B5EF4-FFF2-40B4-BE49-F238E27FC236}">
+                <a16:creationId xmlns:a16="http://schemas.microsoft.com/office/drawing/2014/main" id="{0D9AA23D-39A1-4CD1-BB1C-34168F7BAB5D}"/>
+              </a:ext>
+            </a:extLst>
+          </p:cNvPr>
+          <p:cNvSpPr>
+            <a:spLocks noGrp="1"/>
+          </p:cNvSpPr>
+          <p:nvPr>
+            <p:ph sz="half" idx="2"/>
+          </p:nvPr>
+        </p:nvSpPr>
+        <p:spPr>
+          <a:xfrm>
+            <a:off x="4748298" y="1661613"/>
+            <a:ext cx="4184034" cy="4245898"/>
+          </a:xfrm>
+        </p:spPr>
+        <p:txBody>
+          <a:bodyPr>
+            <a:normAutofit lnSpcReduction="10000"/>
+          </a:bodyPr>
+          <a:lstStyle/>
+          <a:p>
+            <a:pPr marL="0" indent="0">
+              <a:buNone/>
+            </a:pPr>
+            <a:r>
+              <a:rPr lang="en-CA" b="1" dirty="0"/>
+              <a:t>We </a:t>
+            </a:r>
+            <a:r>
+              <a:rPr lang="en-CA" b="1" u="sng" dirty="0"/>
+              <a:t>behave</a:t>
+            </a:r>
+            <a:r>
+              <a:rPr lang="en-CA" b="1" dirty="0"/>
+              <a:t> like a blockchain</a:t>
+            </a:r>
+          </a:p>
+          <a:p>
+            <a:r>
+              <a:rPr lang="en-CA" dirty="0"/>
+              <a:t>Robust</a:t>
+            </a:r>
+          </a:p>
+          <a:p>
+            <a:r>
+              <a:rPr lang="en-CA" dirty="0"/>
+              <a:t>Reliable</a:t>
+            </a:r>
+          </a:p>
+          <a:p>
+            <a:r>
+              <a:rPr lang="en-CA" dirty="0"/>
+              <a:t>Transparent</a:t>
+            </a:r>
+          </a:p>
+          <a:p>
+            <a:r>
+              <a:rPr lang="en-CA" dirty="0"/>
+              <a:t>Smart</a:t>
+            </a:r>
+          </a:p>
+          <a:p>
+            <a:r>
+              <a:rPr lang="en-CA" dirty="0"/>
+              <a:t>Open</a:t>
+            </a:r>
+          </a:p>
+          <a:p>
+            <a:r>
+              <a:rPr lang="en-CA" dirty="0"/>
+              <a:t>Non-discriminatory</a:t>
+            </a:r>
+          </a:p>
+          <a:p>
+            <a:r>
+              <a:rPr lang="en-CA" dirty="0"/>
+              <a:t>Participatory</a:t>
+            </a:r>
+          </a:p>
+          <a:p>
+            <a:r>
+              <a:rPr lang="en-CA" dirty="0"/>
+              <a:t>Diverse</a:t>
+            </a:r>
+          </a:p>
+          <a:p>
+            <a:r>
+              <a:rPr lang="en-CA" dirty="0"/>
+              <a:t>Committed</a:t>
+            </a:r>
+          </a:p>
+          <a:p>
+            <a:r>
+              <a:rPr lang="en-CA" dirty="0"/>
+              <a:t>Watching out for the next person</a:t>
+            </a:r>
+          </a:p>
+        </p:txBody>
+      </p:sp>
+      <p:sp>
+        <p:nvSpPr>
+          <p:cNvPr id="4" name="Date Placeholder 3">
+            <a:extLst>
+              <a:ext uri="{FF2B5EF4-FFF2-40B4-BE49-F238E27FC236}">
+                <a16:creationId xmlns:a16="http://schemas.microsoft.com/office/drawing/2014/main" id="{53F6F868-9731-4BB8-A248-65752CC8F494}"/>
+              </a:ext>
+            </a:extLst>
+          </p:cNvPr>
+          <p:cNvSpPr>
+            <a:spLocks noGrp="1"/>
+          </p:cNvSpPr>
+          <p:nvPr>
+            <p:ph type="dt" sz="half" idx="10"/>
+          </p:nvPr>
+        </p:nvSpPr>
+        <p:spPr/>
+        <p:txBody>
+          <a:bodyPr/>
+          <a:lstStyle/>
+          <a:p>
+            <a:r>
+              <a:rPr lang="en-US"/>
+              <a:t>3/14/2018</a:t>
+            </a:r>
+            <a:endParaRPr lang="en-US" dirty="0"/>
+          </a:p>
+        </p:txBody>
+      </p:sp>
+      <p:sp>
+        <p:nvSpPr>
+          <p:cNvPr id="5" name="Footer Placeholder 4">
+            <a:extLst>
+              <a:ext uri="{FF2B5EF4-FFF2-40B4-BE49-F238E27FC236}">
+                <a16:creationId xmlns:a16="http://schemas.microsoft.com/office/drawing/2014/main" id="{BAF235CB-0FBB-4764-A879-3471BAA4060A}"/>
+              </a:ext>
+            </a:extLst>
+          </p:cNvPr>
+          <p:cNvSpPr>
+            <a:spLocks noGrp="1"/>
+          </p:cNvSpPr>
+          <p:nvPr>
+            <p:ph type="ftr" sz="quarter" idx="11"/>
+          </p:nvPr>
+        </p:nvSpPr>
+        <p:spPr/>
+        <p:txBody>
+          <a:bodyPr/>
+          <a:lstStyle/>
+          <a:p>
+            <a:r>
+              <a:rPr lang="en-US"/>
+              <a:t>NEO Blockchain Toronto</a:t>
+            </a:r>
+            <a:endParaRPr lang="en-US" dirty="0"/>
+          </a:p>
+        </p:txBody>
+      </p:sp>
+      <p:sp>
+        <p:nvSpPr>
+          <p:cNvPr id="6" name="Slide Number Placeholder 5">
+            <a:extLst>
+              <a:ext uri="{FF2B5EF4-FFF2-40B4-BE49-F238E27FC236}">
+                <a16:creationId xmlns:a16="http://schemas.microsoft.com/office/drawing/2014/main" id="{B7770D10-9999-434C-A2E7-53DC220DE37B}"/>
+              </a:ext>
+            </a:extLst>
+          </p:cNvPr>
+          <p:cNvSpPr>
+            <a:spLocks noGrp="1"/>
+          </p:cNvSpPr>
+          <p:nvPr>
+            <p:ph type="sldNum" sz="quarter" idx="12"/>
+          </p:nvPr>
+        </p:nvSpPr>
+        <p:spPr/>
+        <p:txBody>
+          <a:bodyPr/>
+          <a:lstStyle/>
+          <a:p>
+            <a:fld id="{D57F1E4F-1CFF-5643-939E-217C01CDF565}" type="slidenum">
+              <a:rPr lang="en-US" smtClean="0"/>
+              <a:pPr/>
+              <a:t>11</a:t>
+            </a:fld>
+            <a:endParaRPr lang="en-US" dirty="0"/>
+          </a:p>
+        </p:txBody>
+      </p:sp>
+    </p:spTree>
+    <p:extLst>
+      <p:ext uri="{BB962C8B-B14F-4D97-AF65-F5344CB8AC3E}">
+        <p14:creationId xmlns:p14="http://schemas.microsoft.com/office/powerpoint/2010/main" val="621685807"/>
+      </p:ext>
+    </p:extLst>
+  </p:cSld>
+  <p:clrMapOvr>
+    <a:masterClrMapping/>
+  </p:clrMapOvr>
+</p:sld>
+</file>
+
+<file path=ppt/slides/slide12.xml><?xml version="1.0" encoding="utf-8"?>
+<p:sld xmlns:a="http://schemas.openxmlformats.org/drawingml/2006/main" xmlns:r="http://schemas.openxmlformats.org/officeDocument/2006/relationships" xmlns:p="http://schemas.openxmlformats.org/presentationml/2006/main">
+  <p:cSld>
+    <p:spTree>
+      <p:nvGrpSpPr>
+        <p:cNvPr id="1" name=""/>
+        <p:cNvGrpSpPr/>
+        <p:nvPr/>
+      </p:nvGrpSpPr>
+      <p:grpSpPr>
+        <a:xfrm>
+          <a:off x="0" y="0"/>
+          <a:ext cx="0" cy="0"/>
+          <a:chOff x="0" y="0"/>
+          <a:chExt cx="0" cy="0"/>
+        </a:xfrm>
+      </p:grpSpPr>
+      <p:sp>
+        <p:nvSpPr>
+          <p:cNvPr id="2" name="Title 1">
+            <a:extLst>
+              <a:ext uri="{FF2B5EF4-FFF2-40B4-BE49-F238E27FC236}">
                 <a16:creationId xmlns:a16="http://schemas.microsoft.com/office/drawing/2014/main" id="{C5CA6340-7AD9-4C69-810B-BEE639EBFCCD}"/>
               </a:ext>
             </a:extLst>
@@ -6528,7 +7140,7 @@
             <a:fld id="{D57F1E4F-1CFF-5643-939E-217C01CDF565}" type="slidenum">
               <a:rPr lang="en-US" smtClean="0"/>
               <a:pPr/>
-              <a:t>10</a:t>
+              <a:t>12</a:t>
             </a:fld>
             <a:endParaRPr lang="en-US" dirty="0"/>
           </a:p>
@@ -6822,6 +7434,340 @@
 </p:sld>
 </file>
 
+<file path=ppt/slides/slide13.xml><?xml version="1.0" encoding="utf-8"?>
+<p:sld xmlns:a="http://schemas.openxmlformats.org/drawingml/2006/main" xmlns:r="http://schemas.openxmlformats.org/officeDocument/2006/relationships" xmlns:p="http://schemas.openxmlformats.org/presentationml/2006/main">
+  <p:cSld>
+    <p:spTree>
+      <p:nvGrpSpPr>
+        <p:cNvPr id="1" name=""/>
+        <p:cNvGrpSpPr/>
+        <p:nvPr/>
+      </p:nvGrpSpPr>
+      <p:grpSpPr>
+        <a:xfrm>
+          <a:off x="0" y="0"/>
+          <a:ext cx="0" cy="0"/>
+          <a:chOff x="0" y="0"/>
+          <a:chExt cx="0" cy="0"/>
+        </a:xfrm>
+      </p:grpSpPr>
+      <p:sp>
+        <p:nvSpPr>
+          <p:cNvPr id="2" name="Title 1">
+            <a:extLst>
+              <a:ext uri="{FF2B5EF4-FFF2-40B4-BE49-F238E27FC236}">
+                <a16:creationId xmlns:a16="http://schemas.microsoft.com/office/drawing/2014/main" id="{D6E5EDD0-F324-4244-841B-CE1CEF1899AC}"/>
+              </a:ext>
+            </a:extLst>
+          </p:cNvPr>
+          <p:cNvSpPr>
+            <a:spLocks noGrp="1"/>
+          </p:cNvSpPr>
+          <p:nvPr>
+            <p:ph type="title"/>
+          </p:nvPr>
+        </p:nvSpPr>
+        <p:spPr/>
+        <p:txBody>
+          <a:bodyPr/>
+          <a:lstStyle/>
+          <a:p>
+            <a:r>
+              <a:rPr lang="en-CA" dirty="0"/>
+              <a:t>Backup Slides</a:t>
+            </a:r>
+          </a:p>
+        </p:txBody>
+      </p:sp>
+      <p:sp>
+        <p:nvSpPr>
+          <p:cNvPr id="3" name="Text Placeholder 2">
+            <a:extLst>
+              <a:ext uri="{FF2B5EF4-FFF2-40B4-BE49-F238E27FC236}">
+                <a16:creationId xmlns:a16="http://schemas.microsoft.com/office/drawing/2014/main" id="{92A4FF88-059F-4EE2-B2F8-C2EA4313BDA7}"/>
+              </a:ext>
+            </a:extLst>
+          </p:cNvPr>
+          <p:cNvSpPr>
+            <a:spLocks noGrp="1"/>
+          </p:cNvSpPr>
+          <p:nvPr>
+            <p:ph type="body" idx="1"/>
+          </p:nvPr>
+        </p:nvSpPr>
+        <p:spPr/>
+        <p:txBody>
+          <a:bodyPr/>
+          <a:lstStyle/>
+          <a:p>
+            <a:endParaRPr lang="en-CA"/>
+          </a:p>
+        </p:txBody>
+      </p:sp>
+      <p:sp>
+        <p:nvSpPr>
+          <p:cNvPr id="4" name="Date Placeholder 3">
+            <a:extLst>
+              <a:ext uri="{FF2B5EF4-FFF2-40B4-BE49-F238E27FC236}">
+                <a16:creationId xmlns:a16="http://schemas.microsoft.com/office/drawing/2014/main" id="{9D36BA63-3787-441B-A3BF-D95D367CAD53}"/>
+              </a:ext>
+            </a:extLst>
+          </p:cNvPr>
+          <p:cNvSpPr>
+            <a:spLocks noGrp="1"/>
+          </p:cNvSpPr>
+          <p:nvPr>
+            <p:ph type="dt" sz="half" idx="10"/>
+          </p:nvPr>
+        </p:nvSpPr>
+        <p:spPr/>
+        <p:txBody>
+          <a:bodyPr/>
+          <a:lstStyle/>
+          <a:p>
+            <a:r>
+              <a:rPr lang="en-US"/>
+              <a:t>3/14/2018</a:t>
+            </a:r>
+            <a:endParaRPr lang="en-US" dirty="0"/>
+          </a:p>
+        </p:txBody>
+      </p:sp>
+      <p:sp>
+        <p:nvSpPr>
+          <p:cNvPr id="5" name="Footer Placeholder 4">
+            <a:extLst>
+              <a:ext uri="{FF2B5EF4-FFF2-40B4-BE49-F238E27FC236}">
+                <a16:creationId xmlns:a16="http://schemas.microsoft.com/office/drawing/2014/main" id="{08B66985-F900-41E5-AA7A-1CA5D686F2E3}"/>
+              </a:ext>
+            </a:extLst>
+          </p:cNvPr>
+          <p:cNvSpPr>
+            <a:spLocks noGrp="1"/>
+          </p:cNvSpPr>
+          <p:nvPr>
+            <p:ph type="ftr" sz="quarter" idx="11"/>
+          </p:nvPr>
+        </p:nvSpPr>
+        <p:spPr/>
+        <p:txBody>
+          <a:bodyPr/>
+          <a:lstStyle/>
+          <a:p>
+            <a:r>
+              <a:rPr lang="en-US"/>
+              <a:t>NEO Blockchain Toronto</a:t>
+            </a:r>
+            <a:endParaRPr lang="en-US" dirty="0"/>
+          </a:p>
+        </p:txBody>
+      </p:sp>
+      <p:sp>
+        <p:nvSpPr>
+          <p:cNvPr id="6" name="Slide Number Placeholder 5">
+            <a:extLst>
+              <a:ext uri="{FF2B5EF4-FFF2-40B4-BE49-F238E27FC236}">
+                <a16:creationId xmlns:a16="http://schemas.microsoft.com/office/drawing/2014/main" id="{B5EF0228-571F-410F-B842-75727B8CBA70}"/>
+              </a:ext>
+            </a:extLst>
+          </p:cNvPr>
+          <p:cNvSpPr>
+            <a:spLocks noGrp="1"/>
+          </p:cNvSpPr>
+          <p:nvPr>
+            <p:ph type="sldNum" sz="quarter" idx="12"/>
+          </p:nvPr>
+        </p:nvSpPr>
+        <p:spPr/>
+        <p:txBody>
+          <a:bodyPr/>
+          <a:lstStyle/>
+          <a:p>
+            <a:fld id="{D57F1E4F-1CFF-5643-939E-217C01CDF565}" type="slidenum">
+              <a:rPr lang="en-US" smtClean="0"/>
+              <a:pPr/>
+              <a:t>13</a:t>
+            </a:fld>
+            <a:endParaRPr lang="en-US" dirty="0"/>
+          </a:p>
+        </p:txBody>
+      </p:sp>
+    </p:spTree>
+    <p:extLst>
+      <p:ext uri="{BB962C8B-B14F-4D97-AF65-F5344CB8AC3E}">
+        <p14:creationId xmlns:p14="http://schemas.microsoft.com/office/powerpoint/2010/main" val="736668958"/>
+      </p:ext>
+    </p:extLst>
+  </p:cSld>
+  <p:clrMapOvr>
+    <a:masterClrMapping/>
+  </p:clrMapOvr>
+</p:sld>
+</file>
+
+<file path=ppt/slides/slide14.xml><?xml version="1.0" encoding="utf-8"?>
+<p:sld xmlns:a="http://schemas.openxmlformats.org/drawingml/2006/main" xmlns:r="http://schemas.openxmlformats.org/officeDocument/2006/relationships" xmlns:p="http://schemas.openxmlformats.org/presentationml/2006/main">
+  <p:cSld>
+    <p:spTree>
+      <p:nvGrpSpPr>
+        <p:cNvPr id="1" name=""/>
+        <p:cNvGrpSpPr/>
+        <p:nvPr/>
+      </p:nvGrpSpPr>
+      <p:grpSpPr>
+        <a:xfrm>
+          <a:off x="0" y="0"/>
+          <a:ext cx="0" cy="0"/>
+          <a:chOff x="0" y="0"/>
+          <a:chExt cx="0" cy="0"/>
+        </a:xfrm>
+      </p:grpSpPr>
+      <p:sp>
+        <p:nvSpPr>
+          <p:cNvPr id="2" name="Title 1">
+            <a:extLst>
+              <a:ext uri="{FF2B5EF4-FFF2-40B4-BE49-F238E27FC236}">
+                <a16:creationId xmlns:a16="http://schemas.microsoft.com/office/drawing/2014/main" id="{2C46D84E-5A88-44CF-9166-DD171F12E9E7}"/>
+              </a:ext>
+            </a:extLst>
+          </p:cNvPr>
+          <p:cNvSpPr>
+            <a:spLocks noGrp="1"/>
+          </p:cNvSpPr>
+          <p:nvPr>
+            <p:ph type="ctrTitle"/>
+          </p:nvPr>
+        </p:nvSpPr>
+        <p:spPr>
+          <a:xfrm>
+            <a:off x="1507067" y="1307592"/>
+            <a:ext cx="7766936" cy="2743244"/>
+          </a:xfrm>
+        </p:spPr>
+        <p:txBody>
+          <a:bodyPr anchor="ctr"/>
+          <a:lstStyle/>
+          <a:p>
+            <a:pPr algn="ctr"/>
+            <a:r>
+              <a:rPr lang="en-CA" dirty="0"/>
+              <a:t>NEO Blockchain</a:t>
+            </a:r>
+            <a:br>
+              <a:rPr lang="en-CA" dirty="0"/>
+            </a:br>
+            <a:r>
+              <a:rPr lang="en-CA" sz="8800" dirty="0"/>
+              <a:t>TORONTO</a:t>
+            </a:r>
+          </a:p>
+        </p:txBody>
+      </p:sp>
+      <p:sp>
+        <p:nvSpPr>
+          <p:cNvPr id="3" name="Subtitle 2">
+            <a:extLst>
+              <a:ext uri="{FF2B5EF4-FFF2-40B4-BE49-F238E27FC236}">
+                <a16:creationId xmlns:a16="http://schemas.microsoft.com/office/drawing/2014/main" id="{BE87A8DB-1A14-4EA7-920F-5D1FD73D0E5D}"/>
+              </a:ext>
+            </a:extLst>
+          </p:cNvPr>
+          <p:cNvSpPr>
+            <a:spLocks noGrp="1"/>
+          </p:cNvSpPr>
+          <p:nvPr>
+            <p:ph type="subTitle" idx="1"/>
+          </p:nvPr>
+        </p:nvSpPr>
+        <p:spPr>
+          <a:xfrm>
+            <a:off x="1507067" y="4581185"/>
+            <a:ext cx="7766936" cy="1198175"/>
+          </a:xfrm>
+        </p:spPr>
+        <p:txBody>
+          <a:bodyPr>
+            <a:normAutofit/>
+          </a:bodyPr>
+          <a:lstStyle/>
+          <a:p>
+            <a:pPr algn="ctr"/>
+            <a:r>
+              <a:rPr lang="en-CA" dirty="0"/>
+              <a:t>“Genesis Block 0” Meetup – March 24, 2018</a:t>
+            </a:r>
+          </a:p>
+          <a:p>
+            <a:pPr algn="ctr"/>
+            <a:r>
+              <a:rPr lang="en-CA" dirty="0">
+                <a:hlinkClick r:id="rId2"/>
+              </a:rPr>
+              <a:t>https://www.meetup.com/NEO-Blockchain-Toronto/</a:t>
+            </a:r>
+            <a:endParaRPr lang="en-CA" dirty="0"/>
+          </a:p>
+          <a:p>
+            <a:pPr algn="ctr"/>
+            <a:r>
+              <a:rPr lang="en-CA" dirty="0"/>
+              <a:t>neotoronto@outlook.com</a:t>
+            </a:r>
+          </a:p>
+        </p:txBody>
+      </p:sp>
+      <p:sp>
+        <p:nvSpPr>
+          <p:cNvPr id="8" name="Rectangle 7">
+            <a:extLst>
+              <a:ext uri="{FF2B5EF4-FFF2-40B4-BE49-F238E27FC236}">
+                <a16:creationId xmlns:a16="http://schemas.microsoft.com/office/drawing/2014/main" id="{3C585630-0FF8-423E-900A-1A812BE7BD7D}"/>
+              </a:ext>
+            </a:extLst>
+          </p:cNvPr>
+          <p:cNvSpPr/>
+          <p:nvPr/>
+        </p:nvSpPr>
+        <p:spPr>
+          <a:xfrm>
+            <a:off x="1" y="167027"/>
+            <a:ext cx="10735408" cy="646331"/>
+          </a:xfrm>
+          <a:prstGeom prst="rect">
+            <a:avLst/>
+          </a:prstGeom>
+        </p:spPr>
+        <p:txBody>
+          <a:bodyPr wrap="square">
+            <a:spAutoFit/>
+          </a:bodyPr>
+          <a:lstStyle/>
+          <a:p>
+            <a:pPr algn="ctr"/>
+            <a:r>
+              <a:rPr lang="en-CA" sz="3600" dirty="0">
+                <a:solidFill>
+                  <a:schemeClr val="accent2"/>
+                </a:solidFill>
+              </a:rPr>
+              <a:t>Welcome Neoxplorers!</a:t>
+            </a:r>
+          </a:p>
+        </p:txBody>
+      </p:sp>
+    </p:spTree>
+    <p:extLst>
+      <p:ext uri="{BB962C8B-B14F-4D97-AF65-F5344CB8AC3E}">
+        <p14:creationId xmlns:p14="http://schemas.microsoft.com/office/powerpoint/2010/main" val="2501263339"/>
+      </p:ext>
+    </p:extLst>
+  </p:cSld>
+  <p:clrMapOvr>
+    <a:masterClrMapping/>
+  </p:clrMapOvr>
+</p:sld>
+</file>
+
 <file path=ppt/slides/slide2.xml><?xml version="1.0" encoding="utf-8"?>
 <p:sld xmlns:a="http://schemas.openxmlformats.org/drawingml/2006/main" xmlns:r="http://schemas.openxmlformats.org/officeDocument/2006/relationships" xmlns:p="http://schemas.openxmlformats.org/presentationml/2006/main">
   <p:cSld>
@@ -7419,7 +8365,7 @@
         </p:spPr>
         <p:txBody>
           <a:bodyPr>
-            <a:normAutofit/>
+            <a:normAutofit lnSpcReduction="10000"/>
           </a:bodyPr>
           <a:lstStyle/>
           <a:p>
@@ -7443,6 +8389,16 @@
             <a:r>
               <a:rPr lang="en-US" dirty="0"/>
               <a:t>is a non-profit, community-based Meetup group for blockchain developers and architects interested in designing and creating Distributed Ledger Technology (DLT) (aka blockchain) solutions using the NEO Blockchain platform.</a:t>
+            </a:r>
+          </a:p>
+          <a:p>
+            <a:r>
+              <a:rPr lang="en-US" dirty="0"/>
+              <a:t>We call ourselves </a:t>
+            </a:r>
+            <a:r>
+              <a:rPr lang="en-US" b="1" i="1" dirty="0"/>
+              <a:t>Neoxplorers</a:t>
             </a:r>
             <a:br>
               <a:rPr lang="en-US" dirty="0"/>
@@ -7654,6 +8610,346 @@
           <p:cNvPr id="2" name="Title 1">
             <a:extLst>
               <a:ext uri="{FF2B5EF4-FFF2-40B4-BE49-F238E27FC236}">
+                <a16:creationId xmlns:a16="http://schemas.microsoft.com/office/drawing/2014/main" id="{52CF9429-AA32-4FBE-ABAA-E013C5A1094B}"/>
+              </a:ext>
+            </a:extLst>
+          </p:cNvPr>
+          <p:cNvSpPr>
+            <a:spLocks noGrp="1"/>
+          </p:cNvSpPr>
+          <p:nvPr>
+            <p:ph type="title"/>
+          </p:nvPr>
+        </p:nvSpPr>
+        <p:spPr/>
+        <p:txBody>
+          <a:bodyPr/>
+          <a:lstStyle/>
+          <a:p>
+            <a:r>
+              <a:rPr lang="en-CA" dirty="0"/>
+              <a:t>Our Values as </a:t>
+            </a:r>
+            <a:r>
+              <a:rPr lang="en-CA" i="1" dirty="0"/>
+              <a:t>Neoxplorers</a:t>
+            </a:r>
+          </a:p>
+        </p:txBody>
+      </p:sp>
+      <p:sp>
+        <p:nvSpPr>
+          <p:cNvPr id="3" name="Content Placeholder 2">
+            <a:extLst>
+              <a:ext uri="{FF2B5EF4-FFF2-40B4-BE49-F238E27FC236}">
+                <a16:creationId xmlns:a16="http://schemas.microsoft.com/office/drawing/2014/main" id="{416D69F6-D9F8-4869-B695-28AD5D234E8F}"/>
+              </a:ext>
+            </a:extLst>
+          </p:cNvPr>
+          <p:cNvSpPr>
+            <a:spLocks noGrp="1"/>
+          </p:cNvSpPr>
+          <p:nvPr>
+            <p:ph sz="half" idx="1"/>
+          </p:nvPr>
+        </p:nvSpPr>
+        <p:spPr/>
+        <p:txBody>
+          <a:bodyPr>
+            <a:normAutofit lnSpcReduction="10000"/>
+          </a:bodyPr>
+          <a:lstStyle/>
+          <a:p>
+            <a:pPr marL="0" indent="0">
+              <a:buNone/>
+            </a:pPr>
+            <a:r>
+              <a:rPr lang="en-CA" b="1" dirty="0"/>
+              <a:t>We </a:t>
+            </a:r>
+            <a:r>
+              <a:rPr lang="en-CA" b="1" u="sng" dirty="0"/>
+              <a:t>operate</a:t>
+            </a:r>
+            <a:r>
+              <a:rPr lang="en-CA" b="1" dirty="0"/>
+              <a:t> like a blockchain</a:t>
+            </a:r>
+          </a:p>
+          <a:p>
+            <a:r>
+              <a:rPr lang="en-CA" dirty="0"/>
+              <a:t>Decentralized</a:t>
+            </a:r>
+          </a:p>
+          <a:p>
+            <a:r>
+              <a:rPr lang="en-CA" dirty="0"/>
+              <a:t>Community based</a:t>
+            </a:r>
+          </a:p>
+          <a:p>
+            <a:r>
+              <a:rPr lang="en-CA" dirty="0"/>
+              <a:t>Consensus driven</a:t>
+            </a:r>
+          </a:p>
+          <a:p>
+            <a:r>
+              <a:rPr lang="en-CA" dirty="0"/>
+              <a:t>Creators of value</a:t>
+            </a:r>
+          </a:p>
+          <a:p>
+            <a:r>
+              <a:rPr lang="en-CA" dirty="0"/>
+              <a:t>Store value</a:t>
+            </a:r>
+          </a:p>
+          <a:p>
+            <a:r>
+              <a:rPr lang="en-CA" dirty="0"/>
+              <a:t>Transfer value</a:t>
+            </a:r>
+          </a:p>
+          <a:p>
+            <a:r>
+              <a:rPr lang="en-CA" dirty="0"/>
+              <a:t>Multi-disciplinary</a:t>
+            </a:r>
+          </a:p>
+          <a:p>
+            <a:r>
+              <a:rPr lang="en-CA" dirty="0"/>
+              <a:t>Multi-application</a:t>
+            </a:r>
+          </a:p>
+          <a:p>
+            <a:r>
+              <a:rPr lang="en-CA" dirty="0"/>
+              <a:t>Multi-technology</a:t>
+            </a:r>
+          </a:p>
+        </p:txBody>
+      </p:sp>
+      <p:sp>
+        <p:nvSpPr>
+          <p:cNvPr id="7" name="Content Placeholder 6">
+            <a:extLst>
+              <a:ext uri="{FF2B5EF4-FFF2-40B4-BE49-F238E27FC236}">
+                <a16:creationId xmlns:a16="http://schemas.microsoft.com/office/drawing/2014/main" id="{0D9AA23D-39A1-4CD1-BB1C-34168F7BAB5D}"/>
+              </a:ext>
+            </a:extLst>
+          </p:cNvPr>
+          <p:cNvSpPr>
+            <a:spLocks noGrp="1"/>
+          </p:cNvSpPr>
+          <p:nvPr>
+            <p:ph sz="half" idx="2"/>
+          </p:nvPr>
+        </p:nvSpPr>
+        <p:spPr/>
+        <p:txBody>
+          <a:bodyPr>
+            <a:normAutofit lnSpcReduction="10000"/>
+          </a:bodyPr>
+          <a:lstStyle/>
+          <a:p>
+            <a:pPr marL="0" indent="0">
+              <a:buNone/>
+            </a:pPr>
+            <a:r>
+              <a:rPr lang="en-CA" b="1" dirty="0"/>
+              <a:t>We </a:t>
+            </a:r>
+            <a:r>
+              <a:rPr lang="en-CA" b="1" u="sng" dirty="0"/>
+              <a:t>behave</a:t>
+            </a:r>
+            <a:r>
+              <a:rPr lang="en-CA" b="1" dirty="0"/>
+              <a:t> like a blockchain</a:t>
+            </a:r>
+          </a:p>
+          <a:p>
+            <a:r>
+              <a:rPr lang="en-CA" dirty="0"/>
+              <a:t>Robust</a:t>
+            </a:r>
+          </a:p>
+          <a:p>
+            <a:r>
+              <a:rPr lang="en-CA" dirty="0"/>
+              <a:t>Reliable</a:t>
+            </a:r>
+          </a:p>
+          <a:p>
+            <a:r>
+              <a:rPr lang="en-CA" dirty="0"/>
+              <a:t>Transparent</a:t>
+            </a:r>
+          </a:p>
+          <a:p>
+            <a:r>
+              <a:rPr lang="en-CA" dirty="0"/>
+              <a:t>Smart</a:t>
+            </a:r>
+          </a:p>
+          <a:p>
+            <a:r>
+              <a:rPr lang="en-CA" dirty="0"/>
+              <a:t>Open</a:t>
+            </a:r>
+          </a:p>
+          <a:p>
+            <a:r>
+              <a:rPr lang="en-CA" dirty="0"/>
+              <a:t>Non-discriminatory</a:t>
+            </a:r>
+          </a:p>
+          <a:p>
+            <a:r>
+              <a:rPr lang="en-CA" dirty="0"/>
+              <a:t>Participatory</a:t>
+            </a:r>
+          </a:p>
+          <a:p>
+            <a:r>
+              <a:rPr lang="en-CA" dirty="0"/>
+              <a:t>Diversity</a:t>
+            </a:r>
+          </a:p>
+          <a:p>
+            <a:r>
+              <a:rPr lang="en-CA" dirty="0"/>
+              <a:t>Committed</a:t>
+            </a:r>
+          </a:p>
+        </p:txBody>
+      </p:sp>
+      <p:sp>
+        <p:nvSpPr>
+          <p:cNvPr id="4" name="Date Placeholder 3">
+            <a:extLst>
+              <a:ext uri="{FF2B5EF4-FFF2-40B4-BE49-F238E27FC236}">
+                <a16:creationId xmlns:a16="http://schemas.microsoft.com/office/drawing/2014/main" id="{53F6F868-9731-4BB8-A248-65752CC8F494}"/>
+              </a:ext>
+            </a:extLst>
+          </p:cNvPr>
+          <p:cNvSpPr>
+            <a:spLocks noGrp="1"/>
+          </p:cNvSpPr>
+          <p:nvPr>
+            <p:ph type="dt" sz="half" idx="10"/>
+          </p:nvPr>
+        </p:nvSpPr>
+        <p:spPr/>
+        <p:txBody>
+          <a:bodyPr/>
+          <a:lstStyle/>
+          <a:p>
+            <a:r>
+              <a:rPr lang="en-US"/>
+              <a:t>3/14/2018</a:t>
+            </a:r>
+            <a:endParaRPr lang="en-US" dirty="0"/>
+          </a:p>
+        </p:txBody>
+      </p:sp>
+      <p:sp>
+        <p:nvSpPr>
+          <p:cNvPr id="5" name="Footer Placeholder 4">
+            <a:extLst>
+              <a:ext uri="{FF2B5EF4-FFF2-40B4-BE49-F238E27FC236}">
+                <a16:creationId xmlns:a16="http://schemas.microsoft.com/office/drawing/2014/main" id="{BAF235CB-0FBB-4764-A879-3471BAA4060A}"/>
+              </a:ext>
+            </a:extLst>
+          </p:cNvPr>
+          <p:cNvSpPr>
+            <a:spLocks noGrp="1"/>
+          </p:cNvSpPr>
+          <p:nvPr>
+            <p:ph type="ftr" sz="quarter" idx="11"/>
+          </p:nvPr>
+        </p:nvSpPr>
+        <p:spPr/>
+        <p:txBody>
+          <a:bodyPr/>
+          <a:lstStyle/>
+          <a:p>
+            <a:r>
+              <a:rPr lang="en-US"/>
+              <a:t>NEO Blockchain Toronto</a:t>
+            </a:r>
+            <a:endParaRPr lang="en-US" dirty="0"/>
+          </a:p>
+        </p:txBody>
+      </p:sp>
+      <p:sp>
+        <p:nvSpPr>
+          <p:cNvPr id="6" name="Slide Number Placeholder 5">
+            <a:extLst>
+              <a:ext uri="{FF2B5EF4-FFF2-40B4-BE49-F238E27FC236}">
+                <a16:creationId xmlns:a16="http://schemas.microsoft.com/office/drawing/2014/main" id="{B7770D10-9999-434C-A2E7-53DC220DE37B}"/>
+              </a:ext>
+            </a:extLst>
+          </p:cNvPr>
+          <p:cNvSpPr>
+            <a:spLocks noGrp="1"/>
+          </p:cNvSpPr>
+          <p:nvPr>
+            <p:ph type="sldNum" sz="quarter" idx="12"/>
+          </p:nvPr>
+        </p:nvSpPr>
+        <p:spPr/>
+        <p:txBody>
+          <a:bodyPr/>
+          <a:lstStyle/>
+          <a:p>
+            <a:fld id="{D57F1E4F-1CFF-5643-939E-217C01CDF565}" type="slidenum">
+              <a:rPr lang="en-US" smtClean="0"/>
+              <a:pPr/>
+              <a:t>5</a:t>
+            </a:fld>
+            <a:endParaRPr lang="en-US" dirty="0"/>
+          </a:p>
+        </p:txBody>
+      </p:sp>
+    </p:spTree>
+    <p:extLst>
+      <p:ext uri="{BB962C8B-B14F-4D97-AF65-F5344CB8AC3E}">
+        <p14:creationId xmlns:p14="http://schemas.microsoft.com/office/powerpoint/2010/main" val="4267359060"/>
+      </p:ext>
+    </p:extLst>
+  </p:cSld>
+  <p:clrMapOvr>
+    <a:masterClrMapping/>
+  </p:clrMapOvr>
+</p:sld>
+</file>
+
+<file path=ppt/slides/slide6.xml><?xml version="1.0" encoding="utf-8"?>
+<p:sld xmlns:a="http://schemas.openxmlformats.org/drawingml/2006/main" xmlns:r="http://schemas.openxmlformats.org/officeDocument/2006/relationships" xmlns:p="http://schemas.openxmlformats.org/presentationml/2006/main">
+  <p:cSld>
+    <p:spTree>
+      <p:nvGrpSpPr>
+        <p:cNvPr id="1" name=""/>
+        <p:cNvGrpSpPr/>
+        <p:nvPr/>
+      </p:nvGrpSpPr>
+      <p:grpSpPr>
+        <a:xfrm>
+          <a:off x="0" y="0"/>
+          <a:ext cx="0" cy="0"/>
+          <a:chOff x="0" y="0"/>
+          <a:chExt cx="0" cy="0"/>
+        </a:xfrm>
+      </p:grpSpPr>
+      <p:sp>
+        <p:nvSpPr>
+          <p:cNvPr id="2" name="Title 1">
+            <a:extLst>
+              <a:ext uri="{FF2B5EF4-FFF2-40B4-BE49-F238E27FC236}">
                 <a16:creationId xmlns:a16="http://schemas.microsoft.com/office/drawing/2014/main" id="{E69B6798-0E27-464C-9C26-AB8334C19AFA}"/>
               </a:ext>
             </a:extLst>
@@ -7860,7 +9156,7 @@
             <a:fld id="{D57F1E4F-1CFF-5643-939E-217C01CDF565}" type="slidenum">
               <a:rPr lang="en-US" smtClean="0"/>
               <a:pPr/>
-              <a:t>5</a:t>
+              <a:t>6</a:t>
             </a:fld>
             <a:endParaRPr lang="en-US" dirty="0"/>
           </a:p>
@@ -7916,250 +9212,6 @@
 </p:sld>
 </file>
 
-<file path=ppt/slides/slide6.xml><?xml version="1.0" encoding="utf-8"?>
-<p:sld xmlns:a="http://schemas.openxmlformats.org/drawingml/2006/main" xmlns:r="http://schemas.openxmlformats.org/officeDocument/2006/relationships" xmlns:p="http://schemas.openxmlformats.org/presentationml/2006/main">
-  <p:cSld>
-    <p:spTree>
-      <p:nvGrpSpPr>
-        <p:cNvPr id="1" name=""/>
-        <p:cNvGrpSpPr/>
-        <p:nvPr/>
-      </p:nvGrpSpPr>
-      <p:grpSpPr>
-        <a:xfrm>
-          <a:off x="0" y="0"/>
-          <a:ext cx="0" cy="0"/>
-          <a:chOff x="0" y="0"/>
-          <a:chExt cx="0" cy="0"/>
-        </a:xfrm>
-      </p:grpSpPr>
-      <p:sp>
-        <p:nvSpPr>
-          <p:cNvPr id="2" name="Title 1">
-            <a:extLst>
-              <a:ext uri="{FF2B5EF4-FFF2-40B4-BE49-F238E27FC236}">
-                <a16:creationId xmlns:a16="http://schemas.microsoft.com/office/drawing/2014/main" id="{E69B6798-0E27-464C-9C26-AB8334C19AFA}"/>
-              </a:ext>
-            </a:extLst>
-          </p:cNvPr>
-          <p:cNvSpPr>
-            <a:spLocks noGrp="1"/>
-          </p:cNvSpPr>
-          <p:nvPr>
-            <p:ph type="title"/>
-          </p:nvPr>
-        </p:nvSpPr>
-        <p:spPr/>
-        <p:txBody>
-          <a:bodyPr/>
-          <a:lstStyle/>
-          <a:p>
-            <a:r>
-              <a:rPr lang="en-CA" dirty="0"/>
-              <a:t>Why </a:t>
-            </a:r>
-            <a:r>
-              <a:rPr lang="en-CA" b="1" dirty="0"/>
-              <a:t>NEO</a:t>
-            </a:r>
-            <a:r>
-              <a:rPr lang="en-CA" dirty="0"/>
-              <a:t>?</a:t>
-            </a:r>
-          </a:p>
-        </p:txBody>
-      </p:sp>
-      <p:sp>
-        <p:nvSpPr>
-          <p:cNvPr id="3" name="Content Placeholder 2">
-            <a:extLst>
-              <a:ext uri="{FF2B5EF4-FFF2-40B4-BE49-F238E27FC236}">
-                <a16:creationId xmlns:a16="http://schemas.microsoft.com/office/drawing/2014/main" id="{7019A0A9-E403-4795-9F88-DB86835D1E73}"/>
-              </a:ext>
-            </a:extLst>
-          </p:cNvPr>
-          <p:cNvSpPr>
-            <a:spLocks noGrp="1"/>
-          </p:cNvSpPr>
-          <p:nvPr>
-            <p:ph idx="1"/>
-          </p:nvPr>
-        </p:nvSpPr>
-        <p:spPr/>
-        <p:txBody>
-          <a:bodyPr/>
-          <a:lstStyle/>
-          <a:p>
-            <a:pPr marL="0" indent="0">
-              <a:buNone/>
-            </a:pPr>
-            <a:r>
-              <a:rPr lang="en-CA" dirty="0"/>
-              <a:t>Vision</a:t>
-            </a:r>
-          </a:p>
-          <a:p>
-            <a:r>
-              <a:rPr lang="en-CA" dirty="0"/>
-              <a:t>TODO</a:t>
-            </a:r>
-          </a:p>
-          <a:p>
-            <a:pPr marL="0" indent="0">
-              <a:buNone/>
-            </a:pPr>
-            <a:r>
-              <a:rPr lang="en-CA" dirty="0"/>
-              <a:t>Goals</a:t>
-            </a:r>
-          </a:p>
-          <a:p>
-            <a:r>
-              <a:rPr lang="en-CA" dirty="0"/>
-              <a:t>TODO</a:t>
-            </a:r>
-          </a:p>
-          <a:p>
-            <a:r>
-              <a:rPr lang="en-CA" dirty="0"/>
-              <a:t>TODO</a:t>
-            </a:r>
-          </a:p>
-          <a:p>
-            <a:r>
-              <a:rPr lang="en-CA" dirty="0"/>
-              <a:t>TODO</a:t>
-            </a:r>
-          </a:p>
-          <a:p>
-            <a:pPr marL="0" indent="0">
-              <a:buNone/>
-            </a:pPr>
-            <a:r>
-              <a:rPr lang="en-CA" dirty="0"/>
-              <a:t>Differentiators</a:t>
-            </a:r>
-          </a:p>
-          <a:p>
-            <a:r>
-              <a:rPr lang="en-CA" dirty="0"/>
-              <a:t>TODO</a:t>
-            </a:r>
-          </a:p>
-          <a:p>
-            <a:r>
-              <a:rPr lang="en-CA" dirty="0"/>
-              <a:t>TODO</a:t>
-            </a:r>
-          </a:p>
-          <a:p>
-            <a:r>
-              <a:rPr lang="en-CA" dirty="0"/>
-              <a:t>TODO</a:t>
-            </a:r>
-          </a:p>
-        </p:txBody>
-      </p:sp>
-      <p:sp>
-        <p:nvSpPr>
-          <p:cNvPr id="4" name="Date Placeholder 3">
-            <a:extLst>
-              <a:ext uri="{FF2B5EF4-FFF2-40B4-BE49-F238E27FC236}">
-                <a16:creationId xmlns:a16="http://schemas.microsoft.com/office/drawing/2014/main" id="{839D4A78-CA7C-4183-8AA4-13B0EAD0D4CC}"/>
-              </a:ext>
-            </a:extLst>
-          </p:cNvPr>
-          <p:cNvSpPr>
-            <a:spLocks noGrp="1"/>
-          </p:cNvSpPr>
-          <p:nvPr>
-            <p:ph type="dt" sz="half" idx="10"/>
-          </p:nvPr>
-        </p:nvSpPr>
-        <p:spPr/>
-        <p:txBody>
-          <a:bodyPr/>
-          <a:lstStyle/>
-          <a:p>
-            <a:r>
-              <a:rPr lang="en-US"/>
-              <a:t>3/14/2018</a:t>
-            </a:r>
-            <a:endParaRPr lang="en-US" dirty="0"/>
-          </a:p>
-        </p:txBody>
-      </p:sp>
-      <p:sp>
-        <p:nvSpPr>
-          <p:cNvPr id="7" name="Footer Placeholder 6">
-            <a:extLst>
-              <a:ext uri="{FF2B5EF4-FFF2-40B4-BE49-F238E27FC236}">
-                <a16:creationId xmlns:a16="http://schemas.microsoft.com/office/drawing/2014/main" id="{9768DD0E-0AB0-4FF4-A2FC-69DEECB2257B}"/>
-              </a:ext>
-            </a:extLst>
-          </p:cNvPr>
-          <p:cNvSpPr>
-            <a:spLocks noGrp="1"/>
-          </p:cNvSpPr>
-          <p:nvPr>
-            <p:ph type="ftr" sz="quarter" idx="11"/>
-          </p:nvPr>
-        </p:nvSpPr>
-        <p:spPr/>
-        <p:txBody>
-          <a:bodyPr/>
-          <a:lstStyle/>
-          <a:p>
-            <a:r>
-              <a:rPr lang="en-US" dirty="0"/>
-              <a:t>NEO Blockchain Toronto</a:t>
-            </a:r>
-          </a:p>
-        </p:txBody>
-      </p:sp>
-      <p:sp>
-        <p:nvSpPr>
-          <p:cNvPr id="5" name="Slide Number Placeholder 4">
-            <a:extLst>
-              <a:ext uri="{FF2B5EF4-FFF2-40B4-BE49-F238E27FC236}">
-                <a16:creationId xmlns:a16="http://schemas.microsoft.com/office/drawing/2014/main" id="{FE531A56-5541-4288-8440-4DFEE9623005}"/>
-              </a:ext>
-            </a:extLst>
-          </p:cNvPr>
-          <p:cNvSpPr>
-            <a:spLocks noGrp="1"/>
-          </p:cNvSpPr>
-          <p:nvPr>
-            <p:ph type="sldNum" sz="quarter" idx="12"/>
-          </p:nvPr>
-        </p:nvSpPr>
-        <p:spPr/>
-        <p:txBody>
-          <a:bodyPr/>
-          <a:lstStyle/>
-          <a:p>
-            <a:fld id="{D57F1E4F-1CFF-5643-939E-217C01CDF565}" type="slidenum">
-              <a:rPr lang="en-US" smtClean="0"/>
-              <a:pPr/>
-              <a:t>6</a:t>
-            </a:fld>
-            <a:endParaRPr lang="en-US" dirty="0"/>
-          </a:p>
-        </p:txBody>
-      </p:sp>
-    </p:spTree>
-    <p:extLst>
-      <p:ext uri="{BB962C8B-B14F-4D97-AF65-F5344CB8AC3E}">
-        <p14:creationId xmlns:p14="http://schemas.microsoft.com/office/powerpoint/2010/main" val="1831496136"/>
-      </p:ext>
-    </p:extLst>
-  </p:cSld>
-  <p:clrMapOvr>
-    <a:masterClrMapping/>
-  </p:clrMapOvr>
-</p:sld>
-</file>
-
 <file path=ppt/slides/slide7.xml><?xml version="1.0" encoding="utf-8"?>
 <p:sld xmlns:a="http://schemas.openxmlformats.org/drawingml/2006/main" xmlns:r="http://schemas.openxmlformats.org/officeDocument/2006/relationships" xmlns:p="http://schemas.openxmlformats.org/presentationml/2006/main">
   <p:cSld>
@@ -8200,7 +9252,15 @@
           <a:p>
             <a:r>
               <a:rPr lang="en-CA" dirty="0"/>
-              <a:t>NEO News</a:t>
+              <a:t>Why </a:t>
+            </a:r>
+            <a:r>
+              <a:rPr lang="en-CA" b="1" dirty="0"/>
+              <a:t>NEO</a:t>
+            </a:r>
+            <a:r>
+              <a:rPr lang="en-CA" dirty="0"/>
+              <a:t>?</a:t>
             </a:r>
           </a:p>
         </p:txBody>
@@ -8226,9 +9286,72 @@
           <a:bodyPr/>
           <a:lstStyle/>
           <a:p>
+            <a:pPr marL="0" indent="0">
+              <a:buNone/>
+            </a:pPr>
             <a:r>
               <a:rPr lang="en-CA" dirty="0"/>
-              <a:t>Who is switching to NEO?</a:t>
+              <a:t>Vision</a:t>
+            </a:r>
+          </a:p>
+          <a:p>
+            <a:r>
+              <a:rPr lang="en-CA" dirty="0"/>
+              <a:t>TODO</a:t>
+            </a:r>
+          </a:p>
+          <a:p>
+            <a:pPr marL="0" indent="0">
+              <a:buNone/>
+            </a:pPr>
+            <a:r>
+              <a:rPr lang="en-CA" dirty="0"/>
+              <a:t>Goals</a:t>
+            </a:r>
+          </a:p>
+          <a:p>
+            <a:r>
+              <a:rPr lang="en-CA" dirty="0"/>
+              <a:t>TODO</a:t>
+            </a:r>
+          </a:p>
+          <a:p>
+            <a:r>
+              <a:rPr lang="en-CA" dirty="0"/>
+              <a:t>TODO</a:t>
+            </a:r>
+          </a:p>
+          <a:p>
+            <a:r>
+              <a:rPr lang="en-CA" dirty="0"/>
+              <a:t>TODO</a:t>
+            </a:r>
+          </a:p>
+          <a:p>
+            <a:pPr marL="0" indent="0">
+              <a:buNone/>
+            </a:pPr>
+            <a:r>
+              <a:rPr lang="en-CA" dirty="0"/>
+              <a:t>Differentiators</a:t>
+            </a:r>
+          </a:p>
+          <a:p>
+            <a:r>
+              <a:rPr lang="en-CA" dirty="0"/>
+              <a:t>TODO</a:t>
+            </a:r>
+          </a:p>
+          <a:p>
+            <a:r>
+              <a:rPr lang="en-CA" dirty="0"/>
+              <a:t>TODO</a:t>
+            </a:r>
+          </a:p>
+          <a:p>
+            <a:r>
+              <a:rPr lang="en-CA" dirty="0"/>
+              <a:t>TODO</a:t>
             </a:r>
           </a:p>
         </p:txBody>
@@ -8267,7 +9390,7 @@
           <p:cNvPr id="7" name="Footer Placeholder 6">
             <a:extLst>
               <a:ext uri="{FF2B5EF4-FFF2-40B4-BE49-F238E27FC236}">
-                <a16:creationId xmlns:a16="http://schemas.microsoft.com/office/drawing/2014/main" id="{4A3DD541-D41D-43DB-AEE1-5A824B4788E9}"/>
+                <a16:creationId xmlns:a16="http://schemas.microsoft.com/office/drawing/2014/main" id="{9768DD0E-0AB0-4FF4-A2FC-69DEECB2257B}"/>
               </a:ext>
             </a:extLst>
           </p:cNvPr>
@@ -8284,10 +9407,9 @@
           <a:lstStyle/>
           <a:p>
             <a:r>
-              <a:rPr lang="en-US"/>
+              <a:rPr lang="en-US" dirty="0"/>
               <a:t>NEO Blockchain Toronto</a:t>
             </a:r>
-            <a:endParaRPr lang="en-US" dirty="0"/>
           </a:p>
         </p:txBody>
       </p:sp>
@@ -8324,7 +9446,7 @@
     </p:spTree>
     <p:extLst>
       <p:ext uri="{BB962C8B-B14F-4D97-AF65-F5344CB8AC3E}">
-        <p14:creationId xmlns:p14="http://schemas.microsoft.com/office/powerpoint/2010/main" val="2527114941"/>
+        <p14:creationId xmlns:p14="http://schemas.microsoft.com/office/powerpoint/2010/main" val="1831496136"/>
       </p:ext>
     </p:extLst>
   </p:cSld>
@@ -8374,7 +9496,7 @@
           <a:p>
             <a:r>
               <a:rPr lang="en-CA" dirty="0"/>
-              <a:t>NEO Resources</a:t>
+              <a:t>NEO News</a:t>
             </a:r>
           </a:p>
         </p:txBody>
@@ -8397,134 +9519,12 @@
         </p:nvSpPr>
         <p:spPr/>
         <p:txBody>
-          <a:bodyPr>
-            <a:normAutofit lnSpcReduction="10000"/>
-          </a:bodyPr>
-          <a:lstStyle/>
-          <a:p>
-            <a:pPr marL="0" indent="0">
-              <a:buNone/>
-            </a:pPr>
+          <a:bodyPr/>
+          <a:lstStyle/>
+          <a:p>
             <a:r>
               <a:rPr lang="en-CA" dirty="0"/>
-              <a:t>General</a:t>
-            </a:r>
-          </a:p>
-          <a:p>
-            <a:r>
-              <a:rPr lang="en-CA" dirty="0"/>
-              <a:t>NEO.org</a:t>
-            </a:r>
-            <a:br>
-              <a:rPr lang="en-CA" dirty="0"/>
-            </a:br>
-            <a:r>
-              <a:rPr lang="en-CA" dirty="0">
-                <a:hlinkClick r:id="rId2"/>
-              </a:rPr>
-              <a:t>http://neo.org</a:t>
-            </a:r>
-            <a:r>
-              <a:rPr lang="en-CA" dirty="0"/>
-              <a:t> </a:t>
-            </a:r>
-          </a:p>
-          <a:p>
-            <a:r>
-              <a:rPr lang="en-CA" dirty="0"/>
-              <a:t>TODO</a:t>
-            </a:r>
-          </a:p>
-          <a:p>
-            <a:r>
-              <a:rPr lang="en-CA" dirty="0"/>
-              <a:t>TODO</a:t>
-            </a:r>
-          </a:p>
-          <a:p>
-            <a:pPr marL="0" indent="0">
-              <a:buNone/>
-            </a:pPr>
-            <a:r>
-              <a:rPr lang="en-CA" dirty="0"/>
-              <a:t>Developers</a:t>
-            </a:r>
-          </a:p>
-          <a:p>
-            <a:r>
-              <a:rPr lang="en-CA" dirty="0"/>
-              <a:t>NEO Blockchain developer guidance for Microsoft .NET developers (</a:t>
-            </a:r>
-            <a:r>
-              <a:rPr lang="en-CA" b="1" dirty="0"/>
-              <a:t>neo-</a:t>
-            </a:r>
-            <a:r>
-              <a:rPr lang="en-CA" b="1" dirty="0" err="1"/>
-              <a:t>windocs</a:t>
-            </a:r>
-            <a:r>
-              <a:rPr lang="en-CA" dirty="0"/>
-              <a:t>)</a:t>
-            </a:r>
-            <a:br>
-              <a:rPr lang="en-CA" dirty="0"/>
-            </a:br>
-            <a:r>
-              <a:rPr lang="en-CA" dirty="0">
-                <a:hlinkClick r:id="rId3"/>
-              </a:rPr>
-              <a:t>https://github.com/mwherman2000/neo-windocs</a:t>
-            </a:r>
-            <a:r>
-              <a:rPr lang="en-CA" dirty="0"/>
-              <a:t> </a:t>
-            </a:r>
-          </a:p>
-          <a:p>
-            <a:r>
-              <a:rPr lang="en-CA" dirty="0"/>
-              <a:t>City of Zion </a:t>
-            </a:r>
-            <a:r>
-              <a:rPr lang="en-CA" b="1" dirty="0"/>
-              <a:t>awesome-neo</a:t>
-            </a:r>
-            <a:r>
-              <a:rPr lang="en-CA" dirty="0"/>
-              <a:t> project</a:t>
-            </a:r>
-            <a:br>
-              <a:rPr lang="en-CA" dirty="0"/>
-            </a:br>
-            <a:r>
-              <a:rPr lang="en-CA" dirty="0">
-                <a:hlinkClick r:id="rId4"/>
-              </a:rPr>
-              <a:t>https://github.com/CityOfZion/awesome-neo/</a:t>
-            </a:r>
-            <a:r>
-              <a:rPr lang="en-CA" dirty="0"/>
-              <a:t> </a:t>
-            </a:r>
-          </a:p>
-          <a:p>
-            <a:r>
-              <a:rPr lang="en-CA" dirty="0"/>
-              <a:t>The NEO Project</a:t>
-            </a:r>
-            <a:br>
-              <a:rPr lang="en-CA" dirty="0"/>
-            </a:br>
-            <a:r>
-              <a:rPr lang="en-CA" dirty="0">
-                <a:hlinkClick r:id="rId5"/>
-              </a:rPr>
-              <a:t>https://github.com/neo-project</a:t>
-            </a:r>
-            <a:r>
-              <a:rPr lang="en-CA" dirty="0"/>
-              <a:t>  </a:t>
+              <a:t>Who is switching to NEO?</a:t>
             </a:r>
           </a:p>
         </p:txBody>
@@ -8563,7 +9563,7 @@
           <p:cNvPr id="7" name="Footer Placeholder 6">
             <a:extLst>
               <a:ext uri="{FF2B5EF4-FFF2-40B4-BE49-F238E27FC236}">
-                <a16:creationId xmlns:a16="http://schemas.microsoft.com/office/drawing/2014/main" id="{EDD021CF-94AD-4F4B-B8E4-530293AE47AF}"/>
+                <a16:creationId xmlns:a16="http://schemas.microsoft.com/office/drawing/2014/main" id="{4A3DD541-D41D-43DB-AEE1-5A824B4788E9}"/>
               </a:ext>
             </a:extLst>
           </p:cNvPr>
@@ -8620,7 +9620,7 @@
     </p:spTree>
     <p:extLst>
       <p:ext uri="{BB962C8B-B14F-4D97-AF65-F5344CB8AC3E}">
-        <p14:creationId xmlns:p14="http://schemas.microsoft.com/office/powerpoint/2010/main" val="2819126558"/>
+        <p14:creationId xmlns:p14="http://schemas.microsoft.com/office/powerpoint/2010/main" val="2527114941"/>
       </p:ext>
     </p:extLst>
   </p:cSld>
@@ -8665,23 +9665,13 @@
         </p:nvSpPr>
         <p:spPr/>
         <p:txBody>
-          <a:bodyPr>
-            <a:normAutofit fontScale="90000"/>
-          </a:bodyPr>
-          <a:lstStyle/>
-          <a:p>
-            <a:r>
-              <a:rPr lang="en-US" dirty="0"/>
-              <a:t>NEO Blockchain Quick Start Guide</a:t>
-            </a:r>
-            <a:br>
-              <a:rPr lang="en-US" dirty="0"/>
-            </a:br>
-            <a:r>
-              <a:rPr lang="en-US" dirty="0"/>
-              <a:t>for .NET Developers</a:t>
-            </a:r>
-            <a:endParaRPr lang="en-CA" dirty="0"/>
+          <a:bodyPr/>
+          <a:lstStyle/>
+          <a:p>
+            <a:r>
+              <a:rPr lang="en-CA" dirty="0"/>
+              <a:t>NEO Resources</a:t>
+            </a:r>
           </a:p>
         </p:txBody>
       </p:sp>
@@ -8703,40 +9693,135 @@
         </p:nvSpPr>
         <p:spPr/>
         <p:txBody>
-          <a:bodyPr/>
+          <a:bodyPr>
+            <a:normAutofit lnSpcReduction="10000"/>
+          </a:bodyPr>
           <a:lstStyle/>
           <a:p>
             <a:pPr marL="0" indent="0">
               <a:buNone/>
             </a:pPr>
             <a:r>
-              <a:rPr lang="en-US" dirty="0">
-                <a:hlinkClick r:id="rId2" tooltip="https://github.com/mwherman2000/neo-windocs/blob/master/windocs/quickstart-csharp/README.md"/>
-              </a:rPr>
-              <a:t>https://github.com/mwherman2000/neo-windocs</a:t>
-            </a:r>
-          </a:p>
-          <a:p>
-            <a:pPr marL="0" indent="0">
-              <a:buNone/>
-            </a:pPr>
-            <a:r>
-              <a:rPr lang="en-US" dirty="0">
-                <a:hlinkClick r:id="rId2" tooltip="https://github.com/mwherman2000/neo-windocs/blob/master/windocs/quickstart-csharp/README.md"/>
-              </a:rPr>
-              <a:t>/blob/master/windocs/quickstart-csharp/README.md</a:t>
-            </a:r>
-            <a:endParaRPr lang="en-US" dirty="0"/>
-          </a:p>
-          <a:p>
-            <a:r>
-              <a:rPr lang="en-US" dirty="0"/>
-              <a:t>TODO</a:t>
+              <a:rPr lang="en-CA" dirty="0"/>
+              <a:t>General</a:t>
+            </a:r>
+          </a:p>
+          <a:p>
+            <a:r>
+              <a:rPr lang="en-CA" dirty="0"/>
+              <a:t>NEO.org</a:t>
             </a:r>
             <a:br>
               <a:rPr lang="en-CA" dirty="0"/>
             </a:br>
-            <a:endParaRPr lang="en-CA" dirty="0"/>
+            <a:r>
+              <a:rPr lang="en-CA" dirty="0">
+                <a:hlinkClick r:id="rId2"/>
+              </a:rPr>
+              <a:t>http://neo.org</a:t>
+            </a:r>
+            <a:r>
+              <a:rPr lang="en-CA" dirty="0"/>
+              <a:t> </a:t>
+            </a:r>
+          </a:p>
+          <a:p>
+            <a:r>
+              <a:rPr lang="en-CA" dirty="0"/>
+              <a:t>TODO</a:t>
+            </a:r>
+          </a:p>
+          <a:p>
+            <a:r>
+              <a:rPr lang="en-CA" dirty="0"/>
+              <a:t>TODO</a:t>
+            </a:r>
+          </a:p>
+          <a:p>
+            <a:pPr marL="0" indent="0">
+              <a:buNone/>
+            </a:pPr>
+            <a:r>
+              <a:rPr lang="en-CA" dirty="0"/>
+              <a:t>Developers</a:t>
+            </a:r>
+          </a:p>
+          <a:p>
+            <a:r>
+              <a:rPr lang="en-CA" dirty="0"/>
+              <a:t>NEO Blockchain developer guidance for Microsoft .NET developers (</a:t>
+            </a:r>
+            <a:r>
+              <a:rPr lang="en-CA" b="1" dirty="0"/>
+              <a:t>neo-</a:t>
+            </a:r>
+            <a:r>
+              <a:rPr lang="en-CA" b="1" dirty="0" err="1"/>
+              <a:t>windocs</a:t>
+            </a:r>
+            <a:r>
+              <a:rPr lang="en-CA" dirty="0"/>
+              <a:t>)</a:t>
+            </a:r>
+            <a:br>
+              <a:rPr lang="en-CA" dirty="0"/>
+            </a:br>
+            <a:r>
+              <a:rPr lang="en-CA" dirty="0">
+                <a:hlinkClick r:id="rId3"/>
+              </a:rPr>
+              <a:t>https://github.com/mwherman2000/neo-windocs</a:t>
+            </a:r>
+            <a:r>
+              <a:rPr lang="en-CA" dirty="0"/>
+              <a:t> </a:t>
+            </a:r>
+          </a:p>
+          <a:p>
+            <a:r>
+              <a:rPr lang="en-CA" dirty="0"/>
+              <a:t>City of Zion </a:t>
+            </a:r>
+            <a:r>
+              <a:rPr lang="en-CA" b="1" dirty="0"/>
+              <a:t>awesome-neo</a:t>
+            </a:r>
+            <a:r>
+              <a:rPr lang="en-CA" dirty="0"/>
+              <a:t> project</a:t>
+            </a:r>
+            <a:br>
+              <a:rPr lang="en-CA" dirty="0"/>
+            </a:br>
+            <a:r>
+              <a:rPr lang="en-CA" dirty="0">
+                <a:hlinkClick r:id="rId4"/>
+              </a:rPr>
+              <a:t>https://github.com/CityOfZion/awesome-neo/</a:t>
+            </a:r>
+            <a:r>
+              <a:rPr lang="en-CA" dirty="0"/>
+              <a:t> </a:t>
+            </a:r>
+          </a:p>
+          <a:p>
+            <a:r>
+              <a:rPr lang="en-CA" dirty="0"/>
+              <a:t>The NEO Project</a:t>
+            </a:r>
+            <a:br>
+              <a:rPr lang="en-CA" dirty="0"/>
+            </a:br>
+            <a:r>
+              <a:rPr lang="en-CA" dirty="0">
+                <a:hlinkClick r:id="rId5"/>
+              </a:rPr>
+              <a:t>https://github.com/neo-project</a:t>
+            </a:r>
+            <a:r>
+              <a:rPr lang="en-CA" dirty="0"/>
+              <a:t>  </a:t>
+            </a:r>
           </a:p>
         </p:txBody>
       </p:sp>
@@ -8774,7 +9859,7 @@
           <p:cNvPr id="7" name="Footer Placeholder 6">
             <a:extLst>
               <a:ext uri="{FF2B5EF4-FFF2-40B4-BE49-F238E27FC236}">
-                <a16:creationId xmlns:a16="http://schemas.microsoft.com/office/drawing/2014/main" id="{EFA596A0-495B-4913-A95E-13E2904AD37D}"/>
+                <a16:creationId xmlns:a16="http://schemas.microsoft.com/office/drawing/2014/main" id="{EDD021CF-94AD-4F4B-B8E4-530293AE47AF}"/>
               </a:ext>
             </a:extLst>
           </p:cNvPr>
@@ -8831,7 +9916,7 @@
     </p:spTree>
     <p:extLst>
       <p:ext uri="{BB962C8B-B14F-4D97-AF65-F5344CB8AC3E}">
-        <p14:creationId xmlns:p14="http://schemas.microsoft.com/office/powerpoint/2010/main" val="2691972381"/>
+        <p14:creationId xmlns:p14="http://schemas.microsoft.com/office/powerpoint/2010/main" val="2819126558"/>
       </p:ext>
     </p:extLst>
   </p:cSld>

--- a/events/2018-neo-blockchain-toronto/NEO Blockchain-Toronto-20180314 Meetup.pptx
+++ b/events/2018-neo-blockchain-toronto/NEO Blockchain-Toronto-20180314 Meetup.pptx
@@ -5,7 +5,7 @@
     <p:sldMasterId id="2147483648" r:id="rId1"/>
   </p:sldMasterIdLst>
   <p:notesMasterIdLst>
-    <p:notesMasterId r:id="rId24"/>
+    <p:notesMasterId r:id="rId29"/>
   </p:notesMasterIdLst>
   <p:sldIdLst>
     <p:sldId id="256" r:id="rId2"/>
@@ -24,12 +24,17 @@
     <p:sldId id="277" r:id="rId15"/>
     <p:sldId id="278" r:id="rId16"/>
     <p:sldId id="265" r:id="rId17"/>
-    <p:sldId id="262" r:id="rId18"/>
-    <p:sldId id="259" r:id="rId19"/>
-    <p:sldId id="269" r:id="rId20"/>
-    <p:sldId id="263" r:id="rId21"/>
-    <p:sldId id="267" r:id="rId22"/>
-    <p:sldId id="266" r:id="rId23"/>
+    <p:sldId id="279" r:id="rId18"/>
+    <p:sldId id="280" r:id="rId19"/>
+    <p:sldId id="262" r:id="rId20"/>
+    <p:sldId id="281" r:id="rId21"/>
+    <p:sldId id="259" r:id="rId22"/>
+    <p:sldId id="282" r:id="rId23"/>
+    <p:sldId id="283" r:id="rId24"/>
+    <p:sldId id="269" r:id="rId25"/>
+    <p:sldId id="263" r:id="rId26"/>
+    <p:sldId id="267" r:id="rId27"/>
+    <p:sldId id="266" r:id="rId28"/>
   </p:sldIdLst>
   <p:sldSz cx="12192000" cy="6858000"/>
   <p:notesSz cx="6858000" cy="9144000"/>
@@ -1456,12 +1461,12 @@
         </a:fontRef>
       </dsp:style>
       <dsp:txBody>
-        <a:bodyPr spcFirstLastPara="0" vert="horz" wrap="square" lIns="17780" tIns="17780" rIns="17780" bIns="17780" numCol="1" spcCol="1270" anchor="ctr" anchorCtr="0">
+        <a:bodyPr spcFirstLastPara="0" vert="horz" wrap="square" lIns="17145" tIns="17145" rIns="17145" bIns="17145" numCol="1" spcCol="1270" anchor="ctr" anchorCtr="0">
           <a:noAutofit/>
         </a:bodyPr>
         <a:lstStyle/>
         <a:p>
-          <a:pPr marL="0" lvl="0" indent="0" algn="ctr" defTabSz="1244600">
+          <a:pPr marL="0" lvl="0" indent="0" algn="ctr" defTabSz="1200150">
             <a:lnSpc>
               <a:spcPct val="90000"/>
             </a:lnSpc>
@@ -1473,7 +1478,7 @@
             </a:spcAft>
             <a:buNone/>
           </a:pPr>
-          <a:endParaRPr lang="zh-CN" altLang="en-US" sz="2800" kern="1200" dirty="0"/>
+          <a:endParaRPr lang="zh-CN" altLang="en-US" sz="2700" kern="1200" dirty="0"/>
         </a:p>
       </dsp:txBody>
       <dsp:txXfrm>
@@ -15149,10 +15154,10 @@
       </p:grpSpPr>
       <p:sp>
         <p:nvSpPr>
-          <p:cNvPr id="2" name="Title 1">
+          <p:cNvPr id="6" name="Title 5">
             <a:extLst>
               <a:ext uri="{FF2B5EF4-FFF2-40B4-BE49-F238E27FC236}">
-                <a16:creationId xmlns:a16="http://schemas.microsoft.com/office/drawing/2014/main" id="{E69B6798-0E27-464C-9C26-AB8334C19AFA}"/>
+                <a16:creationId xmlns:a16="http://schemas.microsoft.com/office/drawing/2014/main" id="{90A95E15-BBB2-47D4-930B-E14388B11CD1}"/>
               </a:ext>
             </a:extLst>
           </p:cNvPr>
@@ -15170,181 +15175,84 @@
           <a:p>
             <a:r>
               <a:rPr lang="en-CA" dirty="0"/>
-              <a:t>NEO Resources</a:t>
-            </a:r>
-          </a:p>
-        </p:txBody>
-      </p:sp>
-      <p:sp>
-        <p:nvSpPr>
-          <p:cNvPr id="3" name="Content Placeholder 2">
+              <a:t>NEO Events</a:t>
+            </a:r>
+            <a:endParaRPr lang="en-US" dirty="0"/>
+          </a:p>
+        </p:txBody>
+      </p:sp>
+      <p:pic>
+        <p:nvPicPr>
+          <p:cNvPr id="12" name="Content Placeholder 11">
             <a:extLst>
               <a:ext uri="{FF2B5EF4-FFF2-40B4-BE49-F238E27FC236}">
-                <a16:creationId xmlns:a16="http://schemas.microsoft.com/office/drawing/2014/main" id="{7019A0A9-E403-4795-9F88-DB86835D1E73}"/>
+                <a16:creationId xmlns:a16="http://schemas.microsoft.com/office/drawing/2014/main" id="{86A5B956-F81E-4705-B893-AA1572881359}"/>
               </a:ext>
             </a:extLst>
           </p:cNvPr>
-          <p:cNvSpPr>
-            <a:spLocks noGrp="1"/>
-          </p:cNvSpPr>
+          <p:cNvPicPr>
+            <a:picLocks noGrp="1" noChangeAspect="1"/>
+          </p:cNvPicPr>
           <p:nvPr>
-            <p:ph idx="1"/>
+            <p:ph sz="half" idx="1"/>
           </p:nvPr>
-        </p:nvSpPr>
-        <p:spPr/>
-        <p:txBody>
-          <a:bodyPr>
-            <a:normAutofit fontScale="92500" lnSpcReduction="10000"/>
-          </a:bodyPr>
-          <a:lstStyle/>
-          <a:p>
-            <a:pPr marL="0" indent="0">
-              <a:buNone/>
-            </a:pPr>
-            <a:r>
-              <a:rPr lang="en-CA" dirty="0"/>
-              <a:t>General</a:t>
-            </a:r>
-          </a:p>
-          <a:p>
-            <a:r>
-              <a:rPr lang="en-CA" dirty="0"/>
-              <a:t>NEO.org</a:t>
-            </a:r>
-            <a:br>
-              <a:rPr lang="en-CA" dirty="0"/>
-            </a:br>
-            <a:r>
-              <a:rPr lang="en-CA" dirty="0">
-                <a:hlinkClick r:id="rId2"/>
-              </a:rPr>
-              <a:t>http://neo.org</a:t>
-            </a:r>
-            <a:r>
-              <a:rPr lang="en-CA" dirty="0"/>
-              <a:t> </a:t>
-            </a:r>
-          </a:p>
-          <a:p>
-            <a:r>
-              <a:rPr lang="en-US" altLang="zh-CN" dirty="0"/>
-              <a:t>NEO Tutorials  (C#, Java, Python)</a:t>
-            </a:r>
-            <a:r>
-              <a:rPr lang="en-CA" dirty="0"/>
-              <a:t>, API docs</a:t>
-            </a:r>
-            <a:br>
-              <a:rPr lang="en-CA" dirty="0"/>
-            </a:br>
-            <a:r>
-              <a:rPr lang="en-US" altLang="zh-CN" dirty="0">
-                <a:hlinkClick r:id="rId3"/>
-              </a:rPr>
-              <a:t>http://docs.neo.org</a:t>
-            </a:r>
-            <a:endParaRPr lang="en-CA" dirty="0"/>
-          </a:p>
-          <a:p>
-            <a:r>
-              <a:rPr lang="en-CA" dirty="0"/>
-              <a:t>TODO</a:t>
-            </a:r>
-          </a:p>
-          <a:p>
-            <a:pPr marL="0" indent="0">
-              <a:buNone/>
-            </a:pPr>
-            <a:r>
-              <a:rPr lang="en-CA" dirty="0"/>
-              <a:t>Developers</a:t>
-            </a:r>
-          </a:p>
-          <a:p>
-            <a:r>
-              <a:rPr lang="en-CA" dirty="0"/>
-              <a:t>NEO Blockchain developer guidance for Microsoft .NET developers (</a:t>
-            </a:r>
-            <a:r>
-              <a:rPr lang="en-CA" b="1" dirty="0"/>
-              <a:t>neo-</a:t>
-            </a:r>
-            <a:r>
-              <a:rPr lang="en-CA" b="1" dirty="0" err="1"/>
-              <a:t>windocs</a:t>
-            </a:r>
-            <a:r>
-              <a:rPr lang="en-CA" dirty="0"/>
-              <a:t>)</a:t>
-            </a:r>
-            <a:br>
-              <a:rPr lang="en-CA" dirty="0"/>
-            </a:br>
-            <a:r>
-              <a:rPr lang="en-CA" dirty="0">
-                <a:hlinkClick r:id="rId4"/>
-              </a:rPr>
-              <a:t>https://github.com/mwherman2000/neo-windocs</a:t>
-            </a:r>
-            <a:r>
-              <a:rPr lang="en-CA" dirty="0"/>
-              <a:t> </a:t>
-            </a:r>
-          </a:p>
-          <a:p>
-            <a:r>
-              <a:rPr lang="en-CA" dirty="0"/>
-              <a:t>City of Zion </a:t>
-            </a:r>
-            <a:r>
-              <a:rPr lang="en-CA" b="1" dirty="0"/>
-              <a:t>awesome-neo</a:t>
-            </a:r>
-            <a:r>
-              <a:rPr lang="en-CA" dirty="0"/>
-              <a:t> project</a:t>
-            </a:r>
-            <a:br>
-              <a:rPr lang="en-CA" dirty="0"/>
-            </a:br>
-            <a:r>
-              <a:rPr lang="en-CA" dirty="0">
-                <a:hlinkClick r:id="rId5"/>
-              </a:rPr>
-              <a:t>https://github.com/CityOfZion/awesome-neo/</a:t>
-            </a:r>
-            <a:r>
-              <a:rPr lang="en-CA" dirty="0"/>
-              <a:t> </a:t>
-            </a:r>
-          </a:p>
-          <a:p>
-            <a:r>
-              <a:rPr lang="en-CA" dirty="0"/>
-              <a:t>The NEO Project</a:t>
-            </a:r>
-            <a:br>
-              <a:rPr lang="en-CA" dirty="0"/>
-            </a:br>
-            <a:r>
-              <a:rPr lang="en-CA" dirty="0">
-                <a:hlinkClick r:id="rId6"/>
-              </a:rPr>
-              <a:t>https://github.com/neo-project</a:t>
-            </a:r>
-            <a:r>
-              <a:rPr lang="en-CA" dirty="0"/>
-              <a:t>  </a:t>
-            </a:r>
-          </a:p>
-        </p:txBody>
-      </p:sp>
-      <p:sp>
-        <p:nvSpPr>
-          <p:cNvPr id="4" name="Date Placeholder 3">
+        </p:nvPicPr>
+        <p:blipFill>
+          <a:blip r:embed="rId2"/>
+          <a:stretch>
+            <a:fillRect/>
+          </a:stretch>
+        </p:blipFill>
+        <p:spPr>
+          <a:xfrm>
+            <a:off x="6101958" y="4039979"/>
+            <a:ext cx="4183062" cy="2352972"/>
+          </a:xfrm>
+        </p:spPr>
+      </p:pic>
+      <p:pic>
+        <p:nvPicPr>
+          <p:cNvPr id="14" name="Content Placeholder 13">
             <a:extLst>
               <a:ext uri="{FF2B5EF4-FFF2-40B4-BE49-F238E27FC236}">
-                <a16:creationId xmlns:a16="http://schemas.microsoft.com/office/drawing/2014/main" id="{839D4A78-CA7C-4183-8AA4-13B0EAD0D4CC}"/>
+                <a16:creationId xmlns:a16="http://schemas.microsoft.com/office/drawing/2014/main" id="{C0492EE0-9F07-4669-A64E-07703F7BC845}"/>
+              </a:ext>
+            </a:extLst>
+          </p:cNvPr>
+          <p:cNvPicPr>
+            <a:picLocks noGrp="1" noChangeAspect="1"/>
+          </p:cNvPicPr>
+          <p:nvPr>
+            <p:ph sz="half" idx="2"/>
+          </p:nvPr>
+        </p:nvPicPr>
+        <p:blipFill>
+          <a:blip r:embed="rId3"/>
+          <a:stretch>
+            <a:fillRect/>
+          </a:stretch>
+        </p:blipFill>
+        <p:spPr>
+          <a:xfrm>
+            <a:off x="6071991" y="1368190"/>
+            <a:ext cx="4184650" cy="2189966"/>
+          </a:xfrm>
+          <a:ln>
+            <a:solidFill>
+              <a:schemeClr val="tx2">
+                <a:lumMod val="60000"/>
+                <a:lumOff val="40000"/>
+              </a:schemeClr>
+            </a:solidFill>
+          </a:ln>
+        </p:spPr>
+      </p:pic>
+      <p:sp>
+        <p:nvSpPr>
+          <p:cNvPr id="3" name="Date Placeholder 2">
+            <a:extLst>
+              <a:ext uri="{FF2B5EF4-FFF2-40B4-BE49-F238E27FC236}">
+                <a16:creationId xmlns:a16="http://schemas.microsoft.com/office/drawing/2014/main" id="{4C69557F-8412-4361-BA43-77723E2F5606}"/>
               </a:ext>
             </a:extLst>
           </p:cNvPr>
@@ -15355,7 +15263,12 @@
             <p:ph type="dt" sz="half" idx="10"/>
           </p:nvPr>
         </p:nvSpPr>
-        <p:spPr/>
+        <p:spPr>
+          <a:xfrm>
+            <a:off x="8187772" y="6041362"/>
+            <a:ext cx="911939" cy="365125"/>
+          </a:xfrm>
+        </p:spPr>
         <p:txBody>
           <a:bodyPr/>
           <a:lstStyle/>
@@ -15363,35 +15276,6 @@
             <a:r>
               <a:rPr lang="en-US"/>
               <a:t>3/14/2018</a:t>
-            </a:r>
-            <a:endParaRPr lang="en-US" dirty="0"/>
-          </a:p>
-        </p:txBody>
-      </p:sp>
-      <p:sp>
-        <p:nvSpPr>
-          <p:cNvPr id="7" name="Footer Placeholder 6">
-            <a:extLst>
-              <a:ext uri="{FF2B5EF4-FFF2-40B4-BE49-F238E27FC236}">
-                <a16:creationId xmlns:a16="http://schemas.microsoft.com/office/drawing/2014/main" id="{EDD021CF-94AD-4F4B-B8E4-530293AE47AF}"/>
-              </a:ext>
-            </a:extLst>
-          </p:cNvPr>
-          <p:cNvSpPr>
-            <a:spLocks noGrp="1"/>
-          </p:cNvSpPr>
-          <p:nvPr>
-            <p:ph type="ftr" sz="quarter" idx="11"/>
-          </p:nvPr>
-        </p:nvSpPr>
-        <p:spPr/>
-        <p:txBody>
-          <a:bodyPr/>
-          <a:lstStyle/>
-          <a:p>
-            <a:r>
-              <a:rPr lang="en-US"/>
-              <a:t>NEO Blockchain Toronto</a:t>
             </a:r>
             <a:endParaRPr lang="en-US" dirty="0"/>
           </a:p>
@@ -15402,7 +15286,7 @@
           <p:cNvPr id="5" name="Slide Number Placeholder 4">
             <a:extLst>
               <a:ext uri="{FF2B5EF4-FFF2-40B4-BE49-F238E27FC236}">
-                <a16:creationId xmlns:a16="http://schemas.microsoft.com/office/drawing/2014/main" id="{FE531A56-5541-4288-8440-4DFEE9623005}"/>
+                <a16:creationId xmlns:a16="http://schemas.microsoft.com/office/drawing/2014/main" id="{8FD19754-6354-492E-8BE4-60710FB47B34}"/>
               </a:ext>
             </a:extLst>
           </p:cNvPr>
@@ -15413,7 +15297,12 @@
             <p:ph type="sldNum" sz="quarter" idx="12"/>
           </p:nvPr>
         </p:nvSpPr>
-        <p:spPr/>
+        <p:spPr>
+          <a:xfrm>
+            <a:off x="9573302" y="6041362"/>
+            <a:ext cx="683339" cy="365125"/>
+          </a:xfrm>
+        </p:spPr>
         <p:txBody>
           <a:bodyPr/>
           <a:lstStyle/>
@@ -15427,10 +15316,200 @@
           </a:p>
         </p:txBody>
       </p:sp>
+      <p:pic>
+        <p:nvPicPr>
+          <p:cNvPr id="16" name="Picture 15">
+            <a:extLst>
+              <a:ext uri="{FF2B5EF4-FFF2-40B4-BE49-F238E27FC236}">
+                <a16:creationId xmlns:a16="http://schemas.microsoft.com/office/drawing/2014/main" id="{6BFDCD7A-82D4-42F9-B279-92B5F46A8715}"/>
+              </a:ext>
+            </a:extLst>
+          </p:cNvPr>
+          <p:cNvPicPr>
+            <a:picLocks noChangeAspect="1"/>
+          </p:cNvPicPr>
+          <p:nvPr/>
+        </p:nvPicPr>
+        <p:blipFill>
+          <a:blip r:embed="rId4"/>
+          <a:stretch>
+            <a:fillRect/>
+          </a:stretch>
+        </p:blipFill>
+        <p:spPr>
+          <a:xfrm>
+            <a:off x="882054" y="1368767"/>
+            <a:ext cx="4183200" cy="2189389"/>
+          </a:xfrm>
+          <a:prstGeom prst="rect">
+            <a:avLst/>
+          </a:prstGeom>
+        </p:spPr>
+      </p:pic>
+      <p:sp>
+        <p:nvSpPr>
+          <p:cNvPr id="17" name="Rectangle 16">
+            <a:extLst>
+              <a:ext uri="{FF2B5EF4-FFF2-40B4-BE49-F238E27FC236}">
+                <a16:creationId xmlns:a16="http://schemas.microsoft.com/office/drawing/2014/main" id="{C1652A9D-B5A6-4170-AAD3-22516CA2FA36}"/>
+              </a:ext>
+            </a:extLst>
+          </p:cNvPr>
+          <p:cNvSpPr/>
+          <p:nvPr/>
+        </p:nvSpPr>
+        <p:spPr>
+          <a:xfrm>
+            <a:off x="-19604" y="3578825"/>
+            <a:ext cx="6096000" cy="369332"/>
+          </a:xfrm>
+          <a:prstGeom prst="rect">
+            <a:avLst/>
+          </a:prstGeom>
+        </p:spPr>
+        <p:txBody>
+          <a:bodyPr>
+            <a:spAutoFit/>
+          </a:bodyPr>
+          <a:lstStyle/>
+          <a:p>
+            <a:pPr algn="ctr"/>
+            <a:r>
+              <a:rPr lang="en-US" dirty="0"/>
+              <a:t>Second Wednesday evening of each month</a:t>
+            </a:r>
+          </a:p>
+        </p:txBody>
+      </p:sp>
+      <p:sp>
+        <p:nvSpPr>
+          <p:cNvPr id="20" name="Rectangle 19">
+            <a:extLst>
+              <a:ext uri="{FF2B5EF4-FFF2-40B4-BE49-F238E27FC236}">
+                <a16:creationId xmlns:a16="http://schemas.microsoft.com/office/drawing/2014/main" id="{FA1EA0FF-3B29-427C-B65D-CB95576705AC}"/>
+              </a:ext>
+            </a:extLst>
+          </p:cNvPr>
+          <p:cNvSpPr/>
+          <p:nvPr/>
+        </p:nvSpPr>
+        <p:spPr>
+          <a:xfrm>
+            <a:off x="-5956" y="6198547"/>
+            <a:ext cx="6096000" cy="646331"/>
+          </a:xfrm>
+          <a:prstGeom prst="rect">
+            <a:avLst/>
+          </a:prstGeom>
+        </p:spPr>
+        <p:txBody>
+          <a:bodyPr>
+            <a:spAutoFit/>
+          </a:bodyPr>
+          <a:lstStyle/>
+          <a:p>
+            <a:pPr algn="ctr"/>
+            <a:r>
+              <a:rPr lang="en-US" dirty="0" err="1"/>
+              <a:t>HackCU</a:t>
+            </a:r>
+            <a:r>
+              <a:rPr lang="en-US" dirty="0"/>
+              <a:t> Episode IV · University of Colorado Boulder</a:t>
+            </a:r>
+          </a:p>
+          <a:p>
+            <a:pPr algn="ctr"/>
+            <a:r>
+              <a:rPr lang="en-US" dirty="0"/>
+              <a:t>600 Hackers · 24 Hours · February 24th and 25th 2018</a:t>
+            </a:r>
+          </a:p>
+        </p:txBody>
+      </p:sp>
+      <p:sp>
+        <p:nvSpPr>
+          <p:cNvPr id="23" name="Rectangle 22">
+            <a:extLst>
+              <a:ext uri="{FF2B5EF4-FFF2-40B4-BE49-F238E27FC236}">
+                <a16:creationId xmlns:a16="http://schemas.microsoft.com/office/drawing/2014/main" id="{9A055F71-B10A-4BE4-BA61-77F98100D9A1}"/>
+              </a:ext>
+            </a:extLst>
+          </p:cNvPr>
+          <p:cNvSpPr/>
+          <p:nvPr/>
+        </p:nvSpPr>
+        <p:spPr>
+          <a:xfrm>
+            <a:off x="882054" y="4039979"/>
+            <a:ext cx="4183200" cy="2171234"/>
+          </a:xfrm>
+          <a:prstGeom prst="rect">
+            <a:avLst/>
+          </a:prstGeom>
+          <a:solidFill>
+            <a:schemeClr val="tx1"/>
+          </a:solidFill>
+        </p:spPr>
+        <p:style>
+          <a:lnRef idx="2">
+            <a:schemeClr val="accent1">
+              <a:shade val="50000"/>
+            </a:schemeClr>
+          </a:lnRef>
+          <a:fillRef idx="1">
+            <a:schemeClr val="accent1"/>
+          </a:fillRef>
+          <a:effectRef idx="0">
+            <a:schemeClr val="accent1"/>
+          </a:effectRef>
+          <a:fontRef idx="minor">
+            <a:schemeClr val="lt1"/>
+          </a:fontRef>
+        </p:style>
+        <p:txBody>
+          <a:bodyPr rtlCol="0" anchor="ctr"/>
+          <a:lstStyle/>
+          <a:p>
+            <a:pPr algn="ctr"/>
+            <a:endParaRPr lang="en-US" dirty="0"/>
+          </a:p>
+        </p:txBody>
+      </p:sp>
+      <p:pic>
+        <p:nvPicPr>
+          <p:cNvPr id="22" name="Picture 21">
+            <a:extLst>
+              <a:ext uri="{FF2B5EF4-FFF2-40B4-BE49-F238E27FC236}">
+                <a16:creationId xmlns:a16="http://schemas.microsoft.com/office/drawing/2014/main" id="{1F5EBD08-570E-4C52-946E-E420BCFEF9E6}"/>
+              </a:ext>
+            </a:extLst>
+          </p:cNvPr>
+          <p:cNvPicPr>
+            <a:picLocks noChangeAspect="1"/>
+          </p:cNvPicPr>
+          <p:nvPr/>
+        </p:nvPicPr>
+        <p:blipFill>
+          <a:blip r:embed="rId5"/>
+          <a:stretch>
+            <a:fillRect/>
+          </a:stretch>
+        </p:blipFill>
+        <p:spPr>
+          <a:xfrm>
+            <a:off x="1472420" y="3626717"/>
+            <a:ext cx="2950558" cy="2958323"/>
+          </a:xfrm>
+          <a:prstGeom prst="rect">
+            <a:avLst/>
+          </a:prstGeom>
+        </p:spPr>
+      </p:pic>
     </p:spTree>
     <p:extLst>
       <p:ext uri="{BB962C8B-B14F-4D97-AF65-F5344CB8AC3E}">
-        <p14:creationId xmlns:p14="http://schemas.microsoft.com/office/powerpoint/2010/main" val="2819126558"/>
+        <p14:creationId xmlns:p14="http://schemas.microsoft.com/office/powerpoint/2010/main" val="583667365"/>
       </p:ext>
     </p:extLst>
   </p:cSld>
@@ -15459,10 +15538,10 @@
       </p:grpSpPr>
       <p:sp>
         <p:nvSpPr>
-          <p:cNvPr id="2" name="Title 1">
+          <p:cNvPr id="6" name="Title 5">
             <a:extLst>
               <a:ext uri="{FF2B5EF4-FFF2-40B4-BE49-F238E27FC236}">
-                <a16:creationId xmlns:a16="http://schemas.microsoft.com/office/drawing/2014/main" id="{E69B6798-0E27-464C-9C26-AB8334C19AFA}"/>
+                <a16:creationId xmlns:a16="http://schemas.microsoft.com/office/drawing/2014/main" id="{90A95E15-BBB2-47D4-930B-E14388B11CD1}"/>
               </a:ext>
             </a:extLst>
           </p:cNvPr>
@@ -15475,87 +15554,89 @@
         </p:nvSpPr>
         <p:spPr/>
         <p:txBody>
-          <a:bodyPr>
-            <a:normAutofit fontScale="90000"/>
-          </a:bodyPr>
+          <a:bodyPr/>
           <a:lstStyle/>
           <a:p>
             <a:r>
-              <a:rPr lang="en-US" dirty="0"/>
-              <a:t>NEO Blockchain Quick Start Guide</a:t>
-            </a:r>
-            <a:br>
-              <a:rPr lang="en-US" dirty="0"/>
-            </a:br>
-            <a:r>
-              <a:rPr lang="en-US" dirty="0"/>
-              <a:t>for .NET Developers</a:t>
-            </a:r>
-            <a:endParaRPr lang="en-CA" dirty="0"/>
-          </a:p>
-        </p:txBody>
-      </p:sp>
-      <p:sp>
-        <p:nvSpPr>
-          <p:cNvPr id="3" name="Content Placeholder 2">
+              <a:rPr lang="en-CA" dirty="0"/>
+              <a:t>NEO Events</a:t>
+            </a:r>
+            <a:endParaRPr lang="en-US" dirty="0"/>
+          </a:p>
+        </p:txBody>
+      </p:sp>
+      <p:pic>
+        <p:nvPicPr>
+          <p:cNvPr id="12" name="Content Placeholder 11">
             <a:extLst>
               <a:ext uri="{FF2B5EF4-FFF2-40B4-BE49-F238E27FC236}">
-                <a16:creationId xmlns:a16="http://schemas.microsoft.com/office/drawing/2014/main" id="{7019A0A9-E403-4795-9F88-DB86835D1E73}"/>
+                <a16:creationId xmlns:a16="http://schemas.microsoft.com/office/drawing/2014/main" id="{86A5B956-F81E-4705-B893-AA1572881359}"/>
               </a:ext>
             </a:extLst>
           </p:cNvPr>
-          <p:cNvSpPr>
-            <a:spLocks noGrp="1"/>
-          </p:cNvSpPr>
+          <p:cNvPicPr>
+            <a:picLocks noGrp="1" noChangeAspect="1"/>
+          </p:cNvPicPr>
           <p:nvPr>
-            <p:ph idx="1"/>
+            <p:ph sz="half" idx="1"/>
           </p:nvPr>
-        </p:nvSpPr>
-        <p:spPr/>
-        <p:txBody>
-          <a:bodyPr/>
-          <a:lstStyle/>
-          <a:p>
-            <a:pPr marL="0" indent="0">
-              <a:buNone/>
-            </a:pPr>
-            <a:r>
-              <a:rPr lang="en-US" dirty="0">
-                <a:hlinkClick r:id="rId2" tooltip="https://github.com/mwherman2000/neo-windocs/blob/master/windocs/quickstart-csharp/README.md"/>
-              </a:rPr>
-              <a:t>https://github.com/mwherman2000/neo-windocs</a:t>
-            </a:r>
-          </a:p>
-          <a:p>
-            <a:pPr marL="0" indent="0">
-              <a:buNone/>
-            </a:pPr>
-            <a:r>
-              <a:rPr lang="en-US" dirty="0">
-                <a:hlinkClick r:id="rId2" tooltip="https://github.com/mwherman2000/neo-windocs/blob/master/windocs/quickstart-csharp/README.md"/>
-              </a:rPr>
-              <a:t>/blob/master/windocs/quickstart-csharp/README.md</a:t>
-            </a:r>
-            <a:endParaRPr lang="en-US" dirty="0"/>
-          </a:p>
-          <a:p>
-            <a:r>
-              <a:rPr lang="en-US" dirty="0"/>
-              <a:t>TODO</a:t>
-            </a:r>
-            <a:br>
-              <a:rPr lang="en-CA" dirty="0"/>
-            </a:br>
-            <a:endParaRPr lang="en-CA" dirty="0"/>
-          </a:p>
-        </p:txBody>
-      </p:sp>
-      <p:sp>
-        <p:nvSpPr>
-          <p:cNvPr id="4" name="Date Placeholder 3">
+        </p:nvPicPr>
+        <p:blipFill>
+          <a:blip r:embed="rId2"/>
+          <a:stretch>
+            <a:fillRect/>
+          </a:stretch>
+        </p:blipFill>
+        <p:spPr>
+          <a:xfrm>
+            <a:off x="6101958" y="4039979"/>
+            <a:ext cx="4183062" cy="2352972"/>
+          </a:xfrm>
+        </p:spPr>
+      </p:pic>
+      <p:pic>
+        <p:nvPicPr>
+          <p:cNvPr id="14" name="Content Placeholder 13">
             <a:extLst>
               <a:ext uri="{FF2B5EF4-FFF2-40B4-BE49-F238E27FC236}">
-                <a16:creationId xmlns:a16="http://schemas.microsoft.com/office/drawing/2014/main" id="{839D4A78-CA7C-4183-8AA4-13B0EAD0D4CC}"/>
+                <a16:creationId xmlns:a16="http://schemas.microsoft.com/office/drawing/2014/main" id="{C0492EE0-9F07-4669-A64E-07703F7BC845}"/>
+              </a:ext>
+            </a:extLst>
+          </p:cNvPr>
+          <p:cNvPicPr>
+            <a:picLocks noGrp="1" noChangeAspect="1"/>
+          </p:cNvPicPr>
+          <p:nvPr>
+            <p:ph sz="half" idx="2"/>
+          </p:nvPr>
+        </p:nvPicPr>
+        <p:blipFill>
+          <a:blip r:embed="rId3"/>
+          <a:stretch>
+            <a:fillRect/>
+          </a:stretch>
+        </p:blipFill>
+        <p:spPr>
+          <a:xfrm>
+            <a:off x="6071991" y="1368190"/>
+            <a:ext cx="4184650" cy="2189966"/>
+          </a:xfrm>
+          <a:ln>
+            <a:solidFill>
+              <a:schemeClr val="tx2">
+                <a:lumMod val="60000"/>
+                <a:lumOff val="40000"/>
+              </a:schemeClr>
+            </a:solidFill>
+          </a:ln>
+        </p:spPr>
+      </p:pic>
+      <p:sp>
+        <p:nvSpPr>
+          <p:cNvPr id="3" name="Date Placeholder 2">
+            <a:extLst>
+              <a:ext uri="{FF2B5EF4-FFF2-40B4-BE49-F238E27FC236}">
+                <a16:creationId xmlns:a16="http://schemas.microsoft.com/office/drawing/2014/main" id="{4C69557F-8412-4361-BA43-77723E2F5606}"/>
               </a:ext>
             </a:extLst>
           </p:cNvPr>
@@ -15566,7 +15647,12 @@
             <p:ph type="dt" sz="half" idx="10"/>
           </p:nvPr>
         </p:nvSpPr>
-        <p:spPr/>
+        <p:spPr>
+          <a:xfrm>
+            <a:off x="8187772" y="6041362"/>
+            <a:ext cx="911939" cy="365125"/>
+          </a:xfrm>
+        </p:spPr>
         <p:txBody>
           <a:bodyPr/>
           <a:lstStyle/>
@@ -15574,35 +15660,6 @@
             <a:r>
               <a:rPr lang="en-US"/>
               <a:t>3/14/2018</a:t>
-            </a:r>
-            <a:endParaRPr lang="en-US" dirty="0"/>
-          </a:p>
-        </p:txBody>
-      </p:sp>
-      <p:sp>
-        <p:nvSpPr>
-          <p:cNvPr id="7" name="Footer Placeholder 6">
-            <a:extLst>
-              <a:ext uri="{FF2B5EF4-FFF2-40B4-BE49-F238E27FC236}">
-                <a16:creationId xmlns:a16="http://schemas.microsoft.com/office/drawing/2014/main" id="{EFA596A0-495B-4913-A95E-13E2904AD37D}"/>
-              </a:ext>
-            </a:extLst>
-          </p:cNvPr>
-          <p:cNvSpPr>
-            <a:spLocks noGrp="1"/>
-          </p:cNvSpPr>
-          <p:nvPr>
-            <p:ph type="ftr" sz="quarter" idx="11"/>
-          </p:nvPr>
-        </p:nvSpPr>
-        <p:spPr/>
-        <p:txBody>
-          <a:bodyPr/>
-          <a:lstStyle/>
-          <a:p>
-            <a:r>
-              <a:rPr lang="en-US"/>
-              <a:t>NEO Blockchain Toronto</a:t>
             </a:r>
             <a:endParaRPr lang="en-US" dirty="0"/>
           </a:p>
@@ -15613,7 +15670,7 @@
           <p:cNvPr id="5" name="Slide Number Placeholder 4">
             <a:extLst>
               <a:ext uri="{FF2B5EF4-FFF2-40B4-BE49-F238E27FC236}">
-                <a16:creationId xmlns:a16="http://schemas.microsoft.com/office/drawing/2014/main" id="{FE531A56-5541-4288-8440-4DFEE9623005}"/>
+                <a16:creationId xmlns:a16="http://schemas.microsoft.com/office/drawing/2014/main" id="{8FD19754-6354-492E-8BE4-60710FB47B34}"/>
               </a:ext>
             </a:extLst>
           </p:cNvPr>
@@ -15624,7 +15681,12 @@
             <p:ph type="sldNum" sz="quarter" idx="12"/>
           </p:nvPr>
         </p:nvSpPr>
-        <p:spPr/>
+        <p:spPr>
+          <a:xfrm>
+            <a:off x="9573302" y="6041362"/>
+            <a:ext cx="683339" cy="365125"/>
+          </a:xfrm>
+        </p:spPr>
         <p:txBody>
           <a:bodyPr/>
           <a:lstStyle/>
@@ -15638,10 +15700,200 @@
           </a:p>
         </p:txBody>
       </p:sp>
+      <p:pic>
+        <p:nvPicPr>
+          <p:cNvPr id="16" name="Picture 15">
+            <a:extLst>
+              <a:ext uri="{FF2B5EF4-FFF2-40B4-BE49-F238E27FC236}">
+                <a16:creationId xmlns:a16="http://schemas.microsoft.com/office/drawing/2014/main" id="{6BFDCD7A-82D4-42F9-B279-92B5F46A8715}"/>
+              </a:ext>
+            </a:extLst>
+          </p:cNvPr>
+          <p:cNvPicPr>
+            <a:picLocks noChangeAspect="1"/>
+          </p:cNvPicPr>
+          <p:nvPr/>
+        </p:nvPicPr>
+        <p:blipFill>
+          <a:blip r:embed="rId4"/>
+          <a:stretch>
+            <a:fillRect/>
+          </a:stretch>
+        </p:blipFill>
+        <p:spPr>
+          <a:xfrm>
+            <a:off x="882054" y="1368767"/>
+            <a:ext cx="4183200" cy="2189389"/>
+          </a:xfrm>
+          <a:prstGeom prst="rect">
+            <a:avLst/>
+          </a:prstGeom>
+        </p:spPr>
+      </p:pic>
+      <p:sp>
+        <p:nvSpPr>
+          <p:cNvPr id="17" name="Rectangle 16">
+            <a:extLst>
+              <a:ext uri="{FF2B5EF4-FFF2-40B4-BE49-F238E27FC236}">
+                <a16:creationId xmlns:a16="http://schemas.microsoft.com/office/drawing/2014/main" id="{C1652A9D-B5A6-4170-AAD3-22516CA2FA36}"/>
+              </a:ext>
+            </a:extLst>
+          </p:cNvPr>
+          <p:cNvSpPr/>
+          <p:nvPr/>
+        </p:nvSpPr>
+        <p:spPr>
+          <a:xfrm>
+            <a:off x="-19604" y="3578825"/>
+            <a:ext cx="6096000" cy="369332"/>
+          </a:xfrm>
+          <a:prstGeom prst="rect">
+            <a:avLst/>
+          </a:prstGeom>
+        </p:spPr>
+        <p:txBody>
+          <a:bodyPr>
+            <a:spAutoFit/>
+          </a:bodyPr>
+          <a:lstStyle/>
+          <a:p>
+            <a:pPr algn="ctr"/>
+            <a:r>
+              <a:rPr lang="en-US" dirty="0"/>
+              <a:t>Second Wednesday evening of each month</a:t>
+            </a:r>
+          </a:p>
+        </p:txBody>
+      </p:sp>
+      <p:sp>
+        <p:nvSpPr>
+          <p:cNvPr id="20" name="Rectangle 19">
+            <a:extLst>
+              <a:ext uri="{FF2B5EF4-FFF2-40B4-BE49-F238E27FC236}">
+                <a16:creationId xmlns:a16="http://schemas.microsoft.com/office/drawing/2014/main" id="{FA1EA0FF-3B29-427C-B65D-CB95576705AC}"/>
+              </a:ext>
+            </a:extLst>
+          </p:cNvPr>
+          <p:cNvSpPr/>
+          <p:nvPr/>
+        </p:nvSpPr>
+        <p:spPr>
+          <a:xfrm>
+            <a:off x="-5956" y="6198547"/>
+            <a:ext cx="6096000" cy="646331"/>
+          </a:xfrm>
+          <a:prstGeom prst="rect">
+            <a:avLst/>
+          </a:prstGeom>
+        </p:spPr>
+        <p:txBody>
+          <a:bodyPr>
+            <a:spAutoFit/>
+          </a:bodyPr>
+          <a:lstStyle/>
+          <a:p>
+            <a:pPr algn="ctr"/>
+            <a:r>
+              <a:rPr lang="en-US" dirty="0" err="1"/>
+              <a:t>HackCU</a:t>
+            </a:r>
+            <a:r>
+              <a:rPr lang="en-US" dirty="0"/>
+              <a:t> Episode IV · University of Colorado Boulder</a:t>
+            </a:r>
+          </a:p>
+          <a:p>
+            <a:pPr algn="ctr"/>
+            <a:r>
+              <a:rPr lang="en-US" dirty="0"/>
+              <a:t>600 Hackers · 24 Hours · February 24th and 25th 2018</a:t>
+            </a:r>
+          </a:p>
+        </p:txBody>
+      </p:sp>
+      <p:sp>
+        <p:nvSpPr>
+          <p:cNvPr id="23" name="Rectangle 22">
+            <a:extLst>
+              <a:ext uri="{FF2B5EF4-FFF2-40B4-BE49-F238E27FC236}">
+                <a16:creationId xmlns:a16="http://schemas.microsoft.com/office/drawing/2014/main" id="{9A055F71-B10A-4BE4-BA61-77F98100D9A1}"/>
+              </a:ext>
+            </a:extLst>
+          </p:cNvPr>
+          <p:cNvSpPr/>
+          <p:nvPr/>
+        </p:nvSpPr>
+        <p:spPr>
+          <a:xfrm>
+            <a:off x="882054" y="4039979"/>
+            <a:ext cx="4183200" cy="2171234"/>
+          </a:xfrm>
+          <a:prstGeom prst="rect">
+            <a:avLst/>
+          </a:prstGeom>
+          <a:solidFill>
+            <a:schemeClr val="tx1"/>
+          </a:solidFill>
+        </p:spPr>
+        <p:style>
+          <a:lnRef idx="2">
+            <a:schemeClr val="accent1">
+              <a:shade val="50000"/>
+            </a:schemeClr>
+          </a:lnRef>
+          <a:fillRef idx="1">
+            <a:schemeClr val="accent1"/>
+          </a:fillRef>
+          <a:effectRef idx="0">
+            <a:schemeClr val="accent1"/>
+          </a:effectRef>
+          <a:fontRef idx="minor">
+            <a:schemeClr val="lt1"/>
+          </a:fontRef>
+        </p:style>
+        <p:txBody>
+          <a:bodyPr rtlCol="0" anchor="ctr"/>
+          <a:lstStyle/>
+          <a:p>
+            <a:pPr algn="ctr"/>
+            <a:endParaRPr lang="en-US" dirty="0"/>
+          </a:p>
+        </p:txBody>
+      </p:sp>
+      <p:pic>
+        <p:nvPicPr>
+          <p:cNvPr id="22" name="Picture 21">
+            <a:extLst>
+              <a:ext uri="{FF2B5EF4-FFF2-40B4-BE49-F238E27FC236}">
+                <a16:creationId xmlns:a16="http://schemas.microsoft.com/office/drawing/2014/main" id="{1F5EBD08-570E-4C52-946E-E420BCFEF9E6}"/>
+              </a:ext>
+            </a:extLst>
+          </p:cNvPr>
+          <p:cNvPicPr>
+            <a:picLocks noChangeAspect="1"/>
+          </p:cNvPicPr>
+          <p:nvPr/>
+        </p:nvPicPr>
+        <p:blipFill>
+          <a:blip r:embed="rId5"/>
+          <a:stretch>
+            <a:fillRect/>
+          </a:stretch>
+        </p:blipFill>
+        <p:spPr>
+          <a:xfrm>
+            <a:off x="1472420" y="3626717"/>
+            <a:ext cx="2950558" cy="2958323"/>
+          </a:xfrm>
+          <a:prstGeom prst="rect">
+            <a:avLst/>
+          </a:prstGeom>
+        </p:spPr>
+      </p:pic>
     </p:spTree>
     <p:extLst>
       <p:ext uri="{BB962C8B-B14F-4D97-AF65-F5344CB8AC3E}">
-        <p14:creationId xmlns:p14="http://schemas.microsoft.com/office/powerpoint/2010/main" val="2691972381"/>
+        <p14:creationId xmlns:p14="http://schemas.microsoft.com/office/powerpoint/2010/main" val="2367457654"/>
       </p:ext>
     </p:extLst>
   </p:cSld>
@@ -15673,7 +15925,7 @@
           <p:cNvPr id="2" name="Title 1">
             <a:extLst>
               <a:ext uri="{FF2B5EF4-FFF2-40B4-BE49-F238E27FC236}">
-                <a16:creationId xmlns:a16="http://schemas.microsoft.com/office/drawing/2014/main" id="{52CF9429-AA32-4FBE-ABAA-E013C5A1094B}"/>
+                <a16:creationId xmlns:a16="http://schemas.microsoft.com/office/drawing/2014/main" id="{E69B6798-0E27-464C-9C26-AB8334C19AFA}"/>
               </a:ext>
             </a:extLst>
           </p:cNvPr>
@@ -15691,11 +15943,7 @@
           <a:p>
             <a:r>
               <a:rPr lang="en-CA" dirty="0"/>
-              <a:t>Our Values as </a:t>
-            </a:r>
-            <a:r>
-              <a:rPr lang="en-CA" i="1" dirty="0"/>
-              <a:t>Neoxplorers</a:t>
+              <a:t>NEO Resources</a:t>
             </a:r>
           </a:p>
         </p:txBody>
@@ -15705,7 +15953,7 @@
           <p:cNvPr id="3" name="Content Placeholder 2">
             <a:extLst>
               <a:ext uri="{FF2B5EF4-FFF2-40B4-BE49-F238E27FC236}">
-                <a16:creationId xmlns:a16="http://schemas.microsoft.com/office/drawing/2014/main" id="{416D69F6-D9F8-4869-B695-28AD5D234E8F}"/>
+                <a16:creationId xmlns:a16="http://schemas.microsoft.com/office/drawing/2014/main" id="{7019A0A9-E403-4795-9F88-DB86835D1E73}"/>
               </a:ext>
             </a:extLst>
           </p:cNvPr>
@@ -15713,18 +15961,18 @@
             <a:spLocks noGrp="1"/>
           </p:cNvSpPr>
           <p:nvPr>
-            <p:ph sz="half" idx="1"/>
+            <p:ph idx="1"/>
           </p:nvPr>
         </p:nvSpPr>
         <p:spPr>
           <a:xfrm>
-            <a:off x="677334" y="1661613"/>
-            <a:ext cx="4184035" cy="4245898"/>
+            <a:off x="677333" y="1446663"/>
+            <a:ext cx="10304431" cy="4594700"/>
           </a:xfrm>
         </p:spPr>
         <p:txBody>
           <a:bodyPr>
-            <a:normAutofit lnSpcReduction="10000"/>
+            <a:normAutofit fontScale="92500" lnSpcReduction="10000"/>
           </a:bodyPr>
           <a:lstStyle/>
           <a:p>
@@ -15732,182 +15980,160 @@
               <a:buNone/>
             </a:pPr>
             <a:r>
-              <a:rPr lang="en-CA" b="1" dirty="0"/>
-              <a:t>We </a:t>
-            </a:r>
-            <a:r>
-              <a:rPr lang="en-CA" b="1" u="sng" dirty="0"/>
-              <a:t>operate</a:t>
-            </a:r>
-            <a:r>
-              <a:rPr lang="en-CA" b="1" dirty="0"/>
-              <a:t> like a blockchain</a:t>
-            </a:r>
-          </a:p>
-          <a:p>
-            <a:r>
               <a:rPr lang="en-CA" dirty="0"/>
-              <a:t>Decentralized</a:t>
+              <a:t>General</a:t>
             </a:r>
           </a:p>
           <a:p>
             <a:r>
               <a:rPr lang="en-CA" dirty="0"/>
-              <a:t>Community based</a:t>
-            </a:r>
-          </a:p>
-          <a:p>
-            <a:r>
+              <a:t>NEO.org</a:t>
+            </a:r>
+            <a:br>
               <a:rPr lang="en-CA" dirty="0"/>
-              <a:t>Consensus driven</a:t>
-            </a:r>
-          </a:p>
-          <a:p>
+            </a:br>
+            <a:r>
+              <a:rPr lang="en-CA" dirty="0">
+                <a:hlinkClick r:id="rId2"/>
+              </a:rPr>
+              <a:t>http://neo.org</a:t>
+            </a:r>
             <a:r>
               <a:rPr lang="en-CA" dirty="0"/>
-              <a:t>Creators of value</a:t>
-            </a:r>
-          </a:p>
-          <a:p>
+              <a:t> </a:t>
+            </a:r>
+          </a:p>
+          <a:p>
+            <a:r>
+              <a:rPr lang="en-US" altLang="zh-CN" dirty="0"/>
+              <a:t>NEO Tutorials  (C#, Java, Python)</a:t>
+            </a:r>
             <a:r>
               <a:rPr lang="en-CA" dirty="0"/>
-              <a:t>Store value</a:t>
-            </a:r>
-          </a:p>
-          <a:p>
-            <a:r>
+              <a:t>, API docs</a:t>
+            </a:r>
+            <a:br>
               <a:rPr lang="en-CA" dirty="0"/>
-              <a:t>Transfer value</a:t>
-            </a:r>
+            </a:br>
+            <a:r>
+              <a:rPr lang="en-US" altLang="zh-CN" dirty="0">
+                <a:hlinkClick r:id="rId3"/>
+              </a:rPr>
+              <a:t>http://docs.neo.org</a:t>
+            </a:r>
+            <a:endParaRPr lang="en-CA" dirty="0"/>
           </a:p>
           <a:p>
             <a:r>
               <a:rPr lang="en-CA" dirty="0"/>
-              <a:t>Multi-disciplinary</a:t>
-            </a:r>
-          </a:p>
-          <a:p>
+              <a:t>NEO </a:t>
+            </a:r>
+            <a:r>
+              <a:rPr lang="en-CA" dirty="0" err="1"/>
+              <a:t>Devcon</a:t>
+            </a:r>
             <a:r>
               <a:rPr lang="en-CA" dirty="0"/>
-              <a:t>Multi-application</a:t>
-            </a:r>
-          </a:p>
-          <a:p>
-            <a:r>
+              <a:t> “Th New Vision” Keynote by NEO Founder</a:t>
+            </a:r>
+            <a:br>
               <a:rPr lang="en-CA" dirty="0"/>
-              <a:t>Multi-technology</a:t>
-            </a:r>
-          </a:p>
-          <a:p>
+            </a:br>
+            <a:r>
+              <a:rPr lang="en-CA" dirty="0">
+                <a:hlinkClick r:id="rId4"/>
+              </a:rPr>
+              <a:t>https://www.youtube.com/watch?time_continue=3&amp;v=th7jZlmoZBc</a:t>
+            </a:r>
             <a:r>
               <a:rPr lang="en-CA" dirty="0"/>
-              <a:t>Multi-industry</a:t>
-            </a:r>
-          </a:p>
-        </p:txBody>
-      </p:sp>
-      <p:sp>
-        <p:nvSpPr>
-          <p:cNvPr id="7" name="Content Placeholder 6">
-            <a:extLst>
-              <a:ext uri="{FF2B5EF4-FFF2-40B4-BE49-F238E27FC236}">
-                <a16:creationId xmlns:a16="http://schemas.microsoft.com/office/drawing/2014/main" id="{0D9AA23D-39A1-4CD1-BB1C-34168F7BAB5D}"/>
-              </a:ext>
-            </a:extLst>
-          </p:cNvPr>
-          <p:cNvSpPr>
-            <a:spLocks noGrp="1"/>
-          </p:cNvSpPr>
-          <p:nvPr>
-            <p:ph sz="half" idx="2"/>
-          </p:nvPr>
-        </p:nvSpPr>
-        <p:spPr>
-          <a:xfrm>
-            <a:off x="4748298" y="1661613"/>
-            <a:ext cx="4184034" cy="4245898"/>
-          </a:xfrm>
-        </p:spPr>
-        <p:txBody>
-          <a:bodyPr>
-            <a:normAutofit lnSpcReduction="10000"/>
-          </a:bodyPr>
-          <a:lstStyle/>
+              <a:t> </a:t>
+            </a:r>
+          </a:p>
           <a:p>
             <a:pPr marL="0" indent="0">
               <a:buNone/>
             </a:pPr>
             <a:r>
+              <a:rPr lang="en-CA" dirty="0"/>
+              <a:t>Developers</a:t>
+            </a:r>
+          </a:p>
+          <a:p>
+            <a:r>
+              <a:rPr lang="en-CA" dirty="0"/>
+              <a:t>NEO Blockchain developer guidance for Microsoft .NET developers (</a:t>
+            </a:r>
+            <a:r>
               <a:rPr lang="en-CA" b="1" dirty="0"/>
-              <a:t>We </a:t>
-            </a:r>
-            <a:r>
-              <a:rPr lang="en-CA" b="1" u="sng" dirty="0"/>
-              <a:t>behave</a:t>
+              <a:t>neo-</a:t>
+            </a:r>
+            <a:r>
+              <a:rPr lang="en-CA" b="1" dirty="0" err="1"/>
+              <a:t>windocs</a:t>
+            </a:r>
+            <a:r>
+              <a:rPr lang="en-CA" dirty="0"/>
+              <a:t>)</a:t>
+            </a:r>
+            <a:br>
+              <a:rPr lang="en-CA" dirty="0"/>
+            </a:br>
+            <a:r>
+              <a:rPr lang="en-CA" dirty="0">
+                <a:hlinkClick r:id="rId5"/>
+              </a:rPr>
+              <a:t>https://github.com/mwherman2000/neo-windocs</a:t>
+            </a:r>
+            <a:r>
+              <a:rPr lang="en-CA" dirty="0"/>
+              <a:t> </a:t>
+            </a:r>
+          </a:p>
+          <a:p>
+            <a:r>
+              <a:rPr lang="en-CA" dirty="0"/>
+              <a:t>City of Zion </a:t>
             </a:r>
             <a:r>
               <a:rPr lang="en-CA" b="1" dirty="0"/>
-              <a:t> like a blockchain</a:t>
-            </a:r>
-          </a:p>
-          <a:p>
+              <a:t>awesome-neo</a:t>
+            </a:r>
             <a:r>
               <a:rPr lang="en-CA" dirty="0"/>
-              <a:t>Robust</a:t>
-            </a:r>
-          </a:p>
-          <a:p>
-            <a:r>
+              <a:t> project</a:t>
+            </a:r>
+            <a:br>
               <a:rPr lang="en-CA" dirty="0"/>
-              <a:t>Reliable</a:t>
-            </a:r>
-          </a:p>
-          <a:p>
+            </a:br>
+            <a:r>
+              <a:rPr lang="en-CA" dirty="0">
+                <a:hlinkClick r:id="rId6"/>
+              </a:rPr>
+              <a:t>https://github.com/CityOfZion/awesome-neo/</a:t>
+            </a:r>
             <a:r>
               <a:rPr lang="en-CA" dirty="0"/>
-              <a:t>Transparent</a:t>
+              <a:t> </a:t>
             </a:r>
           </a:p>
           <a:p>
             <a:r>
               <a:rPr lang="en-CA" dirty="0"/>
-              <a:t>Smart</a:t>
-            </a:r>
-          </a:p>
-          <a:p>
-            <a:r>
+              <a:t>The NEO Project</a:t>
+            </a:r>
+            <a:br>
               <a:rPr lang="en-CA" dirty="0"/>
-              <a:t>Open</a:t>
-            </a:r>
-          </a:p>
-          <a:p>
+            </a:br>
+            <a:r>
+              <a:rPr lang="en-CA" dirty="0">
+                <a:hlinkClick r:id="rId7"/>
+              </a:rPr>
+              <a:t>https://github.com/neo-project</a:t>
+            </a:r>
             <a:r>
               <a:rPr lang="en-CA" dirty="0"/>
-              <a:t>Non-discriminatory</a:t>
-            </a:r>
-          </a:p>
-          <a:p>
-            <a:r>
-              <a:rPr lang="en-CA" dirty="0"/>
-              <a:t>Participatory</a:t>
-            </a:r>
-          </a:p>
-          <a:p>
-            <a:r>
-              <a:rPr lang="en-CA" dirty="0"/>
-              <a:t>Diverse</a:t>
-            </a:r>
-          </a:p>
-          <a:p>
-            <a:r>
-              <a:rPr lang="en-CA" dirty="0"/>
-              <a:t>Committed</a:t>
-            </a:r>
-          </a:p>
-          <a:p>
-            <a:r>
-              <a:rPr lang="en-CA" dirty="0"/>
-              <a:t>Watching out for the next person</a:t>
+              <a:t>  </a:t>
             </a:r>
           </a:p>
         </p:txBody>
@@ -15917,7 +16143,7 @@
           <p:cNvPr id="4" name="Date Placeholder 3">
             <a:extLst>
               <a:ext uri="{FF2B5EF4-FFF2-40B4-BE49-F238E27FC236}">
-                <a16:creationId xmlns:a16="http://schemas.microsoft.com/office/drawing/2014/main" id="{53F6F868-9731-4BB8-A248-65752CC8F494}"/>
+                <a16:creationId xmlns:a16="http://schemas.microsoft.com/office/drawing/2014/main" id="{839D4A78-CA7C-4183-8AA4-13B0EAD0D4CC}"/>
               </a:ext>
             </a:extLst>
           </p:cNvPr>
@@ -15943,10 +16169,10 @@
       </p:sp>
       <p:sp>
         <p:nvSpPr>
-          <p:cNvPr id="5" name="Footer Placeholder 4">
+          <p:cNvPr id="7" name="Footer Placeholder 6">
             <a:extLst>
               <a:ext uri="{FF2B5EF4-FFF2-40B4-BE49-F238E27FC236}">
-                <a16:creationId xmlns:a16="http://schemas.microsoft.com/office/drawing/2014/main" id="{BAF235CB-0FBB-4764-A879-3471BAA4060A}"/>
+                <a16:creationId xmlns:a16="http://schemas.microsoft.com/office/drawing/2014/main" id="{EDD021CF-94AD-4F4B-B8E4-530293AE47AF}"/>
               </a:ext>
             </a:extLst>
           </p:cNvPr>
@@ -15972,10 +16198,10 @@
       </p:sp>
       <p:sp>
         <p:nvSpPr>
-          <p:cNvPr id="6" name="Slide Number Placeholder 5">
+          <p:cNvPr id="5" name="Slide Number Placeholder 4">
             <a:extLst>
               <a:ext uri="{FF2B5EF4-FFF2-40B4-BE49-F238E27FC236}">
-                <a16:creationId xmlns:a16="http://schemas.microsoft.com/office/drawing/2014/main" id="{B7770D10-9999-434C-A2E7-53DC220DE37B}"/>
+                <a16:creationId xmlns:a16="http://schemas.microsoft.com/office/drawing/2014/main" id="{FE531A56-5541-4288-8440-4DFEE9623005}"/>
               </a:ext>
             </a:extLst>
           </p:cNvPr>
@@ -16000,10 +16226,48 @@
           </a:p>
         </p:txBody>
       </p:sp>
+      <p:pic>
+        <p:nvPicPr>
+          <p:cNvPr id="6" name="Picture 5">
+            <a:extLst>
+              <a:ext uri="{FF2B5EF4-FFF2-40B4-BE49-F238E27FC236}">
+                <a16:creationId xmlns:a16="http://schemas.microsoft.com/office/drawing/2014/main" id="{E2DA27B3-CEEE-4E74-9679-93DCE21A845A}"/>
+              </a:ext>
+            </a:extLst>
+          </p:cNvPr>
+          <p:cNvPicPr>
+            <a:picLocks noChangeAspect="1"/>
+          </p:cNvPicPr>
+          <p:nvPr/>
+        </p:nvPicPr>
+        <p:blipFill>
+          <a:blip r:embed="rId8"/>
+          <a:stretch>
+            <a:fillRect/>
+          </a:stretch>
+        </p:blipFill>
+        <p:spPr>
+          <a:xfrm>
+            <a:off x="7425246" y="598269"/>
+            <a:ext cx="4330026" cy="2434451"/>
+          </a:xfrm>
+          <a:prstGeom prst="rect">
+            <a:avLst/>
+          </a:prstGeom>
+          <a:noFill/>
+          <a:ln>
+            <a:solidFill>
+              <a:schemeClr val="accent1">
+                <a:lumMod val="50000"/>
+              </a:schemeClr>
+            </a:solidFill>
+          </a:ln>
+        </p:spPr>
+      </p:pic>
     </p:spTree>
     <p:extLst>
       <p:ext uri="{BB962C8B-B14F-4D97-AF65-F5344CB8AC3E}">
-        <p14:creationId xmlns:p14="http://schemas.microsoft.com/office/powerpoint/2010/main" val="621685807"/>
+        <p14:creationId xmlns:p14="http://schemas.microsoft.com/office/powerpoint/2010/main" val="2819126558"/>
       </p:ext>
     </p:extLst>
   </p:cSld>
@@ -16124,8 +16388,16 @@
               <a:buAutoNum type="arabicPeriod"/>
             </a:pPr>
             <a:r>
-              <a:rPr lang="en-US" dirty="0"/>
-              <a:t>NEO Blockchain Quick Start Guide for .NET Developers</a:t>
+              <a:rPr lang="en-US" b="1" dirty="0"/>
+              <a:t>neo-</a:t>
+            </a:r>
+            <a:r>
+              <a:rPr lang="en-US" b="1" dirty="0" err="1"/>
+              <a:t>windocs</a:t>
+            </a:r>
+            <a:r>
+              <a:rPr lang="en-US" b="1" dirty="0"/>
+              <a:t> Project</a:t>
             </a:r>
           </a:p>
           <a:p>
@@ -16264,6 +16536,1113 @@
           <p:cNvPr id="2" name="Title 1">
             <a:extLst>
               <a:ext uri="{FF2B5EF4-FFF2-40B4-BE49-F238E27FC236}">
+                <a16:creationId xmlns:a16="http://schemas.microsoft.com/office/drawing/2014/main" id="{5D6AE72C-DF40-4317-B3AE-312AE6A63AFA}"/>
+              </a:ext>
+            </a:extLst>
+          </p:cNvPr>
+          <p:cNvSpPr>
+            <a:spLocks noGrp="1"/>
+          </p:cNvSpPr>
+          <p:nvPr>
+            <p:ph type="title"/>
+          </p:nvPr>
+        </p:nvSpPr>
+        <p:spPr/>
+        <p:txBody>
+          <a:bodyPr>
+            <a:normAutofit fontScale="90000"/>
+          </a:bodyPr>
+          <a:lstStyle/>
+          <a:p>
+            <a:r>
+              <a:rPr lang="en-CA" dirty="0"/>
+              <a:t>neo-</a:t>
+            </a:r>
+            <a:r>
+              <a:rPr lang="en-CA" dirty="0" err="1"/>
+              <a:t>windocs</a:t>
+            </a:r>
+            <a:r>
+              <a:rPr lang="en-CA" dirty="0"/>
+              <a:t> Project</a:t>
+            </a:r>
+            <a:br>
+              <a:rPr lang="en-CA" dirty="0"/>
+            </a:br>
+            <a:r>
+              <a:rPr lang="en-CA" sz="2700" dirty="0"/>
+              <a:t>https://github.com/mwherman2000/neo-windocs</a:t>
+            </a:r>
+            <a:endParaRPr lang="en-US" sz="2700" dirty="0"/>
+          </a:p>
+        </p:txBody>
+      </p:sp>
+      <p:sp>
+        <p:nvSpPr>
+          <p:cNvPr id="3" name="Content Placeholder 2">
+            <a:extLst>
+              <a:ext uri="{FF2B5EF4-FFF2-40B4-BE49-F238E27FC236}">
+                <a16:creationId xmlns:a16="http://schemas.microsoft.com/office/drawing/2014/main" id="{989A5CB1-73DD-4111-880D-82F36ACE3D1A}"/>
+              </a:ext>
+            </a:extLst>
+          </p:cNvPr>
+          <p:cNvSpPr>
+            <a:spLocks noGrp="1"/>
+          </p:cNvSpPr>
+          <p:nvPr>
+            <p:ph idx="1"/>
+          </p:nvPr>
+        </p:nvSpPr>
+        <p:spPr>
+          <a:xfrm>
+            <a:off x="677334" y="1801906"/>
+            <a:ext cx="9326476" cy="5056093"/>
+          </a:xfrm>
+        </p:spPr>
+        <p:txBody>
+          <a:bodyPr>
+            <a:normAutofit/>
+          </a:bodyPr>
+          <a:lstStyle/>
+          <a:p>
+            <a:r>
+              <a:rPr lang="en-CA" dirty="0"/>
+              <a:t>Founder: Michael Herman (</a:t>
+            </a:r>
+            <a:r>
+              <a:rPr lang="en-CA" dirty="0">
+                <a:hlinkClick r:id="rId2"/>
+              </a:rPr>
+              <a:t>neotoronto@outlook.com</a:t>
+            </a:r>
+            <a:r>
+              <a:rPr lang="en-CA" dirty="0"/>
+              <a:t>)</a:t>
+            </a:r>
+          </a:p>
+          <a:p>
+            <a:r>
+              <a:rPr lang="en-US" dirty="0"/>
+              <a:t>NEO Blockchain end-to-end, detailed guidance for .NET developers</a:t>
+            </a:r>
+          </a:p>
+          <a:p>
+            <a:r>
+              <a:rPr lang="en-US" dirty="0"/>
+              <a:t>Content purposely designed to help .NET developers ramp up and become productive more quickly</a:t>
+            </a:r>
+          </a:p>
+          <a:p>
+            <a:r>
+              <a:rPr lang="en-US" dirty="0"/>
+              <a:t>Repository for content presented at the NEO Blockchain Toronto meetup group</a:t>
+            </a:r>
+          </a:p>
+          <a:p>
+            <a:r>
+              <a:rPr lang="en-US" dirty="0"/>
+              <a:t>Contents</a:t>
+            </a:r>
+          </a:p>
+          <a:p>
+            <a:pPr lvl="1"/>
+            <a:r>
+              <a:rPr lang="en-US" dirty="0"/>
+              <a:t>NEO Blockchain Quick Start Guide for .NET Developers</a:t>
+            </a:r>
+            <a:br>
+              <a:rPr lang="en-US" dirty="0"/>
+            </a:br>
+            <a:r>
+              <a:rPr lang="en-US" dirty="0">
+                <a:hlinkClick r:id="rId3"/>
+              </a:rPr>
+              <a:t>https://github.com/mwherman2000/neo-windocs/tree/master/windocs/quickstart-csharp/README.md</a:t>
+            </a:r>
+            <a:r>
+              <a:rPr lang="en-US" dirty="0"/>
+              <a:t> </a:t>
+            </a:r>
+          </a:p>
+          <a:p>
+            <a:pPr lvl="1"/>
+            <a:r>
+              <a:rPr lang="en-US" dirty="0"/>
+              <a:t>NEO Blockchain Architecture Reference Model (ARM) for .NET Developers (neo-charm)</a:t>
+            </a:r>
+            <a:br>
+              <a:rPr lang="en-US" dirty="0"/>
+            </a:br>
+            <a:r>
+              <a:rPr lang="en-US" dirty="0">
+                <a:hlinkClick r:id="rId4"/>
+              </a:rPr>
+              <a:t>https://github.com/mwherman2000/neo-windocs/blob/master/windocs/neo-charm/README.md</a:t>
+            </a:r>
+            <a:r>
+              <a:rPr lang="en-US" dirty="0"/>
+              <a:t> </a:t>
+            </a:r>
+          </a:p>
+          <a:p>
+            <a:pPr lvl="1"/>
+            <a:r>
+              <a:rPr lang="en-US" dirty="0"/>
+              <a:t>NEO Blockchain Toronto Meetup</a:t>
+            </a:r>
+            <a:br>
+              <a:rPr lang="en-US" dirty="0"/>
+            </a:br>
+            <a:r>
+              <a:rPr lang="en-US" dirty="0">
+                <a:hlinkClick r:id="rId5"/>
+              </a:rPr>
+              <a:t>https://github.com/mwherman2000/neo-windocs/tree/master/events/2018-neo-blockchain-toronto</a:t>
+            </a:r>
+            <a:r>
+              <a:rPr lang="en-US" dirty="0"/>
+              <a:t> </a:t>
+            </a:r>
+          </a:p>
+        </p:txBody>
+      </p:sp>
+    </p:spTree>
+    <p:extLst>
+      <p:ext uri="{BB962C8B-B14F-4D97-AF65-F5344CB8AC3E}">
+        <p14:creationId xmlns:p14="http://schemas.microsoft.com/office/powerpoint/2010/main" val="2898092984"/>
+      </p:ext>
+    </p:extLst>
+  </p:cSld>
+  <p:clrMapOvr>
+    <a:masterClrMapping/>
+  </p:clrMapOvr>
+</p:sld>
+</file>
+
+<file path=ppt/slides/slide21.xml><?xml version="1.0" encoding="utf-8"?>
+<p:sld xmlns:a="http://schemas.openxmlformats.org/drawingml/2006/main" xmlns:r="http://schemas.openxmlformats.org/officeDocument/2006/relationships" xmlns:p="http://schemas.openxmlformats.org/presentationml/2006/main">
+  <p:cSld>
+    <p:spTree>
+      <p:nvGrpSpPr>
+        <p:cNvPr id="1" name=""/>
+        <p:cNvGrpSpPr/>
+        <p:nvPr/>
+      </p:nvGrpSpPr>
+      <p:grpSpPr>
+        <a:xfrm>
+          <a:off x="0" y="0"/>
+          <a:ext cx="0" cy="0"/>
+          <a:chOff x="0" y="0"/>
+          <a:chExt cx="0" cy="0"/>
+        </a:xfrm>
+      </p:grpSpPr>
+      <p:sp>
+        <p:nvSpPr>
+          <p:cNvPr id="2" name="Title 1">
+            <a:extLst>
+              <a:ext uri="{FF2B5EF4-FFF2-40B4-BE49-F238E27FC236}">
+                <a16:creationId xmlns:a16="http://schemas.microsoft.com/office/drawing/2014/main" id="{E69B6798-0E27-464C-9C26-AB8334C19AFA}"/>
+              </a:ext>
+            </a:extLst>
+          </p:cNvPr>
+          <p:cNvSpPr>
+            <a:spLocks noGrp="1"/>
+          </p:cNvSpPr>
+          <p:nvPr>
+            <p:ph type="title"/>
+          </p:nvPr>
+        </p:nvSpPr>
+        <p:spPr/>
+        <p:txBody>
+          <a:bodyPr>
+            <a:normAutofit fontScale="90000"/>
+          </a:bodyPr>
+          <a:lstStyle/>
+          <a:p>
+            <a:r>
+              <a:rPr lang="en-US" dirty="0"/>
+              <a:t>NEO Blockchain Quick Start Guide for .NET Developers</a:t>
+            </a:r>
+            <a:br>
+              <a:rPr lang="en-US" dirty="0"/>
+            </a:br>
+            <a:r>
+              <a:rPr lang="en-US" sz="2700" dirty="0">
+                <a:hlinkClick r:id="rId2" tooltip="https://github.com/mwherman2000/neo-windocs/blob/master/windocs/quickstart-csharp/README.md"/>
+              </a:rPr>
+              <a:t>https://github.com/mwherman2000/neo-windocs</a:t>
+            </a:r>
+            <a:br>
+              <a:rPr lang="en-US" sz="2700" dirty="0">
+                <a:hlinkClick r:id="rId2" tooltip="https://github.com/mwherman2000/neo-windocs/blob/master/windocs/quickstart-csharp/README.md"/>
+              </a:rPr>
+            </a:br>
+            <a:r>
+              <a:rPr lang="en-US" sz="2700" dirty="0">
+                <a:hlinkClick r:id="rId2" tooltip="https://github.com/mwherman2000/neo-windocs/blob/master/windocs/quickstart-csharp/README.md"/>
+              </a:rPr>
+              <a:t>/blob/master/windocs/quickstart-csharp/README.md</a:t>
+            </a:r>
+            <a:br>
+              <a:rPr lang="en-US" dirty="0"/>
+            </a:br>
+            <a:endParaRPr lang="en-CA" dirty="0"/>
+          </a:p>
+        </p:txBody>
+      </p:sp>
+      <p:sp>
+        <p:nvSpPr>
+          <p:cNvPr id="3" name="Content Placeholder 2">
+            <a:extLst>
+              <a:ext uri="{FF2B5EF4-FFF2-40B4-BE49-F238E27FC236}">
+                <a16:creationId xmlns:a16="http://schemas.microsoft.com/office/drawing/2014/main" id="{7019A0A9-E403-4795-9F88-DB86835D1E73}"/>
+              </a:ext>
+            </a:extLst>
+          </p:cNvPr>
+          <p:cNvSpPr>
+            <a:spLocks noGrp="1"/>
+          </p:cNvSpPr>
+          <p:nvPr>
+            <p:ph sz="half" idx="1"/>
+          </p:nvPr>
+        </p:nvSpPr>
+        <p:spPr>
+          <a:xfrm>
+            <a:off x="677334" y="2160588"/>
+            <a:ext cx="4664687" cy="4697412"/>
+          </a:xfrm>
+        </p:spPr>
+        <p:txBody>
+          <a:bodyPr>
+            <a:noAutofit/>
+          </a:bodyPr>
+          <a:lstStyle/>
+          <a:p>
+            <a:pPr>
+              <a:buFont typeface="+mj-lt"/>
+              <a:buAutoNum type="arabicPeriod"/>
+            </a:pPr>
+            <a:r>
+              <a:rPr lang="en-US" sz="1200" dirty="0"/>
+              <a:t>Pre-requisites and Recommendations</a:t>
+            </a:r>
+          </a:p>
+          <a:p>
+            <a:pPr>
+              <a:buFont typeface="+mj-lt"/>
+              <a:buAutoNum type="arabicPeriod"/>
+            </a:pPr>
+            <a:r>
+              <a:rPr lang="en-US" sz="1200" dirty="0"/>
+              <a:t>Download and install Visual Studio 2017 Community Edition integrated development environment (IDE)</a:t>
+            </a:r>
+          </a:p>
+          <a:p>
+            <a:pPr>
+              <a:buFont typeface="+mj-lt"/>
+              <a:buAutoNum type="arabicPeriod"/>
+            </a:pPr>
+            <a:r>
+              <a:rPr lang="en-US" sz="1200" dirty="0"/>
+              <a:t>Download and unpack NEO developer tool projects (source)</a:t>
+            </a:r>
+          </a:p>
+          <a:p>
+            <a:pPr>
+              <a:buFont typeface="+mj-lt"/>
+              <a:buAutoNum type="arabicPeriod"/>
+            </a:pPr>
+            <a:r>
+              <a:rPr lang="en-US" sz="1200" dirty="0"/>
+              <a:t>Coffee time: Wait for previous activities to complete</a:t>
+            </a:r>
+          </a:p>
+          <a:p>
+            <a:pPr>
+              <a:buFont typeface="+mj-lt"/>
+              <a:buAutoNum type="arabicPeriod"/>
+            </a:pPr>
+            <a:r>
+              <a:rPr lang="en-US" sz="1200" dirty="0"/>
+              <a:t>Install </a:t>
+            </a:r>
+            <a:r>
+              <a:rPr lang="en-US" sz="1200" dirty="0" err="1"/>
+              <a:t>NeoContractPlugin</a:t>
+            </a:r>
+            <a:r>
+              <a:rPr lang="en-US" sz="1200" dirty="0"/>
+              <a:t> Visual Studio extension</a:t>
+            </a:r>
+          </a:p>
+          <a:p>
+            <a:pPr>
+              <a:buFont typeface="+mj-lt"/>
+              <a:buAutoNum type="arabicPeriod"/>
+            </a:pPr>
+            <a:r>
+              <a:rPr lang="en-US" sz="1200" dirty="0"/>
+              <a:t>Build and test NEO developer tool projects (from source)</a:t>
+            </a:r>
+          </a:p>
+          <a:p>
+            <a:pPr>
+              <a:buFont typeface="+mj-lt"/>
+              <a:buAutoNum type="arabicPeriod"/>
+            </a:pPr>
+            <a:r>
+              <a:rPr lang="en-US" sz="1200" dirty="0"/>
+              <a:t>Download, install, and test Docker platform</a:t>
+            </a:r>
+          </a:p>
+          <a:p>
+            <a:pPr>
+              <a:buFont typeface="+mj-lt"/>
+              <a:buAutoNum type="arabicPeriod"/>
+            </a:pPr>
+            <a:r>
+              <a:rPr lang="en-US" sz="1200" dirty="0"/>
+              <a:t>Download and test NEO </a:t>
+            </a:r>
+            <a:r>
+              <a:rPr lang="en-US" sz="1200" dirty="0" err="1"/>
+              <a:t>privatenet</a:t>
+            </a:r>
+            <a:r>
+              <a:rPr lang="en-US" sz="1200" dirty="0"/>
+              <a:t> Docker container</a:t>
+            </a:r>
+          </a:p>
+          <a:p>
+            <a:pPr>
+              <a:buFont typeface="+mj-lt"/>
+              <a:buAutoNum type="arabicPeriod"/>
+            </a:pPr>
+            <a:r>
+              <a:rPr lang="en-US" sz="1200" dirty="0"/>
+              <a:t>Create and compile HelloWorld smart contract sample</a:t>
+            </a:r>
+          </a:p>
+          <a:p>
+            <a:pPr>
+              <a:buFont typeface="+mj-lt"/>
+              <a:buAutoNum type="arabicPeriod"/>
+            </a:pPr>
+            <a:r>
+              <a:rPr lang="en-US" sz="1200" dirty="0"/>
+              <a:t>Deploy and test the HelloWorld smart contract</a:t>
+            </a:r>
+          </a:p>
+          <a:p>
+            <a:pPr>
+              <a:buFont typeface="+mj-lt"/>
+              <a:buAutoNum type="arabicPeriod"/>
+            </a:pPr>
+            <a:r>
+              <a:rPr lang="en-US" sz="1200" dirty="0"/>
+              <a:t>Celebrate</a:t>
+            </a:r>
+          </a:p>
+          <a:p>
+            <a:r>
+              <a:rPr lang="en-US" sz="1200" dirty="0"/>
+              <a:t>Appendix A - Checklist</a:t>
+            </a:r>
+          </a:p>
+          <a:p>
+            <a:r>
+              <a:rPr lang="en-US" sz="1200" dirty="0"/>
+              <a:t>Appendix B - Roadmap</a:t>
+            </a:r>
+          </a:p>
+          <a:p>
+            <a:r>
+              <a:rPr lang="en-US" sz="1200" dirty="0"/>
+              <a:t>Appendix C - Reset NEO </a:t>
+            </a:r>
+            <a:r>
+              <a:rPr lang="en-US" sz="1200" dirty="0" err="1"/>
+              <a:t>privatenet</a:t>
+            </a:r>
+            <a:r>
+              <a:rPr lang="en-US" sz="1200" dirty="0"/>
+              <a:t> Environment: Container, Wallets, and Clients</a:t>
+            </a:r>
+            <a:br>
+              <a:rPr lang="en-CA" sz="1200" dirty="0"/>
+            </a:br>
+            <a:endParaRPr lang="en-CA" sz="1200" dirty="0"/>
+          </a:p>
+        </p:txBody>
+      </p:sp>
+      <p:sp>
+        <p:nvSpPr>
+          <p:cNvPr id="6" name="Content Placeholder 5">
+            <a:extLst>
+              <a:ext uri="{FF2B5EF4-FFF2-40B4-BE49-F238E27FC236}">
+                <a16:creationId xmlns:a16="http://schemas.microsoft.com/office/drawing/2014/main" id="{DE1F5682-0D32-44D1-ACA6-3E35AD9CE5A9}"/>
+              </a:ext>
+            </a:extLst>
+          </p:cNvPr>
+          <p:cNvSpPr>
+            <a:spLocks noGrp="1"/>
+          </p:cNvSpPr>
+          <p:nvPr>
+            <p:ph sz="half" idx="2"/>
+          </p:nvPr>
+        </p:nvSpPr>
+        <p:spPr>
+          <a:xfrm>
+            <a:off x="5806579" y="2160588"/>
+            <a:ext cx="4184034" cy="3880773"/>
+          </a:xfrm>
+        </p:spPr>
+        <p:txBody>
+          <a:bodyPr>
+            <a:normAutofit/>
+          </a:bodyPr>
+          <a:lstStyle/>
+          <a:p>
+            <a:pPr marL="0" indent="0">
+              <a:buNone/>
+            </a:pPr>
+            <a:r>
+              <a:rPr lang="en-CA" sz="1200" dirty="0"/>
+              <a:t>Statistics</a:t>
+            </a:r>
+            <a:endParaRPr lang="en-US" sz="1200" dirty="0"/>
+          </a:p>
+          <a:p>
+            <a:r>
+              <a:rPr lang="en-US" sz="1200" dirty="0"/>
+              <a:t>10 activities comprising 130 documented tasks (approximately)</a:t>
+            </a:r>
+          </a:p>
+          <a:p>
+            <a:r>
+              <a:rPr lang="en-US" sz="1200" dirty="0"/>
+              <a:t>140 screen shots (approximately)</a:t>
+            </a:r>
+          </a:p>
+          <a:p>
+            <a:r>
+              <a:rPr lang="en-US" sz="1200" dirty="0"/>
+              <a:t>7 batch files</a:t>
+            </a:r>
+          </a:p>
+          <a:p>
+            <a:r>
+              <a:rPr lang="en-US" sz="1200" dirty="0"/>
+              <a:t>2 JSON configuration files</a:t>
+            </a:r>
+          </a:p>
+          <a:p>
+            <a:r>
+              <a:rPr lang="en-US" sz="1200" dirty="0"/>
+              <a:t>1 C# code snippet</a:t>
+            </a:r>
+          </a:p>
+        </p:txBody>
+      </p:sp>
+    </p:spTree>
+    <p:extLst>
+      <p:ext uri="{BB962C8B-B14F-4D97-AF65-F5344CB8AC3E}">
+        <p14:creationId xmlns:p14="http://schemas.microsoft.com/office/powerpoint/2010/main" val="2691972381"/>
+      </p:ext>
+    </p:extLst>
+  </p:cSld>
+  <p:clrMapOvr>
+    <a:masterClrMapping/>
+  </p:clrMapOvr>
+</p:sld>
+</file>
+
+<file path=ppt/slides/slide22.xml><?xml version="1.0" encoding="utf-8"?>
+<p:sld xmlns:a="http://schemas.openxmlformats.org/drawingml/2006/main" xmlns:r="http://schemas.openxmlformats.org/officeDocument/2006/relationships" xmlns:p="http://schemas.openxmlformats.org/presentationml/2006/main">
+  <p:cSld>
+    <p:spTree>
+      <p:nvGrpSpPr>
+        <p:cNvPr id="1" name=""/>
+        <p:cNvGrpSpPr/>
+        <p:nvPr/>
+      </p:nvGrpSpPr>
+      <p:grpSpPr>
+        <a:xfrm>
+          <a:off x="0" y="0"/>
+          <a:ext cx="0" cy="0"/>
+          <a:chOff x="0" y="0"/>
+          <a:chExt cx="0" cy="0"/>
+        </a:xfrm>
+      </p:grpSpPr>
+      <p:sp>
+        <p:nvSpPr>
+          <p:cNvPr id="2" name="Title 1">
+            <a:extLst>
+              <a:ext uri="{FF2B5EF4-FFF2-40B4-BE49-F238E27FC236}">
+                <a16:creationId xmlns:a16="http://schemas.microsoft.com/office/drawing/2014/main" id="{E69B6798-0E27-464C-9C26-AB8334C19AFA}"/>
+              </a:ext>
+            </a:extLst>
+          </p:cNvPr>
+          <p:cNvSpPr>
+            <a:spLocks noGrp="1"/>
+          </p:cNvSpPr>
+          <p:nvPr>
+            <p:ph type="title"/>
+          </p:nvPr>
+        </p:nvSpPr>
+        <p:spPr>
+          <a:xfrm>
+            <a:off x="677334" y="609600"/>
+            <a:ext cx="10889024" cy="1320800"/>
+          </a:xfrm>
+        </p:spPr>
+        <p:txBody>
+          <a:bodyPr>
+            <a:normAutofit fontScale="90000"/>
+          </a:bodyPr>
+          <a:lstStyle/>
+          <a:p>
+            <a:r>
+              <a:rPr lang="en-US" dirty="0"/>
+              <a:t>NEO Blockchain Architecture Reference Model (ARM) for .NET Developers (neo-charm)</a:t>
+            </a:r>
+            <a:br>
+              <a:rPr lang="en-US" dirty="0"/>
+            </a:br>
+            <a:r>
+              <a:rPr lang="en-US" sz="2700" dirty="0">
+                <a:hlinkClick r:id="rId2"/>
+              </a:rPr>
+              <a:t>https://github.com/mwherman2000/neo-windocs/</a:t>
+            </a:r>
+            <a:r>
+              <a:rPr lang="en-US" sz="2700" dirty="0"/>
+              <a:t> blob/master/windocs/neo-charm/README.md</a:t>
+            </a:r>
+            <a:br>
+              <a:rPr lang="en-US" dirty="0"/>
+            </a:br>
+            <a:endParaRPr lang="en-CA" dirty="0"/>
+          </a:p>
+        </p:txBody>
+      </p:sp>
+      <p:pic>
+        <p:nvPicPr>
+          <p:cNvPr id="10" name="Picture 9">
+            <a:extLst>
+              <a:ext uri="{FF2B5EF4-FFF2-40B4-BE49-F238E27FC236}">
+                <a16:creationId xmlns:a16="http://schemas.microsoft.com/office/drawing/2014/main" id="{58414357-66B7-4AFF-AEC4-4BD031781F1D}"/>
+              </a:ext>
+            </a:extLst>
+          </p:cNvPr>
+          <p:cNvPicPr>
+            <a:picLocks noChangeAspect="1"/>
+          </p:cNvPicPr>
+          <p:nvPr/>
+        </p:nvPicPr>
+        <p:blipFill>
+          <a:blip r:embed="rId3"/>
+          <a:stretch>
+            <a:fillRect/>
+          </a:stretch>
+        </p:blipFill>
+        <p:spPr>
+          <a:xfrm>
+            <a:off x="709419" y="2430686"/>
+            <a:ext cx="7552266" cy="4245357"/>
+          </a:xfrm>
+          <a:prstGeom prst="rect">
+            <a:avLst/>
+          </a:prstGeom>
+        </p:spPr>
+      </p:pic>
+    </p:spTree>
+    <p:extLst>
+      <p:ext uri="{BB962C8B-B14F-4D97-AF65-F5344CB8AC3E}">
+        <p14:creationId xmlns:p14="http://schemas.microsoft.com/office/powerpoint/2010/main" val="1600201949"/>
+      </p:ext>
+    </p:extLst>
+  </p:cSld>
+  <p:clrMapOvr>
+    <a:masterClrMapping/>
+  </p:clrMapOvr>
+</p:sld>
+</file>
+
+<file path=ppt/slides/slide23.xml><?xml version="1.0" encoding="utf-8"?>
+<p:sld xmlns:a="http://schemas.openxmlformats.org/drawingml/2006/main" xmlns:r="http://schemas.openxmlformats.org/officeDocument/2006/relationships" xmlns:p="http://schemas.openxmlformats.org/presentationml/2006/main">
+  <p:cSld>
+    <p:spTree>
+      <p:nvGrpSpPr>
+        <p:cNvPr id="1" name=""/>
+        <p:cNvGrpSpPr/>
+        <p:nvPr/>
+      </p:nvGrpSpPr>
+      <p:grpSpPr>
+        <a:xfrm>
+          <a:off x="0" y="0"/>
+          <a:ext cx="0" cy="0"/>
+          <a:chOff x="0" y="0"/>
+          <a:chExt cx="0" cy="0"/>
+        </a:xfrm>
+      </p:grpSpPr>
+      <p:sp>
+        <p:nvSpPr>
+          <p:cNvPr id="2" name="Title 1">
+            <a:extLst>
+              <a:ext uri="{FF2B5EF4-FFF2-40B4-BE49-F238E27FC236}">
+                <a16:creationId xmlns:a16="http://schemas.microsoft.com/office/drawing/2014/main" id="{E69B6798-0E27-464C-9C26-AB8334C19AFA}"/>
+              </a:ext>
+            </a:extLst>
+          </p:cNvPr>
+          <p:cNvSpPr>
+            <a:spLocks noGrp="1"/>
+          </p:cNvSpPr>
+          <p:nvPr>
+            <p:ph type="title"/>
+          </p:nvPr>
+        </p:nvSpPr>
+        <p:spPr>
+          <a:xfrm>
+            <a:off x="677334" y="609600"/>
+            <a:ext cx="10119003" cy="1320800"/>
+          </a:xfrm>
+        </p:spPr>
+        <p:txBody>
+          <a:bodyPr>
+            <a:normAutofit fontScale="90000"/>
+          </a:bodyPr>
+          <a:lstStyle/>
+          <a:p>
+            <a:r>
+              <a:rPr lang="en-US" dirty="0"/>
+              <a:t>NEO Blockchain Toronto (@</a:t>
+            </a:r>
+            <a:r>
+              <a:rPr lang="en-US" dirty="0" err="1"/>
+              <a:t>neotoronto</a:t>
+            </a:r>
+            <a:r>
+              <a:rPr lang="en-US" dirty="0"/>
+              <a:t>)</a:t>
+            </a:r>
+            <a:br>
+              <a:rPr lang="en-US" dirty="0"/>
+            </a:br>
+            <a:r>
+              <a:rPr lang="en-US" sz="2700" dirty="0">
+                <a:hlinkClick r:id="rId2"/>
+              </a:rPr>
+              <a:t>https://github.com/mwherman2000/neo-windocs/</a:t>
+            </a:r>
+            <a:r>
+              <a:rPr lang="en-US" sz="2700" dirty="0"/>
+              <a:t> tree/master/events/2018-neo-blockchain-toronto</a:t>
+            </a:r>
+            <a:br>
+              <a:rPr lang="en-US" dirty="0"/>
+            </a:br>
+            <a:endParaRPr lang="en-CA" dirty="0"/>
+          </a:p>
+        </p:txBody>
+      </p:sp>
+    </p:spTree>
+    <p:extLst>
+      <p:ext uri="{BB962C8B-B14F-4D97-AF65-F5344CB8AC3E}">
+        <p14:creationId xmlns:p14="http://schemas.microsoft.com/office/powerpoint/2010/main" val="3516804798"/>
+      </p:ext>
+    </p:extLst>
+  </p:cSld>
+  <p:clrMapOvr>
+    <a:masterClrMapping/>
+  </p:clrMapOvr>
+</p:sld>
+</file>
+
+<file path=ppt/slides/slide24.xml><?xml version="1.0" encoding="utf-8"?>
+<p:sld xmlns:a="http://schemas.openxmlformats.org/drawingml/2006/main" xmlns:r="http://schemas.openxmlformats.org/officeDocument/2006/relationships" xmlns:p="http://schemas.openxmlformats.org/presentationml/2006/main">
+  <p:cSld>
+    <p:spTree>
+      <p:nvGrpSpPr>
+        <p:cNvPr id="1" name=""/>
+        <p:cNvGrpSpPr/>
+        <p:nvPr/>
+      </p:nvGrpSpPr>
+      <p:grpSpPr>
+        <a:xfrm>
+          <a:off x="0" y="0"/>
+          <a:ext cx="0" cy="0"/>
+          <a:chOff x="0" y="0"/>
+          <a:chExt cx="0" cy="0"/>
+        </a:xfrm>
+      </p:grpSpPr>
+      <p:sp>
+        <p:nvSpPr>
+          <p:cNvPr id="2" name="Title 1">
+            <a:extLst>
+              <a:ext uri="{FF2B5EF4-FFF2-40B4-BE49-F238E27FC236}">
+                <a16:creationId xmlns:a16="http://schemas.microsoft.com/office/drawing/2014/main" id="{52CF9429-AA32-4FBE-ABAA-E013C5A1094B}"/>
+              </a:ext>
+            </a:extLst>
+          </p:cNvPr>
+          <p:cNvSpPr>
+            <a:spLocks noGrp="1"/>
+          </p:cNvSpPr>
+          <p:nvPr>
+            <p:ph type="title"/>
+          </p:nvPr>
+        </p:nvSpPr>
+        <p:spPr/>
+        <p:txBody>
+          <a:bodyPr/>
+          <a:lstStyle/>
+          <a:p>
+            <a:r>
+              <a:rPr lang="en-CA" dirty="0"/>
+              <a:t>Our Values as </a:t>
+            </a:r>
+            <a:r>
+              <a:rPr lang="en-CA" i="1" dirty="0"/>
+              <a:t>Neoxplorers</a:t>
+            </a:r>
+          </a:p>
+        </p:txBody>
+      </p:sp>
+      <p:sp>
+        <p:nvSpPr>
+          <p:cNvPr id="3" name="Content Placeholder 2">
+            <a:extLst>
+              <a:ext uri="{FF2B5EF4-FFF2-40B4-BE49-F238E27FC236}">
+                <a16:creationId xmlns:a16="http://schemas.microsoft.com/office/drawing/2014/main" id="{416D69F6-D9F8-4869-B695-28AD5D234E8F}"/>
+              </a:ext>
+            </a:extLst>
+          </p:cNvPr>
+          <p:cNvSpPr>
+            <a:spLocks noGrp="1"/>
+          </p:cNvSpPr>
+          <p:nvPr>
+            <p:ph sz="half" idx="1"/>
+          </p:nvPr>
+        </p:nvSpPr>
+        <p:spPr>
+          <a:xfrm>
+            <a:off x="677334" y="1661613"/>
+            <a:ext cx="4184035" cy="4245898"/>
+          </a:xfrm>
+        </p:spPr>
+        <p:txBody>
+          <a:bodyPr>
+            <a:normAutofit lnSpcReduction="10000"/>
+          </a:bodyPr>
+          <a:lstStyle/>
+          <a:p>
+            <a:pPr marL="0" indent="0">
+              <a:buNone/>
+            </a:pPr>
+            <a:r>
+              <a:rPr lang="en-CA" b="1" dirty="0"/>
+              <a:t>We </a:t>
+            </a:r>
+            <a:r>
+              <a:rPr lang="en-CA" b="1" u="sng" dirty="0"/>
+              <a:t>operate</a:t>
+            </a:r>
+            <a:r>
+              <a:rPr lang="en-CA" b="1" dirty="0"/>
+              <a:t> like a blockchain</a:t>
+            </a:r>
+          </a:p>
+          <a:p>
+            <a:r>
+              <a:rPr lang="en-CA" dirty="0"/>
+              <a:t>Decentralized</a:t>
+            </a:r>
+          </a:p>
+          <a:p>
+            <a:r>
+              <a:rPr lang="en-CA" dirty="0"/>
+              <a:t>Community based</a:t>
+            </a:r>
+          </a:p>
+          <a:p>
+            <a:r>
+              <a:rPr lang="en-CA" dirty="0"/>
+              <a:t>Consensus driven</a:t>
+            </a:r>
+          </a:p>
+          <a:p>
+            <a:r>
+              <a:rPr lang="en-CA" dirty="0"/>
+              <a:t>Creators of value</a:t>
+            </a:r>
+          </a:p>
+          <a:p>
+            <a:r>
+              <a:rPr lang="en-CA" dirty="0"/>
+              <a:t>Store value</a:t>
+            </a:r>
+          </a:p>
+          <a:p>
+            <a:r>
+              <a:rPr lang="en-CA" dirty="0"/>
+              <a:t>Transfer value</a:t>
+            </a:r>
+          </a:p>
+          <a:p>
+            <a:r>
+              <a:rPr lang="en-CA" dirty="0"/>
+              <a:t>Multi-disciplinary</a:t>
+            </a:r>
+          </a:p>
+          <a:p>
+            <a:r>
+              <a:rPr lang="en-CA" dirty="0"/>
+              <a:t>Multi-application</a:t>
+            </a:r>
+          </a:p>
+          <a:p>
+            <a:r>
+              <a:rPr lang="en-CA" dirty="0"/>
+              <a:t>Multi-technology</a:t>
+            </a:r>
+          </a:p>
+          <a:p>
+            <a:r>
+              <a:rPr lang="en-CA" dirty="0"/>
+              <a:t>Multi-industry</a:t>
+            </a:r>
+          </a:p>
+        </p:txBody>
+      </p:sp>
+      <p:sp>
+        <p:nvSpPr>
+          <p:cNvPr id="7" name="Content Placeholder 6">
+            <a:extLst>
+              <a:ext uri="{FF2B5EF4-FFF2-40B4-BE49-F238E27FC236}">
+                <a16:creationId xmlns:a16="http://schemas.microsoft.com/office/drawing/2014/main" id="{0D9AA23D-39A1-4CD1-BB1C-34168F7BAB5D}"/>
+              </a:ext>
+            </a:extLst>
+          </p:cNvPr>
+          <p:cNvSpPr>
+            <a:spLocks noGrp="1"/>
+          </p:cNvSpPr>
+          <p:nvPr>
+            <p:ph sz="half" idx="2"/>
+          </p:nvPr>
+        </p:nvSpPr>
+        <p:spPr>
+          <a:xfrm>
+            <a:off x="4748298" y="1661613"/>
+            <a:ext cx="4184034" cy="4245898"/>
+          </a:xfrm>
+        </p:spPr>
+        <p:txBody>
+          <a:bodyPr>
+            <a:normAutofit lnSpcReduction="10000"/>
+          </a:bodyPr>
+          <a:lstStyle/>
+          <a:p>
+            <a:pPr marL="0" indent="0">
+              <a:buNone/>
+            </a:pPr>
+            <a:r>
+              <a:rPr lang="en-CA" b="1" dirty="0"/>
+              <a:t>We </a:t>
+            </a:r>
+            <a:r>
+              <a:rPr lang="en-CA" b="1" u="sng" dirty="0"/>
+              <a:t>behave</a:t>
+            </a:r>
+            <a:r>
+              <a:rPr lang="en-CA" b="1" dirty="0"/>
+              <a:t> like a blockchain</a:t>
+            </a:r>
+          </a:p>
+          <a:p>
+            <a:r>
+              <a:rPr lang="en-CA" dirty="0"/>
+              <a:t>Robust</a:t>
+            </a:r>
+          </a:p>
+          <a:p>
+            <a:r>
+              <a:rPr lang="en-CA" dirty="0"/>
+              <a:t>Reliable</a:t>
+            </a:r>
+          </a:p>
+          <a:p>
+            <a:r>
+              <a:rPr lang="en-CA" dirty="0"/>
+              <a:t>Transparent</a:t>
+            </a:r>
+          </a:p>
+          <a:p>
+            <a:r>
+              <a:rPr lang="en-CA" dirty="0"/>
+              <a:t>Smart</a:t>
+            </a:r>
+          </a:p>
+          <a:p>
+            <a:r>
+              <a:rPr lang="en-CA" dirty="0"/>
+              <a:t>Open</a:t>
+            </a:r>
+          </a:p>
+          <a:p>
+            <a:r>
+              <a:rPr lang="en-CA" dirty="0"/>
+              <a:t>Non-discriminatory</a:t>
+            </a:r>
+          </a:p>
+          <a:p>
+            <a:r>
+              <a:rPr lang="en-CA" dirty="0"/>
+              <a:t>Participatory</a:t>
+            </a:r>
+          </a:p>
+          <a:p>
+            <a:r>
+              <a:rPr lang="en-CA" dirty="0"/>
+              <a:t>Diverse</a:t>
+            </a:r>
+          </a:p>
+          <a:p>
+            <a:r>
+              <a:rPr lang="en-CA" dirty="0"/>
+              <a:t>Committed</a:t>
+            </a:r>
+          </a:p>
+          <a:p>
+            <a:r>
+              <a:rPr lang="en-CA" dirty="0"/>
+              <a:t>Watching out for the next person</a:t>
+            </a:r>
+          </a:p>
+        </p:txBody>
+      </p:sp>
+      <p:sp>
+        <p:nvSpPr>
+          <p:cNvPr id="4" name="Date Placeholder 3">
+            <a:extLst>
+              <a:ext uri="{FF2B5EF4-FFF2-40B4-BE49-F238E27FC236}">
+                <a16:creationId xmlns:a16="http://schemas.microsoft.com/office/drawing/2014/main" id="{53F6F868-9731-4BB8-A248-65752CC8F494}"/>
+              </a:ext>
+            </a:extLst>
+          </p:cNvPr>
+          <p:cNvSpPr>
+            <a:spLocks noGrp="1"/>
+          </p:cNvSpPr>
+          <p:nvPr>
+            <p:ph type="dt" sz="half" idx="10"/>
+          </p:nvPr>
+        </p:nvSpPr>
+        <p:spPr/>
+        <p:txBody>
+          <a:bodyPr/>
+          <a:lstStyle/>
+          <a:p>
+            <a:r>
+              <a:rPr lang="en-US"/>
+              <a:t>3/14/2018</a:t>
+            </a:r>
+            <a:endParaRPr lang="en-US" dirty="0"/>
+          </a:p>
+        </p:txBody>
+      </p:sp>
+      <p:sp>
+        <p:nvSpPr>
+          <p:cNvPr id="5" name="Footer Placeholder 4">
+            <a:extLst>
+              <a:ext uri="{FF2B5EF4-FFF2-40B4-BE49-F238E27FC236}">
+                <a16:creationId xmlns:a16="http://schemas.microsoft.com/office/drawing/2014/main" id="{BAF235CB-0FBB-4764-A879-3471BAA4060A}"/>
+              </a:ext>
+            </a:extLst>
+          </p:cNvPr>
+          <p:cNvSpPr>
+            <a:spLocks noGrp="1"/>
+          </p:cNvSpPr>
+          <p:nvPr>
+            <p:ph type="ftr" sz="quarter" idx="11"/>
+          </p:nvPr>
+        </p:nvSpPr>
+        <p:spPr/>
+        <p:txBody>
+          <a:bodyPr/>
+          <a:lstStyle/>
+          <a:p>
+            <a:r>
+              <a:rPr lang="en-US"/>
+              <a:t>NEO Blockchain Toronto</a:t>
+            </a:r>
+            <a:endParaRPr lang="en-US" dirty="0"/>
+          </a:p>
+        </p:txBody>
+      </p:sp>
+      <p:sp>
+        <p:nvSpPr>
+          <p:cNvPr id="6" name="Slide Number Placeholder 5">
+            <a:extLst>
+              <a:ext uri="{FF2B5EF4-FFF2-40B4-BE49-F238E27FC236}">
+                <a16:creationId xmlns:a16="http://schemas.microsoft.com/office/drawing/2014/main" id="{B7770D10-9999-434C-A2E7-53DC220DE37B}"/>
+              </a:ext>
+            </a:extLst>
+          </p:cNvPr>
+          <p:cNvSpPr>
+            <a:spLocks noGrp="1"/>
+          </p:cNvSpPr>
+          <p:nvPr>
+            <p:ph type="sldNum" sz="quarter" idx="12"/>
+          </p:nvPr>
+        </p:nvSpPr>
+        <p:spPr/>
+        <p:txBody>
+          <a:bodyPr/>
+          <a:lstStyle/>
+          <a:p>
+            <a:fld id="{D57F1E4F-1CFF-5643-939E-217C01CDF565}" type="slidenum">
+              <a:rPr lang="en-US" smtClean="0"/>
+              <a:pPr/>
+              <a:t>24</a:t>
+            </a:fld>
+            <a:endParaRPr lang="en-US" dirty="0"/>
+          </a:p>
+        </p:txBody>
+      </p:sp>
+    </p:spTree>
+    <p:extLst>
+      <p:ext uri="{BB962C8B-B14F-4D97-AF65-F5344CB8AC3E}">
+        <p14:creationId xmlns:p14="http://schemas.microsoft.com/office/powerpoint/2010/main" val="621685807"/>
+      </p:ext>
+    </p:extLst>
+  </p:cSld>
+  <p:clrMapOvr>
+    <a:masterClrMapping/>
+  </p:clrMapOvr>
+</p:sld>
+</file>
+
+<file path=ppt/slides/slide25.xml><?xml version="1.0" encoding="utf-8"?>
+<p:sld xmlns:a="http://schemas.openxmlformats.org/drawingml/2006/main" xmlns:r="http://schemas.openxmlformats.org/officeDocument/2006/relationships" xmlns:p="http://schemas.openxmlformats.org/presentationml/2006/main">
+  <p:cSld>
+    <p:spTree>
+      <p:nvGrpSpPr>
+        <p:cNvPr id="1" name=""/>
+        <p:cNvGrpSpPr/>
+        <p:nvPr/>
+      </p:nvGrpSpPr>
+      <p:grpSpPr>
+        <a:xfrm>
+          <a:off x="0" y="0"/>
+          <a:ext cx="0" cy="0"/>
+          <a:chOff x="0" y="0"/>
+          <a:chExt cx="0" cy="0"/>
+        </a:xfrm>
+      </p:grpSpPr>
+      <p:sp>
+        <p:nvSpPr>
+          <p:cNvPr id="2" name="Title 1">
+            <a:extLst>
+              <a:ext uri="{FF2B5EF4-FFF2-40B4-BE49-F238E27FC236}">
                 <a16:creationId xmlns:a16="http://schemas.microsoft.com/office/drawing/2014/main" id="{C5CA6340-7AD9-4C69-810B-BEE639EBFCCD}"/>
               </a:ext>
             </a:extLst>
@@ -16392,7 +17771,7 @@
             <a:fld id="{D57F1E4F-1CFF-5643-939E-217C01CDF565}" type="slidenum">
               <a:rPr lang="en-US" smtClean="0"/>
               <a:pPr/>
-              <a:t>20</a:t>
+              <a:t>25</a:t>
             </a:fld>
             <a:endParaRPr lang="en-US" dirty="0"/>
           </a:p>
@@ -16686,7 +18065,7 @@
 </p:sld>
 </file>
 
-<file path=ppt/slides/slide21.xml><?xml version="1.0" encoding="utf-8"?>
+<file path=ppt/slides/slide26.xml><?xml version="1.0" encoding="utf-8"?>
 <p:sld xmlns:a="http://schemas.openxmlformats.org/drawingml/2006/main" xmlns:r="http://schemas.openxmlformats.org/officeDocument/2006/relationships" xmlns:p="http://schemas.openxmlformats.org/presentationml/2006/main">
   <p:cSld>
     <p:spTree>
@@ -16838,7 +18217,7 @@
             <a:fld id="{D57F1E4F-1CFF-5643-939E-217C01CDF565}" type="slidenum">
               <a:rPr lang="en-US" smtClean="0"/>
               <a:pPr/>
-              <a:t>21</a:t>
+              <a:t>26</a:t>
             </a:fld>
             <a:endParaRPr lang="en-US" dirty="0"/>
           </a:p>
@@ -16857,7 +18236,7 @@
 </p:sld>
 </file>
 
-<file path=ppt/slides/slide22.xml><?xml version="1.0" encoding="utf-8"?>
+<file path=ppt/slides/slide27.xml><?xml version="1.0" encoding="utf-8"?>
 <p:sld xmlns:a="http://schemas.openxmlformats.org/drawingml/2006/main" xmlns:r="http://schemas.openxmlformats.org/officeDocument/2006/relationships" xmlns:p="http://schemas.openxmlformats.org/presentationml/2006/main">
   <p:cSld>
     <p:spTree>
@@ -19312,7 +20691,7 @@
           </a:ln>
           <a:extLst>
             <a:ext uri="{C572A759-6A51-4108-AA02-DFA0A04FC94B}">
-              <ma14:wrappingTextBoxFlag xmlns="" xmlns:ma14="http://schemas.microsoft.com/office/mac/drawingml/2011/main" val="1"/>
+              <ma14:wrappingTextBoxFlag xmlns:ma14="http://schemas.microsoft.com/office/mac/drawingml/2011/main" xmlns="" val="1"/>
             </a:ext>
           </a:extLst>
         </p:spPr>
@@ -19355,7 +20734,7 @@
           </a:ln>
           <a:extLst>
             <a:ext uri="{C572A759-6A51-4108-AA02-DFA0A04FC94B}">
-              <ma14:wrappingTextBoxFlag xmlns="" xmlns:ma14="http://schemas.microsoft.com/office/mac/drawingml/2011/main" val="1"/>
+              <ma14:wrappingTextBoxFlag xmlns:ma14="http://schemas.microsoft.com/office/mac/drawingml/2011/main" xmlns="" val="1"/>
             </a:ext>
           </a:extLst>
         </p:spPr>
@@ -19399,7 +20778,7 @@
           </a:ln>
           <a:extLst>
             <a:ext uri="{C572A759-6A51-4108-AA02-DFA0A04FC94B}">
-              <ma14:wrappingTextBoxFlag xmlns="" xmlns:ma14="http://schemas.microsoft.com/office/mac/drawingml/2011/main" val="1"/>
+              <ma14:wrappingTextBoxFlag xmlns:ma14="http://schemas.microsoft.com/office/mac/drawingml/2011/main" xmlns="" val="1"/>
             </a:ext>
           </a:extLst>
         </p:spPr>
@@ -19443,7 +20822,7 @@
           </a:ln>
           <a:extLst>
             <a:ext uri="{C572A759-6A51-4108-AA02-DFA0A04FC94B}">
-              <ma14:wrappingTextBoxFlag xmlns="" xmlns:ma14="http://schemas.microsoft.com/office/mac/drawingml/2011/main" val="1"/>
+              <ma14:wrappingTextBoxFlag xmlns:ma14="http://schemas.microsoft.com/office/mac/drawingml/2011/main" xmlns="" val="1"/>
             </a:ext>
           </a:extLst>
         </p:spPr>

--- a/events/2018-neo-blockchain-toronto/NEO Blockchain-Toronto-20180314 Meetup.pptx
+++ b/events/2018-neo-blockchain-toronto/NEO Blockchain-Toronto-20180314 Meetup.pptx
@@ -5,7 +5,7 @@
     <p:sldMasterId id="2147483648" r:id="rId1"/>
   </p:sldMasterIdLst>
   <p:notesMasterIdLst>
-    <p:notesMasterId r:id="rId29"/>
+    <p:notesMasterId r:id="rId28"/>
   </p:notesMasterIdLst>
   <p:sldIdLst>
     <p:sldId id="256" r:id="rId2"/>
@@ -25,16 +25,15 @@
     <p:sldId id="278" r:id="rId16"/>
     <p:sldId id="265" r:id="rId17"/>
     <p:sldId id="279" r:id="rId18"/>
-    <p:sldId id="280" r:id="rId19"/>
-    <p:sldId id="262" r:id="rId20"/>
-    <p:sldId id="281" r:id="rId21"/>
-    <p:sldId id="259" r:id="rId22"/>
-    <p:sldId id="282" r:id="rId23"/>
-    <p:sldId id="283" r:id="rId24"/>
-    <p:sldId id="269" r:id="rId25"/>
-    <p:sldId id="263" r:id="rId26"/>
-    <p:sldId id="267" r:id="rId27"/>
-    <p:sldId id="266" r:id="rId28"/>
+    <p:sldId id="262" r:id="rId19"/>
+    <p:sldId id="281" r:id="rId20"/>
+    <p:sldId id="259" r:id="rId21"/>
+    <p:sldId id="282" r:id="rId22"/>
+    <p:sldId id="283" r:id="rId23"/>
+    <p:sldId id="269" r:id="rId24"/>
+    <p:sldId id="263" r:id="rId25"/>
+    <p:sldId id="267" r:id="rId26"/>
+    <p:sldId id="266" r:id="rId27"/>
   </p:sldIdLst>
   <p:sldSz cx="12192000" cy="6858000"/>
   <p:notesSz cx="6858000" cy="9144000"/>
@@ -1461,12 +1460,12 @@
         </a:fontRef>
       </dsp:style>
       <dsp:txBody>
-        <a:bodyPr spcFirstLastPara="0" vert="horz" wrap="square" lIns="17145" tIns="17145" rIns="17145" bIns="17145" numCol="1" spcCol="1270" anchor="ctr" anchorCtr="0">
+        <a:bodyPr spcFirstLastPara="0" vert="horz" wrap="square" lIns="17780" tIns="17780" rIns="17780" bIns="17780" numCol="1" spcCol="1270" anchor="ctr" anchorCtr="0">
           <a:noAutofit/>
         </a:bodyPr>
         <a:lstStyle/>
         <a:p>
-          <a:pPr marL="0" lvl="0" indent="0" algn="ctr" defTabSz="1200150">
+          <a:pPr marL="0" lvl="0" indent="0" algn="ctr" defTabSz="1244600">
             <a:lnSpc>
               <a:spcPct val="90000"/>
             </a:lnSpc>
@@ -1478,7 +1477,7 @@
             </a:spcAft>
             <a:buNone/>
           </a:pPr>
-          <a:endParaRPr lang="zh-CN" altLang="en-US" sz="2700" kern="1200" dirty="0"/>
+          <a:endParaRPr lang="zh-CN" altLang="en-US" sz="2800" kern="1200" dirty="0"/>
         </a:p>
       </dsp:txBody>
       <dsp:txXfrm>
@@ -15538,10 +15537,10 @@
       </p:grpSpPr>
       <p:sp>
         <p:nvSpPr>
-          <p:cNvPr id="6" name="Title 5">
+          <p:cNvPr id="2" name="Title 1">
             <a:extLst>
               <a:ext uri="{FF2B5EF4-FFF2-40B4-BE49-F238E27FC236}">
-                <a16:creationId xmlns:a16="http://schemas.microsoft.com/office/drawing/2014/main" id="{90A95E15-BBB2-47D4-930B-E14388B11CD1}"/>
+                <a16:creationId xmlns:a16="http://schemas.microsoft.com/office/drawing/2014/main" id="{E69B6798-0E27-464C-9C26-AB8334C19AFA}"/>
               </a:ext>
             </a:extLst>
           </p:cNvPr>
@@ -15559,84 +15558,238 @@
           <a:p>
             <a:r>
               <a:rPr lang="en-CA" dirty="0"/>
-              <a:t>NEO Events</a:t>
-            </a:r>
-            <a:endParaRPr lang="en-US" dirty="0"/>
+              <a:t>NEO Resources</a:t>
+            </a:r>
           </a:p>
         </p:txBody>
       </p:sp>
-      <p:pic>
-        <p:nvPicPr>
-          <p:cNvPr id="12" name="Content Placeholder 11">
+      <p:sp>
+        <p:nvSpPr>
+          <p:cNvPr id="3" name="Content Placeholder 2">
             <a:extLst>
               <a:ext uri="{FF2B5EF4-FFF2-40B4-BE49-F238E27FC236}">
-                <a16:creationId xmlns:a16="http://schemas.microsoft.com/office/drawing/2014/main" id="{86A5B956-F81E-4705-B893-AA1572881359}"/>
+                <a16:creationId xmlns:a16="http://schemas.microsoft.com/office/drawing/2014/main" id="{7019A0A9-E403-4795-9F88-DB86835D1E73}"/>
               </a:ext>
             </a:extLst>
           </p:cNvPr>
-          <p:cNvPicPr>
-            <a:picLocks noGrp="1" noChangeAspect="1"/>
-          </p:cNvPicPr>
+          <p:cNvSpPr>
+            <a:spLocks noGrp="1"/>
+          </p:cNvSpPr>
           <p:nvPr>
-            <p:ph sz="half" idx="1"/>
+            <p:ph idx="1"/>
           </p:nvPr>
-        </p:nvPicPr>
-        <p:blipFill>
-          <a:blip r:embed="rId2"/>
-          <a:stretch>
-            <a:fillRect/>
-          </a:stretch>
-        </p:blipFill>
+        </p:nvSpPr>
         <p:spPr>
           <a:xfrm>
-            <a:off x="6101958" y="4039979"/>
-            <a:ext cx="4183062" cy="2352972"/>
+            <a:off x="677334" y="1292434"/>
+            <a:ext cx="10304431" cy="5487333"/>
           </a:xfrm>
         </p:spPr>
-      </p:pic>
-      <p:pic>
-        <p:nvPicPr>
-          <p:cNvPr id="14" name="Content Placeholder 13">
+        <p:txBody>
+          <a:bodyPr>
+            <a:normAutofit fontScale="92500" lnSpcReduction="10000"/>
+          </a:bodyPr>
+          <a:lstStyle/>
+          <a:p>
+            <a:pPr marL="0" indent="0">
+              <a:buNone/>
+            </a:pPr>
+            <a:r>
+              <a:rPr lang="en-CA" dirty="0"/>
+              <a:t>General</a:t>
+            </a:r>
+          </a:p>
+          <a:p>
+            <a:r>
+              <a:rPr lang="en-CA" dirty="0"/>
+              <a:t>NEO.org</a:t>
+            </a:r>
+            <a:br>
+              <a:rPr lang="en-CA" dirty="0"/>
+            </a:br>
+            <a:r>
+              <a:rPr lang="en-CA" dirty="0">
+                <a:hlinkClick r:id="rId2"/>
+              </a:rPr>
+              <a:t>http://neo.org</a:t>
+            </a:r>
+            <a:r>
+              <a:rPr lang="en-CA" dirty="0"/>
+              <a:t> </a:t>
+            </a:r>
+          </a:p>
+          <a:p>
+            <a:r>
+              <a:rPr lang="en-US" altLang="zh-CN" dirty="0"/>
+              <a:t>NEO Tutorials  (C#, Java, Python)</a:t>
+            </a:r>
+            <a:r>
+              <a:rPr lang="en-CA" dirty="0"/>
+              <a:t>, API docs</a:t>
+            </a:r>
+            <a:br>
+              <a:rPr lang="en-CA" dirty="0"/>
+            </a:br>
+            <a:r>
+              <a:rPr lang="en-US" altLang="zh-CN" dirty="0">
+                <a:hlinkClick r:id="rId3"/>
+              </a:rPr>
+              <a:t>http://docs.neo.org</a:t>
+            </a:r>
+            <a:endParaRPr lang="en-CA" dirty="0"/>
+          </a:p>
+          <a:p>
+            <a:r>
+              <a:rPr lang="en-CA" dirty="0"/>
+              <a:t>NEO </a:t>
+            </a:r>
+            <a:r>
+              <a:rPr lang="en-CA" dirty="0" err="1"/>
+              <a:t>Devcon</a:t>
+            </a:r>
+            <a:r>
+              <a:rPr lang="en-CA" dirty="0"/>
+              <a:t> “Th New Vision” Keynote by NEO Founder</a:t>
+            </a:r>
+            <a:br>
+              <a:rPr lang="en-CA" dirty="0"/>
+            </a:br>
+            <a:r>
+              <a:rPr lang="en-CA" dirty="0">
+                <a:hlinkClick r:id="rId4"/>
+              </a:rPr>
+              <a:t>https://www.youtube.com/watch?time_continue=3&amp;v=th7jZlmoZBc</a:t>
+            </a:r>
+            <a:r>
+              <a:rPr lang="en-CA" dirty="0"/>
+              <a:t> </a:t>
+            </a:r>
+            <a:br>
+              <a:rPr lang="en-CA" dirty="0"/>
+            </a:br>
+            <a:endParaRPr lang="en-CA" dirty="0"/>
+          </a:p>
+          <a:p>
+            <a:pPr marL="0" indent="0">
+              <a:buNone/>
+            </a:pPr>
+            <a:r>
+              <a:rPr lang="en-CA" dirty="0"/>
+              <a:t>Developers</a:t>
+            </a:r>
+          </a:p>
+          <a:p>
+            <a:r>
+              <a:rPr lang="en-CA" dirty="0"/>
+              <a:t>NEO Blockchain developer guidance for Microsoft .NET developers (</a:t>
+            </a:r>
+            <a:r>
+              <a:rPr lang="en-CA" b="1" dirty="0"/>
+              <a:t>neo-</a:t>
+            </a:r>
+            <a:r>
+              <a:rPr lang="en-CA" b="1" dirty="0" err="1"/>
+              <a:t>windocs</a:t>
+            </a:r>
+            <a:r>
+              <a:rPr lang="en-CA" dirty="0"/>
+              <a:t>)</a:t>
+            </a:r>
+            <a:br>
+              <a:rPr lang="en-CA" dirty="0"/>
+            </a:br>
+            <a:r>
+              <a:rPr lang="en-CA" dirty="0">
+                <a:hlinkClick r:id="rId5"/>
+              </a:rPr>
+              <a:t>https://github.com/mwherman2000/neo-windocs</a:t>
+            </a:r>
+            <a:r>
+              <a:rPr lang="en-CA" dirty="0"/>
+              <a:t> </a:t>
+            </a:r>
+          </a:p>
+          <a:p>
+            <a:r>
+              <a:rPr lang="en-CA" dirty="0"/>
+              <a:t>City of Zion </a:t>
+            </a:r>
+            <a:r>
+              <a:rPr lang="en-CA" b="1" dirty="0"/>
+              <a:t>awesome-neo</a:t>
+            </a:r>
+            <a:r>
+              <a:rPr lang="en-CA" dirty="0"/>
+              <a:t> project: Developer Docs</a:t>
+            </a:r>
+            <a:br>
+              <a:rPr lang="en-CA" dirty="0"/>
+            </a:br>
+            <a:r>
+              <a:rPr lang="en-CA" dirty="0">
+                <a:hlinkClick r:id="rId6"/>
+              </a:rPr>
+              <a:t>https://github.com/CityOfZion/awesome-neo/</a:t>
+            </a:r>
+            <a:br>
+              <a:rPr lang="en-CA" dirty="0">
+                <a:hlinkClick r:id="rId6"/>
+              </a:rPr>
+            </a:br>
+            <a:r>
+              <a:rPr lang="en-CA" dirty="0">
+                <a:hlinkClick r:id="rId6"/>
+              </a:rPr>
+              <a:t>#developer-documentation</a:t>
+            </a:r>
+            <a:r>
+              <a:rPr lang="en-CA" dirty="0"/>
+              <a:t> </a:t>
+            </a:r>
+          </a:p>
+          <a:p>
+            <a:r>
+              <a:rPr lang="en-CA" dirty="0"/>
+              <a:t>The NEO Project</a:t>
+            </a:r>
+            <a:br>
+              <a:rPr lang="en-CA" dirty="0"/>
+            </a:br>
+            <a:r>
+              <a:rPr lang="en-CA" dirty="0">
+                <a:hlinkClick r:id="rId7"/>
+              </a:rPr>
+              <a:t>https://github.com/neo-project</a:t>
+            </a:r>
+            <a:endParaRPr lang="en-CA" dirty="0"/>
+          </a:p>
+          <a:p>
+            <a:r>
+              <a:rPr lang="en-CA" dirty="0"/>
+              <a:t>Discord NEO Community (like Slack)</a:t>
+            </a:r>
+            <a:br>
+              <a:rPr lang="en-CA" dirty="0"/>
+            </a:br>
+            <a:r>
+              <a:rPr lang="en-CA" dirty="0">
+                <a:hlinkClick r:id="rId8"/>
+              </a:rPr>
+              <a:t>https://discord.gg/gqCYeup</a:t>
+            </a:r>
+            <a:r>
+              <a:rPr lang="en-CA" dirty="0"/>
+              <a:t>  </a:t>
+            </a:r>
+          </a:p>
+        </p:txBody>
+      </p:sp>
+      <p:sp>
+        <p:nvSpPr>
+          <p:cNvPr id="4" name="Date Placeholder 3">
             <a:extLst>
               <a:ext uri="{FF2B5EF4-FFF2-40B4-BE49-F238E27FC236}">
-                <a16:creationId xmlns:a16="http://schemas.microsoft.com/office/drawing/2014/main" id="{C0492EE0-9F07-4669-A64E-07703F7BC845}"/>
-              </a:ext>
-            </a:extLst>
-          </p:cNvPr>
-          <p:cNvPicPr>
-            <a:picLocks noGrp="1" noChangeAspect="1"/>
-          </p:cNvPicPr>
-          <p:nvPr>
-            <p:ph sz="half" idx="2"/>
-          </p:nvPr>
-        </p:nvPicPr>
-        <p:blipFill>
-          <a:blip r:embed="rId3"/>
-          <a:stretch>
-            <a:fillRect/>
-          </a:stretch>
-        </p:blipFill>
-        <p:spPr>
-          <a:xfrm>
-            <a:off x="6071991" y="1368190"/>
-            <a:ext cx="4184650" cy="2189966"/>
-          </a:xfrm>
-          <a:ln>
-            <a:solidFill>
-              <a:schemeClr val="tx2">
-                <a:lumMod val="60000"/>
-                <a:lumOff val="40000"/>
-              </a:schemeClr>
-            </a:solidFill>
-          </a:ln>
-        </p:spPr>
-      </p:pic>
-      <p:sp>
-        <p:nvSpPr>
-          <p:cNvPr id="3" name="Date Placeholder 2">
-            <a:extLst>
-              <a:ext uri="{FF2B5EF4-FFF2-40B4-BE49-F238E27FC236}">
-                <a16:creationId xmlns:a16="http://schemas.microsoft.com/office/drawing/2014/main" id="{4C69557F-8412-4361-BA43-77723E2F5606}"/>
+                <a16:creationId xmlns:a16="http://schemas.microsoft.com/office/drawing/2014/main" id="{839D4A78-CA7C-4183-8AA4-13B0EAD0D4CC}"/>
               </a:ext>
             </a:extLst>
           </p:cNvPr>
@@ -15647,12 +15800,7 @@
             <p:ph type="dt" sz="half" idx="10"/>
           </p:nvPr>
         </p:nvSpPr>
-        <p:spPr>
-          <a:xfrm>
-            <a:off x="8187772" y="6041362"/>
-            <a:ext cx="911939" cy="365125"/>
-          </a:xfrm>
-        </p:spPr>
+        <p:spPr/>
         <p:txBody>
           <a:bodyPr/>
           <a:lstStyle/>
@@ -15670,7 +15818,7 @@
           <p:cNvPr id="5" name="Slide Number Placeholder 4">
             <a:extLst>
               <a:ext uri="{FF2B5EF4-FFF2-40B4-BE49-F238E27FC236}">
-                <a16:creationId xmlns:a16="http://schemas.microsoft.com/office/drawing/2014/main" id="{8FD19754-6354-492E-8BE4-60710FB47B34}"/>
+                <a16:creationId xmlns:a16="http://schemas.microsoft.com/office/drawing/2014/main" id="{FE531A56-5541-4288-8440-4DFEE9623005}"/>
               </a:ext>
             </a:extLst>
           </p:cNvPr>
@@ -15681,12 +15829,7 @@
             <p:ph type="sldNum" sz="quarter" idx="12"/>
           </p:nvPr>
         </p:nvSpPr>
-        <p:spPr>
-          <a:xfrm>
-            <a:off x="9573302" y="6041362"/>
-            <a:ext cx="683339" cy="365125"/>
-          </a:xfrm>
-        </p:spPr>
+        <p:spPr/>
         <p:txBody>
           <a:bodyPr/>
           <a:lstStyle/>
@@ -15702,10 +15845,10 @@
       </p:sp>
       <p:pic>
         <p:nvPicPr>
-          <p:cNvPr id="16" name="Picture 15">
+          <p:cNvPr id="6" name="Picture 5">
             <a:extLst>
               <a:ext uri="{FF2B5EF4-FFF2-40B4-BE49-F238E27FC236}">
-                <a16:creationId xmlns:a16="http://schemas.microsoft.com/office/drawing/2014/main" id="{6BFDCD7A-82D4-42F9-B279-92B5F46A8715}"/>
+                <a16:creationId xmlns:a16="http://schemas.microsoft.com/office/drawing/2014/main" id="{E2DA27B3-CEEE-4E74-9679-93DCE21A845A}"/>
               </a:ext>
             </a:extLst>
           </p:cNvPr>
@@ -15715,157 +15858,35 @@
           <p:nvPr/>
         </p:nvPicPr>
         <p:blipFill>
-          <a:blip r:embed="rId4"/>
+          <a:blip r:embed="rId9"/>
           <a:stretch>
             <a:fillRect/>
           </a:stretch>
         </p:blipFill>
         <p:spPr>
           <a:xfrm>
-            <a:off x="882054" y="1368767"/>
-            <a:ext cx="4183200" cy="2189389"/>
+            <a:off x="7425246" y="598269"/>
+            <a:ext cx="4320000" cy="2428814"/>
           </a:xfrm>
           <a:prstGeom prst="rect">
             <a:avLst/>
           </a:prstGeom>
+          <a:noFill/>
+          <a:ln>
+            <a:solidFill>
+              <a:schemeClr val="accent1">
+                <a:lumMod val="50000"/>
+              </a:schemeClr>
+            </a:solidFill>
+          </a:ln>
         </p:spPr>
       </p:pic>
-      <p:sp>
-        <p:nvSpPr>
-          <p:cNvPr id="17" name="Rectangle 16">
+      <p:pic>
+        <p:nvPicPr>
+          <p:cNvPr id="8" name="Picture 7">
             <a:extLst>
               <a:ext uri="{FF2B5EF4-FFF2-40B4-BE49-F238E27FC236}">
-                <a16:creationId xmlns:a16="http://schemas.microsoft.com/office/drawing/2014/main" id="{C1652A9D-B5A6-4170-AAD3-22516CA2FA36}"/>
-              </a:ext>
-            </a:extLst>
-          </p:cNvPr>
-          <p:cNvSpPr/>
-          <p:nvPr/>
-        </p:nvSpPr>
-        <p:spPr>
-          <a:xfrm>
-            <a:off x="-19604" y="3578825"/>
-            <a:ext cx="6096000" cy="369332"/>
-          </a:xfrm>
-          <a:prstGeom prst="rect">
-            <a:avLst/>
-          </a:prstGeom>
-        </p:spPr>
-        <p:txBody>
-          <a:bodyPr>
-            <a:spAutoFit/>
-          </a:bodyPr>
-          <a:lstStyle/>
-          <a:p>
-            <a:pPr algn="ctr"/>
-            <a:r>
-              <a:rPr lang="en-US" dirty="0"/>
-              <a:t>Second Wednesday evening of each month</a:t>
-            </a:r>
-          </a:p>
-        </p:txBody>
-      </p:sp>
-      <p:sp>
-        <p:nvSpPr>
-          <p:cNvPr id="20" name="Rectangle 19">
-            <a:extLst>
-              <a:ext uri="{FF2B5EF4-FFF2-40B4-BE49-F238E27FC236}">
-                <a16:creationId xmlns:a16="http://schemas.microsoft.com/office/drawing/2014/main" id="{FA1EA0FF-3B29-427C-B65D-CB95576705AC}"/>
-              </a:ext>
-            </a:extLst>
-          </p:cNvPr>
-          <p:cNvSpPr/>
-          <p:nvPr/>
-        </p:nvSpPr>
-        <p:spPr>
-          <a:xfrm>
-            <a:off x="-5956" y="6198547"/>
-            <a:ext cx="6096000" cy="646331"/>
-          </a:xfrm>
-          <a:prstGeom prst="rect">
-            <a:avLst/>
-          </a:prstGeom>
-        </p:spPr>
-        <p:txBody>
-          <a:bodyPr>
-            <a:spAutoFit/>
-          </a:bodyPr>
-          <a:lstStyle/>
-          <a:p>
-            <a:pPr algn="ctr"/>
-            <a:r>
-              <a:rPr lang="en-US" dirty="0" err="1"/>
-              <a:t>HackCU</a:t>
-            </a:r>
-            <a:r>
-              <a:rPr lang="en-US" dirty="0"/>
-              <a:t> Episode IV · University of Colorado Boulder</a:t>
-            </a:r>
-          </a:p>
-          <a:p>
-            <a:pPr algn="ctr"/>
-            <a:r>
-              <a:rPr lang="en-US" dirty="0"/>
-              <a:t>600 Hackers · 24 Hours · February 24th and 25th 2018</a:t>
-            </a:r>
-          </a:p>
-        </p:txBody>
-      </p:sp>
-      <p:sp>
-        <p:nvSpPr>
-          <p:cNvPr id="23" name="Rectangle 22">
-            <a:extLst>
-              <a:ext uri="{FF2B5EF4-FFF2-40B4-BE49-F238E27FC236}">
-                <a16:creationId xmlns:a16="http://schemas.microsoft.com/office/drawing/2014/main" id="{9A055F71-B10A-4BE4-BA61-77F98100D9A1}"/>
-              </a:ext>
-            </a:extLst>
-          </p:cNvPr>
-          <p:cNvSpPr/>
-          <p:nvPr/>
-        </p:nvSpPr>
-        <p:spPr>
-          <a:xfrm>
-            <a:off x="882054" y="4039979"/>
-            <a:ext cx="4183200" cy="2171234"/>
-          </a:xfrm>
-          <a:prstGeom prst="rect">
-            <a:avLst/>
-          </a:prstGeom>
-          <a:solidFill>
-            <a:schemeClr val="tx1"/>
-          </a:solidFill>
-        </p:spPr>
-        <p:style>
-          <a:lnRef idx="2">
-            <a:schemeClr val="accent1">
-              <a:shade val="50000"/>
-            </a:schemeClr>
-          </a:lnRef>
-          <a:fillRef idx="1">
-            <a:schemeClr val="accent1"/>
-          </a:fillRef>
-          <a:effectRef idx="0">
-            <a:schemeClr val="accent1"/>
-          </a:effectRef>
-          <a:fontRef idx="minor">
-            <a:schemeClr val="lt1"/>
-          </a:fontRef>
-        </p:style>
-        <p:txBody>
-          <a:bodyPr rtlCol="0" anchor="ctr"/>
-          <a:lstStyle/>
-          <a:p>
-            <a:pPr algn="ctr"/>
-            <a:endParaRPr lang="en-US" dirty="0"/>
-          </a:p>
-        </p:txBody>
-      </p:sp>
-      <p:pic>
-        <p:nvPicPr>
-          <p:cNvPr id="22" name="Picture 21">
-            <a:extLst>
-              <a:ext uri="{FF2B5EF4-FFF2-40B4-BE49-F238E27FC236}">
-                <a16:creationId xmlns:a16="http://schemas.microsoft.com/office/drawing/2014/main" id="{1F5EBD08-570E-4C52-946E-E420BCFEF9E6}"/>
+                <a16:creationId xmlns:a16="http://schemas.microsoft.com/office/drawing/2014/main" id="{E8D6F8EB-FC2F-4212-BA59-C6D8CA3AFD2D}"/>
               </a:ext>
             </a:extLst>
           </p:cNvPr>
@@ -15875,25 +15896,30 @@
           <p:nvPr/>
         </p:nvPicPr>
         <p:blipFill>
-          <a:blip r:embed="rId5"/>
+          <a:blip r:embed="rId10"/>
           <a:stretch>
             <a:fillRect/>
           </a:stretch>
         </p:blipFill>
         <p:spPr>
           <a:xfrm>
-            <a:off x="1472420" y="3626717"/>
-            <a:ext cx="2950558" cy="2958323"/>
+            <a:off x="7425246" y="4351364"/>
+            <a:ext cx="4320000" cy="2428403"/>
           </a:xfrm>
           <a:prstGeom prst="rect">
             <a:avLst/>
           </a:prstGeom>
+          <a:ln>
+            <a:solidFill>
+              <a:schemeClr val="accent2"/>
+            </a:solidFill>
+          </a:ln>
         </p:spPr>
       </p:pic>
     </p:spTree>
     <p:extLst>
       <p:ext uri="{BB962C8B-B14F-4D97-AF65-F5344CB8AC3E}">
-        <p14:creationId xmlns:p14="http://schemas.microsoft.com/office/powerpoint/2010/main" val="2367457654"/>
+        <p14:creationId xmlns:p14="http://schemas.microsoft.com/office/powerpoint/2010/main" val="2819126558"/>
       </p:ext>
     </p:extLst>
   </p:cSld>
@@ -15925,7 +15951,7 @@
           <p:cNvPr id="2" name="Title 1">
             <a:extLst>
               <a:ext uri="{FF2B5EF4-FFF2-40B4-BE49-F238E27FC236}">
-                <a16:creationId xmlns:a16="http://schemas.microsoft.com/office/drawing/2014/main" id="{E69B6798-0E27-464C-9C26-AB8334C19AFA}"/>
+                <a16:creationId xmlns:a16="http://schemas.microsoft.com/office/drawing/2014/main" id="{5D6AE72C-DF40-4317-B3AE-312AE6A63AFA}"/>
               </a:ext>
             </a:extLst>
           </p:cNvPr>
@@ -15938,13 +15964,31 @@
         </p:nvSpPr>
         <p:spPr/>
         <p:txBody>
-          <a:bodyPr/>
+          <a:bodyPr>
+            <a:normAutofit fontScale="90000"/>
+          </a:bodyPr>
           <a:lstStyle/>
           <a:p>
             <a:r>
               <a:rPr lang="en-CA" dirty="0"/>
-              <a:t>NEO Resources</a:t>
-            </a:r>
+              <a:t>neo-</a:t>
+            </a:r>
+            <a:r>
+              <a:rPr lang="en-CA" dirty="0" err="1"/>
+              <a:t>windocs</a:t>
+            </a:r>
+            <a:r>
+              <a:rPr lang="en-CA" dirty="0"/>
+              <a:t> Project</a:t>
+            </a:r>
+            <a:br>
+              <a:rPr lang="en-CA" dirty="0"/>
+            </a:br>
+            <a:r>
+              <a:rPr lang="en-CA" sz="2700" dirty="0"/>
+              <a:t>https://github.com/mwherman2000/neo-windocs</a:t>
+            </a:r>
+            <a:endParaRPr lang="en-US" sz="2700" dirty="0"/>
           </a:p>
         </p:txBody>
       </p:sp>
@@ -15953,7 +15997,7 @@
           <p:cNvPr id="3" name="Content Placeholder 2">
             <a:extLst>
               <a:ext uri="{FF2B5EF4-FFF2-40B4-BE49-F238E27FC236}">
-                <a16:creationId xmlns:a16="http://schemas.microsoft.com/office/drawing/2014/main" id="{7019A0A9-E403-4795-9F88-DB86835D1E73}"/>
+                <a16:creationId xmlns:a16="http://schemas.microsoft.com/office/drawing/2014/main" id="{989A5CB1-73DD-4111-880D-82F36ACE3D1A}"/>
               </a:ext>
             </a:extLst>
           </p:cNvPr>
@@ -15966,308 +16010,121 @@
         </p:nvSpPr>
         <p:spPr>
           <a:xfrm>
-            <a:off x="677333" y="1446663"/>
-            <a:ext cx="10304431" cy="4594700"/>
+            <a:off x="677334" y="1801906"/>
+            <a:ext cx="9326476" cy="5056093"/>
           </a:xfrm>
         </p:spPr>
         <p:txBody>
           <a:bodyPr>
-            <a:normAutofit fontScale="92500" lnSpcReduction="10000"/>
+            <a:normAutofit/>
           </a:bodyPr>
           <a:lstStyle/>
           <a:p>
-            <a:pPr marL="0" indent="0">
-              <a:buNone/>
-            </a:pPr>
             <a:r>
               <a:rPr lang="en-CA" dirty="0"/>
-              <a:t>General</a:t>
-            </a:r>
-          </a:p>
-          <a:p>
-            <a:r>
-              <a:rPr lang="en-CA" dirty="0"/>
-              <a:t>NEO.org</a:t>
-            </a:r>
-            <a:br>
-              <a:rPr lang="en-CA" dirty="0"/>
-            </a:br>
+              <a:t>Founder: Michael Herman (</a:t>
+            </a:r>
             <a:r>
               <a:rPr lang="en-CA" dirty="0">
                 <a:hlinkClick r:id="rId2"/>
               </a:rPr>
-              <a:t>http://neo.org</a:t>
+              <a:t>neotoronto@outlook.com</a:t>
             </a:r>
             <a:r>
               <a:rPr lang="en-CA" dirty="0"/>
-              <a:t> </a:t>
-            </a:r>
-          </a:p>
-          <a:p>
-            <a:r>
-              <a:rPr lang="en-US" altLang="zh-CN" dirty="0"/>
-              <a:t>NEO Tutorials  (C#, Java, Python)</a:t>
-            </a:r>
-            <a:r>
-              <a:rPr lang="en-CA" dirty="0"/>
-              <a:t>, API docs</a:t>
+              <a:t>)</a:t>
+            </a:r>
+          </a:p>
+          <a:p>
+            <a:r>
+              <a:rPr lang="en-US" dirty="0"/>
+              <a:t>NEO Blockchain end-to-end, detailed guidance for .NET developers</a:t>
+            </a:r>
+          </a:p>
+          <a:p>
+            <a:r>
+              <a:rPr lang="en-US" dirty="0"/>
+              <a:t>Content purposely designed to help .NET developers ramp up and become productive more quickly</a:t>
+            </a:r>
+          </a:p>
+          <a:p>
+            <a:r>
+              <a:rPr lang="en-US" dirty="0"/>
+              <a:t>Repository for content presented at the NEO Blockchain Toronto meetup group</a:t>
+            </a:r>
+          </a:p>
+          <a:p>
+            <a:r>
+              <a:rPr lang="en-US" dirty="0"/>
+              <a:t>Contents</a:t>
+            </a:r>
+          </a:p>
+          <a:p>
+            <a:pPr lvl="1"/>
+            <a:r>
+              <a:rPr lang="en-US" dirty="0"/>
+              <a:t>NEO Blockchain Quick Start Guide for .NET Developers</a:t>
             </a:r>
             <a:br>
-              <a:rPr lang="en-CA" dirty="0"/>
+              <a:rPr lang="en-US" dirty="0"/>
             </a:br>
             <a:r>
-              <a:rPr lang="en-US" altLang="zh-CN" dirty="0">
+              <a:rPr lang="en-US" dirty="0">
                 <a:hlinkClick r:id="rId3"/>
               </a:rPr>
-              <a:t>http://docs.neo.org</a:t>
-            </a:r>
-            <a:endParaRPr lang="en-CA" dirty="0"/>
-          </a:p>
-          <a:p>
-            <a:r>
-              <a:rPr lang="en-CA" dirty="0"/>
-              <a:t>NEO </a:t>
-            </a:r>
-            <a:r>
-              <a:rPr lang="en-CA" dirty="0" err="1"/>
-              <a:t>Devcon</a:t>
-            </a:r>
-            <a:r>
-              <a:rPr lang="en-CA" dirty="0"/>
-              <a:t> “Th New Vision” Keynote by NEO Founder</a:t>
+              <a:t>https://github.com/mwherman2000/neo-windocs/tree/master/windocs/quickstart-csharp/README.md</a:t>
+            </a:r>
+            <a:r>
+              <a:rPr lang="en-US" dirty="0"/>
+              <a:t> </a:t>
+            </a:r>
+          </a:p>
+          <a:p>
+            <a:pPr lvl="1"/>
+            <a:r>
+              <a:rPr lang="en-US" dirty="0"/>
+              <a:t>NEO Blockchain Architecture Reference Model (ARM) for .NET Developers (neo-charm)</a:t>
             </a:r>
             <a:br>
-              <a:rPr lang="en-CA" dirty="0"/>
+              <a:rPr lang="en-US" dirty="0"/>
             </a:br>
             <a:r>
-              <a:rPr lang="en-CA" dirty="0">
+              <a:rPr lang="en-US" dirty="0">
                 <a:hlinkClick r:id="rId4"/>
               </a:rPr>
-              <a:t>https://www.youtube.com/watch?time_continue=3&amp;v=th7jZlmoZBc</a:t>
-            </a:r>
-            <a:r>
-              <a:rPr lang="en-CA" dirty="0"/>
+              <a:t>https://github.com/mwherman2000/neo-windocs/blob/master/windocs/neo-charm/README.md</a:t>
+            </a:r>
+            <a:r>
+              <a:rPr lang="en-US" dirty="0"/>
               <a:t> </a:t>
             </a:r>
           </a:p>
           <a:p>
-            <a:pPr marL="0" indent="0">
-              <a:buNone/>
-            </a:pPr>
-            <a:r>
-              <a:rPr lang="en-CA" dirty="0"/>
-              <a:t>Developers</a:t>
-            </a:r>
-          </a:p>
-          <a:p>
-            <a:r>
-              <a:rPr lang="en-CA" dirty="0"/>
-              <a:t>NEO Blockchain developer guidance for Microsoft .NET developers (</a:t>
-            </a:r>
-            <a:r>
-              <a:rPr lang="en-CA" b="1" dirty="0"/>
-              <a:t>neo-</a:t>
-            </a:r>
-            <a:r>
-              <a:rPr lang="en-CA" b="1" dirty="0" err="1"/>
-              <a:t>windocs</a:t>
-            </a:r>
-            <a:r>
-              <a:rPr lang="en-CA" dirty="0"/>
-              <a:t>)</a:t>
+            <a:pPr lvl="1"/>
+            <a:r>
+              <a:rPr lang="en-US" dirty="0"/>
+              <a:t>NEO Blockchain Toronto Meetup</a:t>
             </a:r>
             <a:br>
-              <a:rPr lang="en-CA" dirty="0"/>
+              <a:rPr lang="en-US" dirty="0"/>
             </a:br>
             <a:r>
-              <a:rPr lang="en-CA" dirty="0">
+              <a:rPr lang="en-US" dirty="0">
                 <a:hlinkClick r:id="rId5"/>
               </a:rPr>
-              <a:t>https://github.com/mwherman2000/neo-windocs</a:t>
-            </a:r>
-            <a:r>
-              <a:rPr lang="en-CA" dirty="0"/>
+              <a:t>https://github.com/mwherman2000/neo-windocs/tree/master/events/2018-neo-blockchain-toronto</a:t>
+            </a:r>
+            <a:r>
+              <a:rPr lang="en-US" dirty="0"/>
               <a:t> </a:t>
             </a:r>
           </a:p>
-          <a:p>
-            <a:r>
-              <a:rPr lang="en-CA" dirty="0"/>
-              <a:t>City of Zion </a:t>
-            </a:r>
-            <a:r>
-              <a:rPr lang="en-CA" b="1" dirty="0"/>
-              <a:t>awesome-neo</a:t>
-            </a:r>
-            <a:r>
-              <a:rPr lang="en-CA" dirty="0"/>
-              <a:t> project</a:t>
-            </a:r>
-            <a:br>
-              <a:rPr lang="en-CA" dirty="0"/>
-            </a:br>
-            <a:r>
-              <a:rPr lang="en-CA" dirty="0">
-                <a:hlinkClick r:id="rId6"/>
-              </a:rPr>
-              <a:t>https://github.com/CityOfZion/awesome-neo/</a:t>
-            </a:r>
-            <a:r>
-              <a:rPr lang="en-CA" dirty="0"/>
-              <a:t> </a:t>
-            </a:r>
-          </a:p>
-          <a:p>
-            <a:r>
-              <a:rPr lang="en-CA" dirty="0"/>
-              <a:t>The NEO Project</a:t>
-            </a:r>
-            <a:br>
-              <a:rPr lang="en-CA" dirty="0"/>
-            </a:br>
-            <a:r>
-              <a:rPr lang="en-CA" dirty="0">
-                <a:hlinkClick r:id="rId7"/>
-              </a:rPr>
-              <a:t>https://github.com/neo-project</a:t>
-            </a:r>
-            <a:r>
-              <a:rPr lang="en-CA" dirty="0"/>
-              <a:t>  </a:t>
-            </a:r>
-          </a:p>
         </p:txBody>
       </p:sp>
-      <p:sp>
-        <p:nvSpPr>
-          <p:cNvPr id="4" name="Date Placeholder 3">
-            <a:extLst>
-              <a:ext uri="{FF2B5EF4-FFF2-40B4-BE49-F238E27FC236}">
-                <a16:creationId xmlns:a16="http://schemas.microsoft.com/office/drawing/2014/main" id="{839D4A78-CA7C-4183-8AA4-13B0EAD0D4CC}"/>
-              </a:ext>
-            </a:extLst>
-          </p:cNvPr>
-          <p:cNvSpPr>
-            <a:spLocks noGrp="1"/>
-          </p:cNvSpPr>
-          <p:nvPr>
-            <p:ph type="dt" sz="half" idx="10"/>
-          </p:nvPr>
-        </p:nvSpPr>
-        <p:spPr/>
-        <p:txBody>
-          <a:bodyPr/>
-          <a:lstStyle/>
-          <a:p>
-            <a:r>
-              <a:rPr lang="en-US"/>
-              <a:t>3/14/2018</a:t>
-            </a:r>
-            <a:endParaRPr lang="en-US" dirty="0"/>
-          </a:p>
-        </p:txBody>
-      </p:sp>
-      <p:sp>
-        <p:nvSpPr>
-          <p:cNvPr id="7" name="Footer Placeholder 6">
-            <a:extLst>
-              <a:ext uri="{FF2B5EF4-FFF2-40B4-BE49-F238E27FC236}">
-                <a16:creationId xmlns:a16="http://schemas.microsoft.com/office/drawing/2014/main" id="{EDD021CF-94AD-4F4B-B8E4-530293AE47AF}"/>
-              </a:ext>
-            </a:extLst>
-          </p:cNvPr>
-          <p:cNvSpPr>
-            <a:spLocks noGrp="1"/>
-          </p:cNvSpPr>
-          <p:nvPr>
-            <p:ph type="ftr" sz="quarter" idx="11"/>
-          </p:nvPr>
-        </p:nvSpPr>
-        <p:spPr/>
-        <p:txBody>
-          <a:bodyPr/>
-          <a:lstStyle/>
-          <a:p>
-            <a:r>
-              <a:rPr lang="en-US"/>
-              <a:t>NEO Blockchain Toronto</a:t>
-            </a:r>
-            <a:endParaRPr lang="en-US" dirty="0"/>
-          </a:p>
-        </p:txBody>
-      </p:sp>
-      <p:sp>
-        <p:nvSpPr>
-          <p:cNvPr id="5" name="Slide Number Placeholder 4">
-            <a:extLst>
-              <a:ext uri="{FF2B5EF4-FFF2-40B4-BE49-F238E27FC236}">
-                <a16:creationId xmlns:a16="http://schemas.microsoft.com/office/drawing/2014/main" id="{FE531A56-5541-4288-8440-4DFEE9623005}"/>
-              </a:ext>
-            </a:extLst>
-          </p:cNvPr>
-          <p:cNvSpPr>
-            <a:spLocks noGrp="1"/>
-          </p:cNvSpPr>
-          <p:nvPr>
-            <p:ph type="sldNum" sz="quarter" idx="12"/>
-          </p:nvPr>
-        </p:nvSpPr>
-        <p:spPr/>
-        <p:txBody>
-          <a:bodyPr/>
-          <a:lstStyle/>
-          <a:p>
-            <a:fld id="{D57F1E4F-1CFF-5643-939E-217C01CDF565}" type="slidenum">
-              <a:rPr lang="en-US" smtClean="0"/>
-              <a:pPr/>
-              <a:t>19</a:t>
-            </a:fld>
-            <a:endParaRPr lang="en-US" dirty="0"/>
-          </a:p>
-        </p:txBody>
-      </p:sp>
-      <p:pic>
-        <p:nvPicPr>
-          <p:cNvPr id="6" name="Picture 5">
-            <a:extLst>
-              <a:ext uri="{FF2B5EF4-FFF2-40B4-BE49-F238E27FC236}">
-                <a16:creationId xmlns:a16="http://schemas.microsoft.com/office/drawing/2014/main" id="{E2DA27B3-CEEE-4E74-9679-93DCE21A845A}"/>
-              </a:ext>
-            </a:extLst>
-          </p:cNvPr>
-          <p:cNvPicPr>
-            <a:picLocks noChangeAspect="1"/>
-          </p:cNvPicPr>
-          <p:nvPr/>
-        </p:nvPicPr>
-        <p:blipFill>
-          <a:blip r:embed="rId8"/>
-          <a:stretch>
-            <a:fillRect/>
-          </a:stretch>
-        </p:blipFill>
-        <p:spPr>
-          <a:xfrm>
-            <a:off x="7425246" y="598269"/>
-            <a:ext cx="4330026" cy="2434451"/>
-          </a:xfrm>
-          <a:prstGeom prst="rect">
-            <a:avLst/>
-          </a:prstGeom>
-          <a:noFill/>
-          <a:ln>
-            <a:solidFill>
-              <a:schemeClr val="accent1">
-                <a:lumMod val="50000"/>
-              </a:schemeClr>
-            </a:solidFill>
-          </a:ln>
-        </p:spPr>
-      </p:pic>
     </p:spTree>
     <p:extLst>
       <p:ext uri="{BB962C8B-B14F-4D97-AF65-F5344CB8AC3E}">
-        <p14:creationId xmlns:p14="http://schemas.microsoft.com/office/powerpoint/2010/main" val="2819126558"/>
+        <p14:creationId xmlns:p14="http://schemas.microsoft.com/office/powerpoint/2010/main" val="2898092984"/>
       </p:ext>
     </p:extLst>
   </p:cSld>
@@ -16536,7 +16393,7 @@
           <p:cNvPr id="2" name="Title 1">
             <a:extLst>
               <a:ext uri="{FF2B5EF4-FFF2-40B4-BE49-F238E27FC236}">
-                <a16:creationId xmlns:a16="http://schemas.microsoft.com/office/drawing/2014/main" id="{5D6AE72C-DF40-4317-B3AE-312AE6A63AFA}"/>
+                <a16:creationId xmlns:a16="http://schemas.microsoft.com/office/drawing/2014/main" id="{E69B6798-0E27-464C-9C26-AB8334C19AFA}"/>
               </a:ext>
             </a:extLst>
           </p:cNvPr>
@@ -16555,25 +16412,33 @@
           <a:lstStyle/>
           <a:p>
             <a:r>
-              <a:rPr lang="en-CA" dirty="0"/>
-              <a:t>neo-</a:t>
-            </a:r>
-            <a:r>
-              <a:rPr lang="en-CA" dirty="0" err="1"/>
-              <a:t>windocs</a:t>
-            </a:r>
-            <a:r>
-              <a:rPr lang="en-CA" dirty="0"/>
-              <a:t> Project</a:t>
+              <a:rPr lang="en-US" dirty="0"/>
+              <a:t>NEO Blockchain Quick Start Guide for .NET Developers</a:t>
             </a:r>
             <a:br>
-              <a:rPr lang="en-CA" dirty="0"/>
+              <a:rPr lang="en-US" dirty="0"/>
             </a:br>
             <a:r>
-              <a:rPr lang="en-CA" sz="2700" dirty="0"/>
+              <a:rPr lang="en-US" sz="2700" dirty="0">
+                <a:hlinkClick r:id="rId2" tooltip="https://github.com/mwherman2000/neo-windocs/blob/master/windocs/quickstart-csharp/README.md"/>
+              </a:rPr>
               <a:t>https://github.com/mwherman2000/neo-windocs</a:t>
             </a:r>
-            <a:endParaRPr lang="en-US" sz="2700" dirty="0"/>
+            <a:br>
+              <a:rPr lang="en-US" sz="2700" dirty="0">
+                <a:hlinkClick r:id="rId2" tooltip="https://github.com/mwherman2000/neo-windocs/blob/master/windocs/quickstart-csharp/README.md"/>
+              </a:rPr>
+            </a:br>
+            <a:r>
+              <a:rPr lang="en-US" sz="2700" dirty="0">
+                <a:hlinkClick r:id="rId2" tooltip="https://github.com/mwherman2000/neo-windocs/blob/master/windocs/quickstart-csharp/README.md"/>
+              </a:rPr>
+              <a:t>/blob/master/windocs/quickstart-csharp/README.md</a:t>
+            </a:r>
+            <a:br>
+              <a:rPr lang="en-US" dirty="0"/>
+            </a:br>
+            <a:endParaRPr lang="en-CA" dirty="0"/>
           </a:p>
         </p:txBody>
       </p:sp>
@@ -16582,7 +16447,7 @@
           <p:cNvPr id="3" name="Content Placeholder 2">
             <a:extLst>
               <a:ext uri="{FF2B5EF4-FFF2-40B4-BE49-F238E27FC236}">
-                <a16:creationId xmlns:a16="http://schemas.microsoft.com/office/drawing/2014/main" id="{989A5CB1-73DD-4111-880D-82F36ACE3D1A}"/>
+                <a16:creationId xmlns:a16="http://schemas.microsoft.com/office/drawing/2014/main" id="{7019A0A9-E403-4795-9F88-DB86835D1E73}"/>
               </a:ext>
             </a:extLst>
           </p:cNvPr>
@@ -16590,13 +16455,198 @@
             <a:spLocks noGrp="1"/>
           </p:cNvSpPr>
           <p:nvPr>
-            <p:ph idx="1"/>
+            <p:ph sz="half" idx="1"/>
           </p:nvPr>
         </p:nvSpPr>
         <p:spPr>
           <a:xfrm>
-            <a:off x="677334" y="1801906"/>
-            <a:ext cx="9326476" cy="5056093"/>
+            <a:off x="677334" y="2160588"/>
+            <a:ext cx="4664687" cy="4697412"/>
+          </a:xfrm>
+        </p:spPr>
+        <p:txBody>
+          <a:bodyPr>
+            <a:noAutofit/>
+          </a:bodyPr>
+          <a:lstStyle/>
+          <a:p>
+            <a:pPr>
+              <a:buFont typeface="+mj-lt"/>
+              <a:buAutoNum type="arabicPeriod"/>
+            </a:pPr>
+            <a:r>
+              <a:rPr lang="en-US" sz="1200" dirty="0"/>
+              <a:t>Pre-requisites and Recommendations</a:t>
+            </a:r>
+          </a:p>
+          <a:p>
+            <a:pPr>
+              <a:buFont typeface="+mj-lt"/>
+              <a:buAutoNum type="arabicPeriod"/>
+            </a:pPr>
+            <a:r>
+              <a:rPr lang="en-US" sz="1200" dirty="0"/>
+              <a:t>Download and install Visual Studio 2017 Community Edition integrated development environment (IDE)</a:t>
+            </a:r>
+          </a:p>
+          <a:p>
+            <a:pPr>
+              <a:buFont typeface="+mj-lt"/>
+              <a:buAutoNum type="arabicPeriod"/>
+            </a:pPr>
+            <a:r>
+              <a:rPr lang="en-US" sz="1200" dirty="0"/>
+              <a:t>Download and unpack NEO developer tool projects (source)</a:t>
+            </a:r>
+          </a:p>
+          <a:p>
+            <a:pPr>
+              <a:buFont typeface="+mj-lt"/>
+              <a:buAutoNum type="arabicPeriod"/>
+            </a:pPr>
+            <a:r>
+              <a:rPr lang="en-US" sz="1200" dirty="0"/>
+              <a:t>Coffee time: Wait for previous activities to complete</a:t>
+            </a:r>
+          </a:p>
+          <a:p>
+            <a:pPr>
+              <a:buFont typeface="+mj-lt"/>
+              <a:buAutoNum type="arabicPeriod"/>
+            </a:pPr>
+            <a:r>
+              <a:rPr lang="en-US" sz="1200" dirty="0"/>
+              <a:t>Install </a:t>
+            </a:r>
+            <a:r>
+              <a:rPr lang="en-US" sz="1200" dirty="0" err="1"/>
+              <a:t>NeoContractPlugin</a:t>
+            </a:r>
+            <a:r>
+              <a:rPr lang="en-US" sz="1200" dirty="0"/>
+              <a:t> Visual Studio extension</a:t>
+            </a:r>
+          </a:p>
+          <a:p>
+            <a:pPr>
+              <a:buFont typeface="+mj-lt"/>
+              <a:buAutoNum type="arabicPeriod"/>
+            </a:pPr>
+            <a:r>
+              <a:rPr lang="en-US" sz="1200" dirty="0"/>
+              <a:t>Build and test NEO developer tool projects (from source)</a:t>
+            </a:r>
+          </a:p>
+          <a:p>
+            <a:pPr>
+              <a:buFont typeface="+mj-lt"/>
+              <a:buAutoNum type="arabicPeriod"/>
+            </a:pPr>
+            <a:r>
+              <a:rPr lang="en-US" sz="1200" dirty="0"/>
+              <a:t>Download, install, and test Docker platform</a:t>
+            </a:r>
+          </a:p>
+          <a:p>
+            <a:pPr>
+              <a:buFont typeface="+mj-lt"/>
+              <a:buAutoNum type="arabicPeriod"/>
+            </a:pPr>
+            <a:r>
+              <a:rPr lang="en-US" sz="1200" dirty="0"/>
+              <a:t>Download and test NEO </a:t>
+            </a:r>
+            <a:r>
+              <a:rPr lang="en-US" sz="1200" dirty="0" err="1"/>
+              <a:t>privatenet</a:t>
+            </a:r>
+            <a:r>
+              <a:rPr lang="en-US" sz="1200" dirty="0"/>
+              <a:t> Docker container</a:t>
+            </a:r>
+          </a:p>
+          <a:p>
+            <a:pPr>
+              <a:buFont typeface="+mj-lt"/>
+              <a:buAutoNum type="arabicPeriod"/>
+            </a:pPr>
+            <a:r>
+              <a:rPr lang="en-US" sz="1200" dirty="0"/>
+              <a:t>Create and compile HelloWorld smart contract sample</a:t>
+            </a:r>
+          </a:p>
+          <a:p>
+            <a:pPr>
+              <a:buFont typeface="+mj-lt"/>
+              <a:buAutoNum type="arabicPeriod"/>
+            </a:pPr>
+            <a:r>
+              <a:rPr lang="en-US" sz="1200" dirty="0"/>
+              <a:t>Deploy and test the HelloWorld smart contract</a:t>
+            </a:r>
+          </a:p>
+          <a:p>
+            <a:pPr>
+              <a:buFont typeface="+mj-lt"/>
+              <a:buAutoNum type="arabicPeriod"/>
+            </a:pPr>
+            <a:r>
+              <a:rPr lang="en-US" sz="1200" dirty="0"/>
+              <a:t>Celebrate</a:t>
+            </a:r>
+          </a:p>
+          <a:p>
+            <a:r>
+              <a:rPr lang="en-US" sz="1200" dirty="0"/>
+              <a:t>Appendix A - Checklist</a:t>
+            </a:r>
+          </a:p>
+          <a:p>
+            <a:r>
+              <a:rPr lang="en-US" sz="1200" dirty="0"/>
+              <a:t>Appendix B - Roadmap</a:t>
+            </a:r>
+          </a:p>
+          <a:p>
+            <a:r>
+              <a:rPr lang="en-US" sz="1200" dirty="0"/>
+              <a:t>Appendix C - Reset NEO </a:t>
+            </a:r>
+            <a:r>
+              <a:rPr lang="en-US" sz="1200" dirty="0" err="1"/>
+              <a:t>privatenet</a:t>
+            </a:r>
+            <a:r>
+              <a:rPr lang="en-US" sz="1200" dirty="0"/>
+              <a:t> Environment: Container, Wallets, and Clients</a:t>
+            </a:r>
+            <a:br>
+              <a:rPr lang="en-CA" sz="1200" dirty="0"/>
+            </a:br>
+            <a:endParaRPr lang="en-CA" sz="1200" dirty="0"/>
+          </a:p>
+        </p:txBody>
+      </p:sp>
+      <p:sp>
+        <p:nvSpPr>
+          <p:cNvPr id="6" name="Content Placeholder 5">
+            <a:extLst>
+              <a:ext uri="{FF2B5EF4-FFF2-40B4-BE49-F238E27FC236}">
+                <a16:creationId xmlns:a16="http://schemas.microsoft.com/office/drawing/2014/main" id="{DE1F5682-0D32-44D1-ACA6-3E35AD9CE5A9}"/>
+              </a:ext>
+            </a:extLst>
+          </p:cNvPr>
+          <p:cNvSpPr>
+            <a:spLocks noGrp="1"/>
+          </p:cNvSpPr>
+          <p:nvPr>
+            <p:ph sz="half" idx="2"/>
+          </p:nvPr>
+        </p:nvSpPr>
+        <p:spPr>
+          <a:xfrm>
+            <a:off x="5806579" y="2160588"/>
+            <a:ext cx="4184034" cy="3880773"/>
           </a:xfrm>
         </p:spPr>
         <p:txBody>
@@ -16605,103 +16655,43 @@
           </a:bodyPr>
           <a:lstStyle/>
           <a:p>
-            <a:r>
-              <a:rPr lang="en-CA" dirty="0"/>
-              <a:t>Founder: Michael Herman (</a:t>
-            </a:r>
-            <a:r>
-              <a:rPr lang="en-CA" dirty="0">
-                <a:hlinkClick r:id="rId2"/>
-              </a:rPr>
-              <a:t>neotoronto@outlook.com</a:t>
-            </a:r>
-            <a:r>
-              <a:rPr lang="en-CA" dirty="0"/>
-              <a:t>)</a:t>
-            </a:r>
-          </a:p>
-          <a:p>
-            <a:r>
-              <a:rPr lang="en-US" dirty="0"/>
-              <a:t>NEO Blockchain end-to-end, detailed guidance for .NET developers</a:t>
-            </a:r>
-          </a:p>
-          <a:p>
-            <a:r>
-              <a:rPr lang="en-US" dirty="0"/>
-              <a:t>Content purposely designed to help .NET developers ramp up and become productive more quickly</a:t>
-            </a:r>
-          </a:p>
-          <a:p>
-            <a:r>
-              <a:rPr lang="en-US" dirty="0"/>
-              <a:t>Repository for content presented at the NEO Blockchain Toronto meetup group</a:t>
-            </a:r>
-          </a:p>
-          <a:p>
-            <a:r>
-              <a:rPr lang="en-US" dirty="0"/>
-              <a:t>Contents</a:t>
-            </a:r>
-          </a:p>
-          <a:p>
-            <a:pPr lvl="1"/>
-            <a:r>
-              <a:rPr lang="en-US" dirty="0"/>
-              <a:t>NEO Blockchain Quick Start Guide for .NET Developers</a:t>
-            </a:r>
-            <a:br>
-              <a:rPr lang="en-US" dirty="0"/>
-            </a:br>
-            <a:r>
-              <a:rPr lang="en-US" dirty="0">
-                <a:hlinkClick r:id="rId3"/>
-              </a:rPr>
-              <a:t>https://github.com/mwherman2000/neo-windocs/tree/master/windocs/quickstart-csharp/README.md</a:t>
-            </a:r>
-            <a:r>
-              <a:rPr lang="en-US" dirty="0"/>
-              <a:t> </a:t>
-            </a:r>
-          </a:p>
-          <a:p>
-            <a:pPr lvl="1"/>
-            <a:r>
-              <a:rPr lang="en-US" dirty="0"/>
-              <a:t>NEO Blockchain Architecture Reference Model (ARM) for .NET Developers (neo-charm)</a:t>
-            </a:r>
-            <a:br>
-              <a:rPr lang="en-US" dirty="0"/>
-            </a:br>
-            <a:r>
-              <a:rPr lang="en-US" dirty="0">
-                <a:hlinkClick r:id="rId4"/>
-              </a:rPr>
-              <a:t>https://github.com/mwherman2000/neo-windocs/blob/master/windocs/neo-charm/README.md</a:t>
-            </a:r>
-            <a:r>
-              <a:rPr lang="en-US" dirty="0"/>
-              <a:t> </a:t>
-            </a:r>
-          </a:p>
-          <a:p>
-            <a:pPr lvl="1"/>
-            <a:r>
-              <a:rPr lang="en-US" dirty="0"/>
-              <a:t>NEO Blockchain Toronto Meetup</a:t>
-            </a:r>
-            <a:br>
-              <a:rPr lang="en-US" dirty="0"/>
-            </a:br>
-            <a:r>
-              <a:rPr lang="en-US" dirty="0">
-                <a:hlinkClick r:id="rId5"/>
-              </a:rPr>
-              <a:t>https://github.com/mwherman2000/neo-windocs/tree/master/events/2018-neo-blockchain-toronto</a:t>
-            </a:r>
-            <a:r>
-              <a:rPr lang="en-US" dirty="0"/>
-              <a:t> </a:t>
+            <a:pPr marL="0" indent="0">
+              <a:buNone/>
+            </a:pPr>
+            <a:r>
+              <a:rPr lang="en-CA" sz="1200" dirty="0"/>
+              <a:t>Statistics</a:t>
+            </a:r>
+            <a:endParaRPr lang="en-US" sz="1200" dirty="0"/>
+          </a:p>
+          <a:p>
+            <a:r>
+              <a:rPr lang="en-US" sz="1200" dirty="0"/>
+              <a:t>10 activities comprising 130 documented tasks (approximately)</a:t>
+            </a:r>
+          </a:p>
+          <a:p>
+            <a:r>
+              <a:rPr lang="en-US" sz="1200" dirty="0"/>
+              <a:t>140 screen shots (approximately)</a:t>
+            </a:r>
+          </a:p>
+          <a:p>
+            <a:r>
+              <a:rPr lang="en-US" sz="1200" dirty="0"/>
+              <a:t>7 batch files</a:t>
+            </a:r>
+          </a:p>
+          <a:p>
+            <a:r>
+              <a:rPr lang="en-US" sz="1200" dirty="0"/>
+              <a:t>2 JSON configuration files</a:t>
+            </a:r>
+          </a:p>
+          <a:p>
+            <a:r>
+              <a:rPr lang="en-US" sz="1200" dirty="0"/>
+              <a:t>1 C# code snippet</a:t>
             </a:r>
           </a:p>
         </p:txBody>
@@ -16709,7 +16699,7 @@
     </p:spTree>
     <p:extLst>
       <p:ext uri="{BB962C8B-B14F-4D97-AF65-F5344CB8AC3E}">
-        <p14:creationId xmlns:p14="http://schemas.microsoft.com/office/powerpoint/2010/main" val="2898092984"/>
+        <p14:creationId xmlns:p14="http://schemas.microsoft.com/office/powerpoint/2010/main" val="2691972381"/>
       </p:ext>
     </p:extLst>
   </p:cSld>
@@ -16752,7 +16742,12 @@
             <p:ph type="title"/>
           </p:nvPr>
         </p:nvSpPr>
-        <p:spPr/>
+        <p:spPr>
+          <a:xfrm>
+            <a:off x="677334" y="609600"/>
+            <a:ext cx="10889024" cy="1320800"/>
+          </a:xfrm>
+        </p:spPr>
         <p:txBody>
           <a:bodyPr>
             <a:normAutofit fontScale="90000"/>
@@ -16761,27 +16756,20 @@
           <a:p>
             <a:r>
               <a:rPr lang="en-US" dirty="0"/>
-              <a:t>NEO Blockchain Quick Start Guide for .NET Developers</a:t>
+              <a:t>NEO Blockchain Architecture Reference Model (ARM) for .NET Developers (neo-charm)</a:t>
             </a:r>
             <a:br>
               <a:rPr lang="en-US" dirty="0"/>
             </a:br>
             <a:r>
               <a:rPr lang="en-US" sz="2700" dirty="0">
-                <a:hlinkClick r:id="rId2" tooltip="https://github.com/mwherman2000/neo-windocs/blob/master/windocs/quickstart-csharp/README.md"/>
+                <a:hlinkClick r:id="rId2"/>
               </a:rPr>
-              <a:t>https://github.com/mwherman2000/neo-windocs</a:t>
-            </a:r>
-            <a:br>
-              <a:rPr lang="en-US" sz="2700" dirty="0">
-                <a:hlinkClick r:id="rId2" tooltip="https://github.com/mwherman2000/neo-windocs/blob/master/windocs/quickstart-csharp/README.md"/>
-              </a:rPr>
-            </a:br>
-            <a:r>
-              <a:rPr lang="en-US" sz="2700" dirty="0">
-                <a:hlinkClick r:id="rId2" tooltip="https://github.com/mwherman2000/neo-windocs/blob/master/windocs/quickstart-csharp/README.md"/>
-              </a:rPr>
-              <a:t>/blob/master/windocs/quickstart-csharp/README.md</a:t>
+              <a:t>https://github.com/mwherman2000/neo-windocs/</a:t>
+            </a:r>
+            <a:r>
+              <a:rPr lang="en-US" sz="2700" dirty="0"/>
+              <a:t> blob/master/windocs/neo-charm/README.md</a:t>
             </a:r>
             <a:br>
               <a:rPr lang="en-US" dirty="0"/>
@@ -16790,264 +16778,40 @@
           </a:p>
         </p:txBody>
       </p:sp>
-      <p:sp>
-        <p:nvSpPr>
-          <p:cNvPr id="3" name="Content Placeholder 2">
+      <p:pic>
+        <p:nvPicPr>
+          <p:cNvPr id="10" name="Picture 9">
             <a:extLst>
               <a:ext uri="{FF2B5EF4-FFF2-40B4-BE49-F238E27FC236}">
-                <a16:creationId xmlns:a16="http://schemas.microsoft.com/office/drawing/2014/main" id="{7019A0A9-E403-4795-9F88-DB86835D1E73}"/>
+                <a16:creationId xmlns:a16="http://schemas.microsoft.com/office/drawing/2014/main" id="{58414357-66B7-4AFF-AEC4-4BD031781F1D}"/>
               </a:ext>
             </a:extLst>
           </p:cNvPr>
-          <p:cNvSpPr>
-            <a:spLocks noGrp="1"/>
-          </p:cNvSpPr>
-          <p:nvPr>
-            <p:ph sz="half" idx="1"/>
-          </p:nvPr>
-        </p:nvSpPr>
+          <p:cNvPicPr>
+            <a:picLocks noChangeAspect="1"/>
+          </p:cNvPicPr>
+          <p:nvPr/>
+        </p:nvPicPr>
+        <p:blipFill>
+          <a:blip r:embed="rId3"/>
+          <a:stretch>
+            <a:fillRect/>
+          </a:stretch>
+        </p:blipFill>
         <p:spPr>
           <a:xfrm>
-            <a:off x="677334" y="2160588"/>
-            <a:ext cx="4664687" cy="4697412"/>
+            <a:off x="709419" y="2430685"/>
+            <a:ext cx="7685051" cy="4320000"/>
           </a:xfrm>
+          <a:prstGeom prst="rect">
+            <a:avLst/>
+          </a:prstGeom>
         </p:spPr>
-        <p:txBody>
-          <a:bodyPr>
-            <a:noAutofit/>
-          </a:bodyPr>
-          <a:lstStyle/>
-          <a:p>
-            <a:pPr>
-              <a:buFont typeface="+mj-lt"/>
-              <a:buAutoNum type="arabicPeriod"/>
-            </a:pPr>
-            <a:r>
-              <a:rPr lang="en-US" sz="1200" dirty="0"/>
-              <a:t>Pre-requisites and Recommendations</a:t>
-            </a:r>
-          </a:p>
-          <a:p>
-            <a:pPr>
-              <a:buFont typeface="+mj-lt"/>
-              <a:buAutoNum type="arabicPeriod"/>
-            </a:pPr>
-            <a:r>
-              <a:rPr lang="en-US" sz="1200" dirty="0"/>
-              <a:t>Download and install Visual Studio 2017 Community Edition integrated development environment (IDE)</a:t>
-            </a:r>
-          </a:p>
-          <a:p>
-            <a:pPr>
-              <a:buFont typeface="+mj-lt"/>
-              <a:buAutoNum type="arabicPeriod"/>
-            </a:pPr>
-            <a:r>
-              <a:rPr lang="en-US" sz="1200" dirty="0"/>
-              <a:t>Download and unpack NEO developer tool projects (source)</a:t>
-            </a:r>
-          </a:p>
-          <a:p>
-            <a:pPr>
-              <a:buFont typeface="+mj-lt"/>
-              <a:buAutoNum type="arabicPeriod"/>
-            </a:pPr>
-            <a:r>
-              <a:rPr lang="en-US" sz="1200" dirty="0"/>
-              <a:t>Coffee time: Wait for previous activities to complete</a:t>
-            </a:r>
-          </a:p>
-          <a:p>
-            <a:pPr>
-              <a:buFont typeface="+mj-lt"/>
-              <a:buAutoNum type="arabicPeriod"/>
-            </a:pPr>
-            <a:r>
-              <a:rPr lang="en-US" sz="1200" dirty="0"/>
-              <a:t>Install </a:t>
-            </a:r>
-            <a:r>
-              <a:rPr lang="en-US" sz="1200" dirty="0" err="1"/>
-              <a:t>NeoContractPlugin</a:t>
-            </a:r>
-            <a:r>
-              <a:rPr lang="en-US" sz="1200" dirty="0"/>
-              <a:t> Visual Studio extension</a:t>
-            </a:r>
-          </a:p>
-          <a:p>
-            <a:pPr>
-              <a:buFont typeface="+mj-lt"/>
-              <a:buAutoNum type="arabicPeriod"/>
-            </a:pPr>
-            <a:r>
-              <a:rPr lang="en-US" sz="1200" dirty="0"/>
-              <a:t>Build and test NEO developer tool projects (from source)</a:t>
-            </a:r>
-          </a:p>
-          <a:p>
-            <a:pPr>
-              <a:buFont typeface="+mj-lt"/>
-              <a:buAutoNum type="arabicPeriod"/>
-            </a:pPr>
-            <a:r>
-              <a:rPr lang="en-US" sz="1200" dirty="0"/>
-              <a:t>Download, install, and test Docker platform</a:t>
-            </a:r>
-          </a:p>
-          <a:p>
-            <a:pPr>
-              <a:buFont typeface="+mj-lt"/>
-              <a:buAutoNum type="arabicPeriod"/>
-            </a:pPr>
-            <a:r>
-              <a:rPr lang="en-US" sz="1200" dirty="0"/>
-              <a:t>Download and test NEO </a:t>
-            </a:r>
-            <a:r>
-              <a:rPr lang="en-US" sz="1200" dirty="0" err="1"/>
-              <a:t>privatenet</a:t>
-            </a:r>
-            <a:r>
-              <a:rPr lang="en-US" sz="1200" dirty="0"/>
-              <a:t> Docker container</a:t>
-            </a:r>
-          </a:p>
-          <a:p>
-            <a:pPr>
-              <a:buFont typeface="+mj-lt"/>
-              <a:buAutoNum type="arabicPeriod"/>
-            </a:pPr>
-            <a:r>
-              <a:rPr lang="en-US" sz="1200" dirty="0"/>
-              <a:t>Create and compile HelloWorld smart contract sample</a:t>
-            </a:r>
-          </a:p>
-          <a:p>
-            <a:pPr>
-              <a:buFont typeface="+mj-lt"/>
-              <a:buAutoNum type="arabicPeriod"/>
-            </a:pPr>
-            <a:r>
-              <a:rPr lang="en-US" sz="1200" dirty="0"/>
-              <a:t>Deploy and test the HelloWorld smart contract</a:t>
-            </a:r>
-          </a:p>
-          <a:p>
-            <a:pPr>
-              <a:buFont typeface="+mj-lt"/>
-              <a:buAutoNum type="arabicPeriod"/>
-            </a:pPr>
-            <a:r>
-              <a:rPr lang="en-US" sz="1200" dirty="0"/>
-              <a:t>Celebrate</a:t>
-            </a:r>
-          </a:p>
-          <a:p>
-            <a:r>
-              <a:rPr lang="en-US" sz="1200" dirty="0"/>
-              <a:t>Appendix A - Checklist</a:t>
-            </a:r>
-          </a:p>
-          <a:p>
-            <a:r>
-              <a:rPr lang="en-US" sz="1200" dirty="0"/>
-              <a:t>Appendix B - Roadmap</a:t>
-            </a:r>
-          </a:p>
-          <a:p>
-            <a:r>
-              <a:rPr lang="en-US" sz="1200" dirty="0"/>
-              <a:t>Appendix C - Reset NEO </a:t>
-            </a:r>
-            <a:r>
-              <a:rPr lang="en-US" sz="1200" dirty="0" err="1"/>
-              <a:t>privatenet</a:t>
-            </a:r>
-            <a:r>
-              <a:rPr lang="en-US" sz="1200" dirty="0"/>
-              <a:t> Environment: Container, Wallets, and Clients</a:t>
-            </a:r>
-            <a:br>
-              <a:rPr lang="en-CA" sz="1200" dirty="0"/>
-            </a:br>
-            <a:endParaRPr lang="en-CA" sz="1200" dirty="0"/>
-          </a:p>
-        </p:txBody>
-      </p:sp>
-      <p:sp>
-        <p:nvSpPr>
-          <p:cNvPr id="6" name="Content Placeholder 5">
-            <a:extLst>
-              <a:ext uri="{FF2B5EF4-FFF2-40B4-BE49-F238E27FC236}">
-                <a16:creationId xmlns:a16="http://schemas.microsoft.com/office/drawing/2014/main" id="{DE1F5682-0D32-44D1-ACA6-3E35AD9CE5A9}"/>
-              </a:ext>
-            </a:extLst>
-          </p:cNvPr>
-          <p:cNvSpPr>
-            <a:spLocks noGrp="1"/>
-          </p:cNvSpPr>
-          <p:nvPr>
-            <p:ph sz="half" idx="2"/>
-          </p:nvPr>
-        </p:nvSpPr>
-        <p:spPr>
-          <a:xfrm>
-            <a:off x="5806579" y="2160588"/>
-            <a:ext cx="4184034" cy="3880773"/>
-          </a:xfrm>
-        </p:spPr>
-        <p:txBody>
-          <a:bodyPr>
-            <a:normAutofit/>
-          </a:bodyPr>
-          <a:lstStyle/>
-          <a:p>
-            <a:pPr marL="0" indent="0">
-              <a:buNone/>
-            </a:pPr>
-            <a:r>
-              <a:rPr lang="en-CA" sz="1200" dirty="0"/>
-              <a:t>Statistics</a:t>
-            </a:r>
-            <a:endParaRPr lang="en-US" sz="1200" dirty="0"/>
-          </a:p>
-          <a:p>
-            <a:r>
-              <a:rPr lang="en-US" sz="1200" dirty="0"/>
-              <a:t>10 activities comprising 130 documented tasks (approximately)</a:t>
-            </a:r>
-          </a:p>
-          <a:p>
-            <a:r>
-              <a:rPr lang="en-US" sz="1200" dirty="0"/>
-              <a:t>140 screen shots (approximately)</a:t>
-            </a:r>
-          </a:p>
-          <a:p>
-            <a:r>
-              <a:rPr lang="en-US" sz="1200" dirty="0"/>
-              <a:t>7 batch files</a:t>
-            </a:r>
-          </a:p>
-          <a:p>
-            <a:r>
-              <a:rPr lang="en-US" sz="1200" dirty="0"/>
-              <a:t>2 JSON configuration files</a:t>
-            </a:r>
-          </a:p>
-          <a:p>
-            <a:r>
-              <a:rPr lang="en-US" sz="1200" dirty="0"/>
-              <a:t>1 C# code snippet</a:t>
-            </a:r>
-          </a:p>
-        </p:txBody>
-      </p:sp>
+      </p:pic>
     </p:spTree>
     <p:extLst>
       <p:ext uri="{BB962C8B-B14F-4D97-AF65-F5344CB8AC3E}">
-        <p14:creationId xmlns:p14="http://schemas.microsoft.com/office/powerpoint/2010/main" val="2691972381"/>
+        <p14:creationId xmlns:p14="http://schemas.microsoft.com/office/powerpoint/2010/main" val="1600201949"/>
       </p:ext>
     </p:extLst>
   </p:cSld>
@@ -17093,7 +16857,7 @@
         <p:spPr>
           <a:xfrm>
             <a:off x="677334" y="609600"/>
-            <a:ext cx="10889024" cy="1320800"/>
+            <a:ext cx="10119003" cy="1320800"/>
           </a:xfrm>
         </p:spPr>
         <p:txBody>
@@ -17104,7 +16868,15 @@
           <a:p>
             <a:r>
               <a:rPr lang="en-US" dirty="0"/>
-              <a:t>NEO Blockchain Architecture Reference Model (ARM) for .NET Developers (neo-charm)</a:t>
+              <a:t>NEO Blockchain Toronto (@</a:t>
+            </a:r>
+            <a:r>
+              <a:rPr lang="en-US" dirty="0" err="1"/>
+              <a:t>neotoronto</a:t>
+            </a:r>
+            <a:r>
+              <a:rPr lang="en-US" dirty="0"/>
+              <a:t>)</a:t>
             </a:r>
             <a:br>
               <a:rPr lang="en-US" dirty="0"/>
@@ -17117,7 +16889,7 @@
             </a:r>
             <a:r>
               <a:rPr lang="en-US" sz="2700" dirty="0"/>
-              <a:t> blob/master/windocs/neo-charm/README.md</a:t>
+              <a:t> tree/master/events/2018-neo-blockchain-toronto</a:t>
             </a:r>
             <a:br>
               <a:rPr lang="en-US" dirty="0"/>
@@ -17128,10 +16900,10 @@
       </p:sp>
       <p:pic>
         <p:nvPicPr>
-          <p:cNvPr id="10" name="Picture 9">
+          <p:cNvPr id="3" name="Picture 2">
             <a:extLst>
               <a:ext uri="{FF2B5EF4-FFF2-40B4-BE49-F238E27FC236}">
-                <a16:creationId xmlns:a16="http://schemas.microsoft.com/office/drawing/2014/main" id="{58414357-66B7-4AFF-AEC4-4BD031781F1D}"/>
+                <a16:creationId xmlns:a16="http://schemas.microsoft.com/office/drawing/2014/main" id="{3DE6B481-77FD-4388-915B-947058F429A6}"/>
               </a:ext>
             </a:extLst>
           </p:cNvPr>
@@ -17148,18 +16920,23 @@
         </p:blipFill>
         <p:spPr>
           <a:xfrm>
-            <a:off x="709419" y="2430686"/>
-            <a:ext cx="7552266" cy="4245357"/>
+            <a:off x="1318779" y="2238232"/>
+            <a:ext cx="5865366" cy="4320000"/>
           </a:xfrm>
           <a:prstGeom prst="rect">
             <a:avLst/>
           </a:prstGeom>
+          <a:ln>
+            <a:solidFill>
+              <a:schemeClr val="accent2"/>
+            </a:solidFill>
+          </a:ln>
         </p:spPr>
       </p:pic>
     </p:spTree>
     <p:extLst>
       <p:ext uri="{BB962C8B-B14F-4D97-AF65-F5344CB8AC3E}">
-        <p14:creationId xmlns:p14="http://schemas.microsoft.com/office/powerpoint/2010/main" val="1600201949"/>
+        <p14:creationId xmlns:p14="http://schemas.microsoft.com/office/powerpoint/2010/main" val="3516804798"/>
       </p:ext>
     </p:extLst>
   </p:cSld>
@@ -17191,7 +16968,7 @@
           <p:cNvPr id="2" name="Title 1">
             <a:extLst>
               <a:ext uri="{FF2B5EF4-FFF2-40B4-BE49-F238E27FC236}">
-                <a16:creationId xmlns:a16="http://schemas.microsoft.com/office/drawing/2014/main" id="{E69B6798-0E27-464C-9C26-AB8334C19AFA}"/>
+                <a16:creationId xmlns:a16="http://schemas.microsoft.com/office/drawing/2014/main" id="{52CF9429-AA32-4FBE-ABAA-E013C5A1094B}"/>
               </a:ext>
             </a:extLst>
           </p:cNvPr>
@@ -17202,54 +16979,326 @@
             <p:ph type="title"/>
           </p:nvPr>
         </p:nvSpPr>
+        <p:spPr/>
+        <p:txBody>
+          <a:bodyPr/>
+          <a:lstStyle/>
+          <a:p>
+            <a:r>
+              <a:rPr lang="en-CA" dirty="0"/>
+              <a:t>Our Values as </a:t>
+            </a:r>
+            <a:r>
+              <a:rPr lang="en-CA" i="1" dirty="0"/>
+              <a:t>Neoxplorers</a:t>
+            </a:r>
+          </a:p>
+        </p:txBody>
+      </p:sp>
+      <p:sp>
+        <p:nvSpPr>
+          <p:cNvPr id="3" name="Content Placeholder 2">
+            <a:extLst>
+              <a:ext uri="{FF2B5EF4-FFF2-40B4-BE49-F238E27FC236}">
+                <a16:creationId xmlns:a16="http://schemas.microsoft.com/office/drawing/2014/main" id="{416D69F6-D9F8-4869-B695-28AD5D234E8F}"/>
+              </a:ext>
+            </a:extLst>
+          </p:cNvPr>
+          <p:cNvSpPr>
+            <a:spLocks noGrp="1"/>
+          </p:cNvSpPr>
+          <p:nvPr>
+            <p:ph sz="half" idx="1"/>
+          </p:nvPr>
+        </p:nvSpPr>
         <p:spPr>
           <a:xfrm>
-            <a:off x="677334" y="609600"/>
-            <a:ext cx="10119003" cy="1320800"/>
+            <a:off x="677334" y="1661613"/>
+            <a:ext cx="4184035" cy="4245898"/>
           </a:xfrm>
         </p:spPr>
         <p:txBody>
           <a:bodyPr>
-            <a:normAutofit fontScale="90000"/>
+            <a:normAutofit lnSpcReduction="10000"/>
           </a:bodyPr>
           <a:lstStyle/>
           <a:p>
-            <a:r>
-              <a:rPr lang="en-US" dirty="0"/>
-              <a:t>NEO Blockchain Toronto (@</a:t>
-            </a:r>
-            <a:r>
-              <a:rPr lang="en-US" dirty="0" err="1"/>
-              <a:t>neotoronto</a:t>
-            </a:r>
-            <a:r>
-              <a:rPr lang="en-US" dirty="0"/>
-              <a:t>)</a:t>
-            </a:r>
-            <a:br>
-              <a:rPr lang="en-US" dirty="0"/>
-            </a:br>
-            <a:r>
-              <a:rPr lang="en-US" sz="2700" dirty="0">
-                <a:hlinkClick r:id="rId2"/>
-              </a:rPr>
-              <a:t>https://github.com/mwherman2000/neo-windocs/</a:t>
-            </a:r>
-            <a:r>
-              <a:rPr lang="en-US" sz="2700" dirty="0"/>
-              <a:t> tree/master/events/2018-neo-blockchain-toronto</a:t>
-            </a:r>
-            <a:br>
-              <a:rPr lang="en-US" dirty="0"/>
-            </a:br>
-            <a:endParaRPr lang="en-CA" dirty="0"/>
+            <a:pPr marL="0" indent="0">
+              <a:buNone/>
+            </a:pPr>
+            <a:r>
+              <a:rPr lang="en-CA" b="1" dirty="0"/>
+              <a:t>We </a:t>
+            </a:r>
+            <a:r>
+              <a:rPr lang="en-CA" b="1" u="sng" dirty="0"/>
+              <a:t>operate</a:t>
+            </a:r>
+            <a:r>
+              <a:rPr lang="en-CA" b="1" dirty="0"/>
+              <a:t> like a blockchain</a:t>
+            </a:r>
+          </a:p>
+          <a:p>
+            <a:r>
+              <a:rPr lang="en-CA" dirty="0"/>
+              <a:t>Decentralized</a:t>
+            </a:r>
+          </a:p>
+          <a:p>
+            <a:r>
+              <a:rPr lang="en-CA" dirty="0"/>
+              <a:t>Community based</a:t>
+            </a:r>
+          </a:p>
+          <a:p>
+            <a:r>
+              <a:rPr lang="en-CA" dirty="0"/>
+              <a:t>Consensus driven</a:t>
+            </a:r>
+          </a:p>
+          <a:p>
+            <a:r>
+              <a:rPr lang="en-CA" dirty="0"/>
+              <a:t>Creators of value</a:t>
+            </a:r>
+          </a:p>
+          <a:p>
+            <a:r>
+              <a:rPr lang="en-CA" dirty="0"/>
+              <a:t>Store value</a:t>
+            </a:r>
+          </a:p>
+          <a:p>
+            <a:r>
+              <a:rPr lang="en-CA" dirty="0"/>
+              <a:t>Transfer value</a:t>
+            </a:r>
+          </a:p>
+          <a:p>
+            <a:r>
+              <a:rPr lang="en-CA" dirty="0"/>
+              <a:t>Multi-disciplinary</a:t>
+            </a:r>
+          </a:p>
+          <a:p>
+            <a:r>
+              <a:rPr lang="en-CA" dirty="0"/>
+              <a:t>Multi-application</a:t>
+            </a:r>
+          </a:p>
+          <a:p>
+            <a:r>
+              <a:rPr lang="en-CA" dirty="0"/>
+              <a:t>Multi-technology</a:t>
+            </a:r>
+          </a:p>
+          <a:p>
+            <a:r>
+              <a:rPr lang="en-CA" dirty="0"/>
+              <a:t>Multi-industry</a:t>
+            </a:r>
+          </a:p>
+        </p:txBody>
+      </p:sp>
+      <p:sp>
+        <p:nvSpPr>
+          <p:cNvPr id="7" name="Content Placeholder 6">
+            <a:extLst>
+              <a:ext uri="{FF2B5EF4-FFF2-40B4-BE49-F238E27FC236}">
+                <a16:creationId xmlns:a16="http://schemas.microsoft.com/office/drawing/2014/main" id="{0D9AA23D-39A1-4CD1-BB1C-34168F7BAB5D}"/>
+              </a:ext>
+            </a:extLst>
+          </p:cNvPr>
+          <p:cNvSpPr>
+            <a:spLocks noGrp="1"/>
+          </p:cNvSpPr>
+          <p:nvPr>
+            <p:ph sz="half" idx="2"/>
+          </p:nvPr>
+        </p:nvSpPr>
+        <p:spPr>
+          <a:xfrm>
+            <a:off x="4748298" y="1661613"/>
+            <a:ext cx="4184034" cy="4245898"/>
+          </a:xfrm>
+        </p:spPr>
+        <p:txBody>
+          <a:bodyPr>
+            <a:normAutofit lnSpcReduction="10000"/>
+          </a:bodyPr>
+          <a:lstStyle/>
+          <a:p>
+            <a:pPr marL="0" indent="0">
+              <a:buNone/>
+            </a:pPr>
+            <a:r>
+              <a:rPr lang="en-CA" b="1" dirty="0"/>
+              <a:t>We </a:t>
+            </a:r>
+            <a:r>
+              <a:rPr lang="en-CA" b="1" u="sng" dirty="0"/>
+              <a:t>behave</a:t>
+            </a:r>
+            <a:r>
+              <a:rPr lang="en-CA" b="1" dirty="0"/>
+              <a:t> like a blockchain</a:t>
+            </a:r>
+          </a:p>
+          <a:p>
+            <a:r>
+              <a:rPr lang="en-CA" dirty="0"/>
+              <a:t>Robust</a:t>
+            </a:r>
+          </a:p>
+          <a:p>
+            <a:r>
+              <a:rPr lang="en-CA" dirty="0"/>
+              <a:t>Reliable</a:t>
+            </a:r>
+          </a:p>
+          <a:p>
+            <a:r>
+              <a:rPr lang="en-CA" dirty="0"/>
+              <a:t>Transparent</a:t>
+            </a:r>
+          </a:p>
+          <a:p>
+            <a:r>
+              <a:rPr lang="en-CA" dirty="0"/>
+              <a:t>Smart</a:t>
+            </a:r>
+          </a:p>
+          <a:p>
+            <a:r>
+              <a:rPr lang="en-CA" dirty="0"/>
+              <a:t>Open</a:t>
+            </a:r>
+          </a:p>
+          <a:p>
+            <a:r>
+              <a:rPr lang="en-CA" dirty="0"/>
+              <a:t>Non-discriminatory</a:t>
+            </a:r>
+          </a:p>
+          <a:p>
+            <a:r>
+              <a:rPr lang="en-CA" dirty="0"/>
+              <a:t>Participatory</a:t>
+            </a:r>
+          </a:p>
+          <a:p>
+            <a:r>
+              <a:rPr lang="en-CA" dirty="0"/>
+              <a:t>Diverse</a:t>
+            </a:r>
+          </a:p>
+          <a:p>
+            <a:r>
+              <a:rPr lang="en-CA" dirty="0"/>
+              <a:t>Committed</a:t>
+            </a:r>
+          </a:p>
+          <a:p>
+            <a:r>
+              <a:rPr lang="en-CA" dirty="0"/>
+              <a:t>Watching out for the next person</a:t>
+            </a:r>
+          </a:p>
+        </p:txBody>
+      </p:sp>
+      <p:sp>
+        <p:nvSpPr>
+          <p:cNvPr id="4" name="Date Placeholder 3">
+            <a:extLst>
+              <a:ext uri="{FF2B5EF4-FFF2-40B4-BE49-F238E27FC236}">
+                <a16:creationId xmlns:a16="http://schemas.microsoft.com/office/drawing/2014/main" id="{53F6F868-9731-4BB8-A248-65752CC8F494}"/>
+              </a:ext>
+            </a:extLst>
+          </p:cNvPr>
+          <p:cNvSpPr>
+            <a:spLocks noGrp="1"/>
+          </p:cNvSpPr>
+          <p:nvPr>
+            <p:ph type="dt" sz="half" idx="10"/>
+          </p:nvPr>
+        </p:nvSpPr>
+        <p:spPr/>
+        <p:txBody>
+          <a:bodyPr/>
+          <a:lstStyle/>
+          <a:p>
+            <a:r>
+              <a:rPr lang="en-US"/>
+              <a:t>3/14/2018</a:t>
+            </a:r>
+            <a:endParaRPr lang="en-US" dirty="0"/>
+          </a:p>
+        </p:txBody>
+      </p:sp>
+      <p:sp>
+        <p:nvSpPr>
+          <p:cNvPr id="5" name="Footer Placeholder 4">
+            <a:extLst>
+              <a:ext uri="{FF2B5EF4-FFF2-40B4-BE49-F238E27FC236}">
+                <a16:creationId xmlns:a16="http://schemas.microsoft.com/office/drawing/2014/main" id="{BAF235CB-0FBB-4764-A879-3471BAA4060A}"/>
+              </a:ext>
+            </a:extLst>
+          </p:cNvPr>
+          <p:cNvSpPr>
+            <a:spLocks noGrp="1"/>
+          </p:cNvSpPr>
+          <p:nvPr>
+            <p:ph type="ftr" sz="quarter" idx="11"/>
+          </p:nvPr>
+        </p:nvSpPr>
+        <p:spPr/>
+        <p:txBody>
+          <a:bodyPr/>
+          <a:lstStyle/>
+          <a:p>
+            <a:r>
+              <a:rPr lang="en-US"/>
+              <a:t>NEO Blockchain Toronto</a:t>
+            </a:r>
+            <a:endParaRPr lang="en-US" dirty="0"/>
+          </a:p>
+        </p:txBody>
+      </p:sp>
+      <p:sp>
+        <p:nvSpPr>
+          <p:cNvPr id="6" name="Slide Number Placeholder 5">
+            <a:extLst>
+              <a:ext uri="{FF2B5EF4-FFF2-40B4-BE49-F238E27FC236}">
+                <a16:creationId xmlns:a16="http://schemas.microsoft.com/office/drawing/2014/main" id="{B7770D10-9999-434C-A2E7-53DC220DE37B}"/>
+              </a:ext>
+            </a:extLst>
+          </p:cNvPr>
+          <p:cNvSpPr>
+            <a:spLocks noGrp="1"/>
+          </p:cNvSpPr>
+          <p:nvPr>
+            <p:ph type="sldNum" sz="quarter" idx="12"/>
+          </p:nvPr>
+        </p:nvSpPr>
+        <p:spPr/>
+        <p:txBody>
+          <a:bodyPr/>
+          <a:lstStyle/>
+          <a:p>
+            <a:fld id="{D57F1E4F-1CFF-5643-939E-217C01CDF565}" type="slidenum">
+              <a:rPr lang="en-US" smtClean="0"/>
+              <a:pPr/>
+              <a:t>23</a:t>
+            </a:fld>
+            <a:endParaRPr lang="en-US" dirty="0"/>
           </a:p>
         </p:txBody>
       </p:sp>
     </p:spTree>
     <p:extLst>
       <p:ext uri="{BB962C8B-B14F-4D97-AF65-F5344CB8AC3E}">
-        <p14:creationId xmlns:p14="http://schemas.microsoft.com/office/powerpoint/2010/main" val="3516804798"/>
+        <p14:creationId xmlns:p14="http://schemas.microsoft.com/office/powerpoint/2010/main" val="621685807"/>
       </p:ext>
     </p:extLst>
   </p:cSld>
@@ -17281,368 +17330,6 @@
           <p:cNvPr id="2" name="Title 1">
             <a:extLst>
               <a:ext uri="{FF2B5EF4-FFF2-40B4-BE49-F238E27FC236}">
-                <a16:creationId xmlns:a16="http://schemas.microsoft.com/office/drawing/2014/main" id="{52CF9429-AA32-4FBE-ABAA-E013C5A1094B}"/>
-              </a:ext>
-            </a:extLst>
-          </p:cNvPr>
-          <p:cNvSpPr>
-            <a:spLocks noGrp="1"/>
-          </p:cNvSpPr>
-          <p:nvPr>
-            <p:ph type="title"/>
-          </p:nvPr>
-        </p:nvSpPr>
-        <p:spPr/>
-        <p:txBody>
-          <a:bodyPr/>
-          <a:lstStyle/>
-          <a:p>
-            <a:r>
-              <a:rPr lang="en-CA" dirty="0"/>
-              <a:t>Our Values as </a:t>
-            </a:r>
-            <a:r>
-              <a:rPr lang="en-CA" i="1" dirty="0"/>
-              <a:t>Neoxplorers</a:t>
-            </a:r>
-          </a:p>
-        </p:txBody>
-      </p:sp>
-      <p:sp>
-        <p:nvSpPr>
-          <p:cNvPr id="3" name="Content Placeholder 2">
-            <a:extLst>
-              <a:ext uri="{FF2B5EF4-FFF2-40B4-BE49-F238E27FC236}">
-                <a16:creationId xmlns:a16="http://schemas.microsoft.com/office/drawing/2014/main" id="{416D69F6-D9F8-4869-B695-28AD5D234E8F}"/>
-              </a:ext>
-            </a:extLst>
-          </p:cNvPr>
-          <p:cNvSpPr>
-            <a:spLocks noGrp="1"/>
-          </p:cNvSpPr>
-          <p:nvPr>
-            <p:ph sz="half" idx="1"/>
-          </p:nvPr>
-        </p:nvSpPr>
-        <p:spPr>
-          <a:xfrm>
-            <a:off x="677334" y="1661613"/>
-            <a:ext cx="4184035" cy="4245898"/>
-          </a:xfrm>
-        </p:spPr>
-        <p:txBody>
-          <a:bodyPr>
-            <a:normAutofit lnSpcReduction="10000"/>
-          </a:bodyPr>
-          <a:lstStyle/>
-          <a:p>
-            <a:pPr marL="0" indent="0">
-              <a:buNone/>
-            </a:pPr>
-            <a:r>
-              <a:rPr lang="en-CA" b="1" dirty="0"/>
-              <a:t>We </a:t>
-            </a:r>
-            <a:r>
-              <a:rPr lang="en-CA" b="1" u="sng" dirty="0"/>
-              <a:t>operate</a:t>
-            </a:r>
-            <a:r>
-              <a:rPr lang="en-CA" b="1" dirty="0"/>
-              <a:t> like a blockchain</a:t>
-            </a:r>
-          </a:p>
-          <a:p>
-            <a:r>
-              <a:rPr lang="en-CA" dirty="0"/>
-              <a:t>Decentralized</a:t>
-            </a:r>
-          </a:p>
-          <a:p>
-            <a:r>
-              <a:rPr lang="en-CA" dirty="0"/>
-              <a:t>Community based</a:t>
-            </a:r>
-          </a:p>
-          <a:p>
-            <a:r>
-              <a:rPr lang="en-CA" dirty="0"/>
-              <a:t>Consensus driven</a:t>
-            </a:r>
-          </a:p>
-          <a:p>
-            <a:r>
-              <a:rPr lang="en-CA" dirty="0"/>
-              <a:t>Creators of value</a:t>
-            </a:r>
-          </a:p>
-          <a:p>
-            <a:r>
-              <a:rPr lang="en-CA" dirty="0"/>
-              <a:t>Store value</a:t>
-            </a:r>
-          </a:p>
-          <a:p>
-            <a:r>
-              <a:rPr lang="en-CA" dirty="0"/>
-              <a:t>Transfer value</a:t>
-            </a:r>
-          </a:p>
-          <a:p>
-            <a:r>
-              <a:rPr lang="en-CA" dirty="0"/>
-              <a:t>Multi-disciplinary</a:t>
-            </a:r>
-          </a:p>
-          <a:p>
-            <a:r>
-              <a:rPr lang="en-CA" dirty="0"/>
-              <a:t>Multi-application</a:t>
-            </a:r>
-          </a:p>
-          <a:p>
-            <a:r>
-              <a:rPr lang="en-CA" dirty="0"/>
-              <a:t>Multi-technology</a:t>
-            </a:r>
-          </a:p>
-          <a:p>
-            <a:r>
-              <a:rPr lang="en-CA" dirty="0"/>
-              <a:t>Multi-industry</a:t>
-            </a:r>
-          </a:p>
-        </p:txBody>
-      </p:sp>
-      <p:sp>
-        <p:nvSpPr>
-          <p:cNvPr id="7" name="Content Placeholder 6">
-            <a:extLst>
-              <a:ext uri="{FF2B5EF4-FFF2-40B4-BE49-F238E27FC236}">
-                <a16:creationId xmlns:a16="http://schemas.microsoft.com/office/drawing/2014/main" id="{0D9AA23D-39A1-4CD1-BB1C-34168F7BAB5D}"/>
-              </a:ext>
-            </a:extLst>
-          </p:cNvPr>
-          <p:cNvSpPr>
-            <a:spLocks noGrp="1"/>
-          </p:cNvSpPr>
-          <p:nvPr>
-            <p:ph sz="half" idx="2"/>
-          </p:nvPr>
-        </p:nvSpPr>
-        <p:spPr>
-          <a:xfrm>
-            <a:off x="4748298" y="1661613"/>
-            <a:ext cx="4184034" cy="4245898"/>
-          </a:xfrm>
-        </p:spPr>
-        <p:txBody>
-          <a:bodyPr>
-            <a:normAutofit lnSpcReduction="10000"/>
-          </a:bodyPr>
-          <a:lstStyle/>
-          <a:p>
-            <a:pPr marL="0" indent="0">
-              <a:buNone/>
-            </a:pPr>
-            <a:r>
-              <a:rPr lang="en-CA" b="1" dirty="0"/>
-              <a:t>We </a:t>
-            </a:r>
-            <a:r>
-              <a:rPr lang="en-CA" b="1" u="sng" dirty="0"/>
-              <a:t>behave</a:t>
-            </a:r>
-            <a:r>
-              <a:rPr lang="en-CA" b="1" dirty="0"/>
-              <a:t> like a blockchain</a:t>
-            </a:r>
-          </a:p>
-          <a:p>
-            <a:r>
-              <a:rPr lang="en-CA" dirty="0"/>
-              <a:t>Robust</a:t>
-            </a:r>
-          </a:p>
-          <a:p>
-            <a:r>
-              <a:rPr lang="en-CA" dirty="0"/>
-              <a:t>Reliable</a:t>
-            </a:r>
-          </a:p>
-          <a:p>
-            <a:r>
-              <a:rPr lang="en-CA" dirty="0"/>
-              <a:t>Transparent</a:t>
-            </a:r>
-          </a:p>
-          <a:p>
-            <a:r>
-              <a:rPr lang="en-CA" dirty="0"/>
-              <a:t>Smart</a:t>
-            </a:r>
-          </a:p>
-          <a:p>
-            <a:r>
-              <a:rPr lang="en-CA" dirty="0"/>
-              <a:t>Open</a:t>
-            </a:r>
-          </a:p>
-          <a:p>
-            <a:r>
-              <a:rPr lang="en-CA" dirty="0"/>
-              <a:t>Non-discriminatory</a:t>
-            </a:r>
-          </a:p>
-          <a:p>
-            <a:r>
-              <a:rPr lang="en-CA" dirty="0"/>
-              <a:t>Participatory</a:t>
-            </a:r>
-          </a:p>
-          <a:p>
-            <a:r>
-              <a:rPr lang="en-CA" dirty="0"/>
-              <a:t>Diverse</a:t>
-            </a:r>
-          </a:p>
-          <a:p>
-            <a:r>
-              <a:rPr lang="en-CA" dirty="0"/>
-              <a:t>Committed</a:t>
-            </a:r>
-          </a:p>
-          <a:p>
-            <a:r>
-              <a:rPr lang="en-CA" dirty="0"/>
-              <a:t>Watching out for the next person</a:t>
-            </a:r>
-          </a:p>
-        </p:txBody>
-      </p:sp>
-      <p:sp>
-        <p:nvSpPr>
-          <p:cNvPr id="4" name="Date Placeholder 3">
-            <a:extLst>
-              <a:ext uri="{FF2B5EF4-FFF2-40B4-BE49-F238E27FC236}">
-                <a16:creationId xmlns:a16="http://schemas.microsoft.com/office/drawing/2014/main" id="{53F6F868-9731-4BB8-A248-65752CC8F494}"/>
-              </a:ext>
-            </a:extLst>
-          </p:cNvPr>
-          <p:cNvSpPr>
-            <a:spLocks noGrp="1"/>
-          </p:cNvSpPr>
-          <p:nvPr>
-            <p:ph type="dt" sz="half" idx="10"/>
-          </p:nvPr>
-        </p:nvSpPr>
-        <p:spPr/>
-        <p:txBody>
-          <a:bodyPr/>
-          <a:lstStyle/>
-          <a:p>
-            <a:r>
-              <a:rPr lang="en-US"/>
-              <a:t>3/14/2018</a:t>
-            </a:r>
-            <a:endParaRPr lang="en-US" dirty="0"/>
-          </a:p>
-        </p:txBody>
-      </p:sp>
-      <p:sp>
-        <p:nvSpPr>
-          <p:cNvPr id="5" name="Footer Placeholder 4">
-            <a:extLst>
-              <a:ext uri="{FF2B5EF4-FFF2-40B4-BE49-F238E27FC236}">
-                <a16:creationId xmlns:a16="http://schemas.microsoft.com/office/drawing/2014/main" id="{BAF235CB-0FBB-4764-A879-3471BAA4060A}"/>
-              </a:ext>
-            </a:extLst>
-          </p:cNvPr>
-          <p:cNvSpPr>
-            <a:spLocks noGrp="1"/>
-          </p:cNvSpPr>
-          <p:nvPr>
-            <p:ph type="ftr" sz="quarter" idx="11"/>
-          </p:nvPr>
-        </p:nvSpPr>
-        <p:spPr/>
-        <p:txBody>
-          <a:bodyPr/>
-          <a:lstStyle/>
-          <a:p>
-            <a:r>
-              <a:rPr lang="en-US"/>
-              <a:t>NEO Blockchain Toronto</a:t>
-            </a:r>
-            <a:endParaRPr lang="en-US" dirty="0"/>
-          </a:p>
-        </p:txBody>
-      </p:sp>
-      <p:sp>
-        <p:nvSpPr>
-          <p:cNvPr id="6" name="Slide Number Placeholder 5">
-            <a:extLst>
-              <a:ext uri="{FF2B5EF4-FFF2-40B4-BE49-F238E27FC236}">
-                <a16:creationId xmlns:a16="http://schemas.microsoft.com/office/drawing/2014/main" id="{B7770D10-9999-434C-A2E7-53DC220DE37B}"/>
-              </a:ext>
-            </a:extLst>
-          </p:cNvPr>
-          <p:cNvSpPr>
-            <a:spLocks noGrp="1"/>
-          </p:cNvSpPr>
-          <p:nvPr>
-            <p:ph type="sldNum" sz="quarter" idx="12"/>
-          </p:nvPr>
-        </p:nvSpPr>
-        <p:spPr/>
-        <p:txBody>
-          <a:bodyPr/>
-          <a:lstStyle/>
-          <a:p>
-            <a:fld id="{D57F1E4F-1CFF-5643-939E-217C01CDF565}" type="slidenum">
-              <a:rPr lang="en-US" smtClean="0"/>
-              <a:pPr/>
-              <a:t>24</a:t>
-            </a:fld>
-            <a:endParaRPr lang="en-US" dirty="0"/>
-          </a:p>
-        </p:txBody>
-      </p:sp>
-    </p:spTree>
-    <p:extLst>
-      <p:ext uri="{BB962C8B-B14F-4D97-AF65-F5344CB8AC3E}">
-        <p14:creationId xmlns:p14="http://schemas.microsoft.com/office/powerpoint/2010/main" val="621685807"/>
-      </p:ext>
-    </p:extLst>
-  </p:cSld>
-  <p:clrMapOvr>
-    <a:masterClrMapping/>
-  </p:clrMapOvr>
-</p:sld>
-</file>
-
-<file path=ppt/slides/slide25.xml><?xml version="1.0" encoding="utf-8"?>
-<p:sld xmlns:a="http://schemas.openxmlformats.org/drawingml/2006/main" xmlns:r="http://schemas.openxmlformats.org/officeDocument/2006/relationships" xmlns:p="http://schemas.openxmlformats.org/presentationml/2006/main">
-  <p:cSld>
-    <p:spTree>
-      <p:nvGrpSpPr>
-        <p:cNvPr id="1" name=""/>
-        <p:cNvGrpSpPr/>
-        <p:nvPr/>
-      </p:nvGrpSpPr>
-      <p:grpSpPr>
-        <a:xfrm>
-          <a:off x="0" y="0"/>
-          <a:ext cx="0" cy="0"/>
-          <a:chOff x="0" y="0"/>
-          <a:chExt cx="0" cy="0"/>
-        </a:xfrm>
-      </p:grpSpPr>
-      <p:sp>
-        <p:nvSpPr>
-          <p:cNvPr id="2" name="Title 1">
-            <a:extLst>
-              <a:ext uri="{FF2B5EF4-FFF2-40B4-BE49-F238E27FC236}">
                 <a16:creationId xmlns:a16="http://schemas.microsoft.com/office/drawing/2014/main" id="{C5CA6340-7AD9-4C69-810B-BEE639EBFCCD}"/>
               </a:ext>
             </a:extLst>
@@ -17771,7 +17458,7 @@
             <a:fld id="{D57F1E4F-1CFF-5643-939E-217C01CDF565}" type="slidenum">
               <a:rPr lang="en-US" smtClean="0"/>
               <a:pPr/>
-              <a:t>25</a:t>
+              <a:t>24</a:t>
             </a:fld>
             <a:endParaRPr lang="en-US" dirty="0"/>
           </a:p>
@@ -18065,7 +17752,7 @@
 </p:sld>
 </file>
 
-<file path=ppt/slides/slide26.xml><?xml version="1.0" encoding="utf-8"?>
+<file path=ppt/slides/slide25.xml><?xml version="1.0" encoding="utf-8"?>
 <p:sld xmlns:a="http://schemas.openxmlformats.org/drawingml/2006/main" xmlns:r="http://schemas.openxmlformats.org/officeDocument/2006/relationships" xmlns:p="http://schemas.openxmlformats.org/presentationml/2006/main">
   <p:cSld>
     <p:spTree>
@@ -18217,7 +17904,7 @@
             <a:fld id="{D57F1E4F-1CFF-5643-939E-217C01CDF565}" type="slidenum">
               <a:rPr lang="en-US" smtClean="0"/>
               <a:pPr/>
-              <a:t>26</a:t>
+              <a:t>25</a:t>
             </a:fld>
             <a:endParaRPr lang="en-US" dirty="0"/>
           </a:p>
@@ -18236,7 +17923,7 @@
 </p:sld>
 </file>
 
-<file path=ppt/slides/slide27.xml><?xml version="1.0" encoding="utf-8"?>
+<file path=ppt/slides/slide26.xml><?xml version="1.0" encoding="utf-8"?>
 <p:sld xmlns:a="http://schemas.openxmlformats.org/drawingml/2006/main" xmlns:r="http://schemas.openxmlformats.org/officeDocument/2006/relationships" xmlns:p="http://schemas.openxmlformats.org/presentationml/2006/main">
   <p:cSld>
     <p:spTree>
@@ -19671,7 +19358,7 @@
         </p:nvSpPr>
         <p:spPr>
           <a:xfrm>
-            <a:off x="2816317" y="1798874"/>
+            <a:off x="2884557" y="1798874"/>
             <a:ext cx="2043653" cy="461665"/>
           </a:xfrm>
           <a:prstGeom prst="rect">
@@ -19685,12 +19372,12 @@
           </a:bodyPr>
           <a:lstStyle/>
           <a:p>
+            <a:pPr algn="ctr"/>
             <a:r>
               <a:rPr kumimoji="1" lang="en-US" altLang="zh-CN" sz="2400" dirty="0">
                 <a:solidFill>
                   <a:srgbClr val="90C226"/>
                 </a:solidFill>
-                <a:latin typeface="MS PGothic" charset="-128"/>
                 <a:ea typeface="MS PGothic" charset="-128"/>
                 <a:cs typeface="MS PGothic" charset="-128"/>
               </a:rPr>
@@ -19700,7 +19387,6 @@
               <a:solidFill>
                 <a:srgbClr val="90C226"/>
               </a:solidFill>
-              <a:latin typeface="MS PGothic" charset="-128"/>
               <a:ea typeface="MS PGothic" charset="-128"/>
               <a:cs typeface="MS PGothic" charset="-128"/>
             </a:endParaRPr>
@@ -19722,7 +19408,7 @@
         </p:blipFill>
         <p:spPr>
           <a:xfrm>
-            <a:off x="1733636" y="1578770"/>
+            <a:off x="1638100" y="1578770"/>
             <a:ext cx="977030" cy="901875"/>
           </a:xfrm>
           <a:prstGeom prst="rect">
@@ -19746,7 +19432,7 @@
         </p:blipFill>
         <p:spPr>
           <a:xfrm>
-            <a:off x="1655894" y="2966962"/>
+            <a:off x="1560358" y="2926018"/>
             <a:ext cx="1164919" cy="840086"/>
           </a:xfrm>
           <a:prstGeom prst="rect">
@@ -19763,7 +19449,7 @@
         <p:spPr>
           <a:xfrm>
             <a:off x="2803791" y="3116195"/>
-            <a:ext cx="2043653" cy="461665"/>
+            <a:ext cx="2289477" cy="461665"/>
           </a:xfrm>
           <a:prstGeom prst="rect">
             <a:avLst/>
@@ -19776,12 +19462,12 @@
           </a:bodyPr>
           <a:lstStyle/>
           <a:p>
+            <a:pPr algn="ctr"/>
             <a:r>
               <a:rPr kumimoji="1" lang="en-US" altLang="zh-CN" sz="2400" dirty="0">
                 <a:solidFill>
                   <a:srgbClr val="90C226"/>
                 </a:solidFill>
-                <a:latin typeface="MS PGothic" charset="-128"/>
                 <a:ea typeface="MS PGothic" charset="-128"/>
                 <a:cs typeface="MS PGothic" charset="-128"/>
               </a:rPr>
@@ -19791,7 +19477,6 @@
               <a:solidFill>
                 <a:srgbClr val="90C226"/>
               </a:solidFill>
-              <a:latin typeface="MS PGothic" charset="-128"/>
               <a:ea typeface="MS PGothic" charset="-128"/>
               <a:cs typeface="MS PGothic" charset="-128"/>
             </a:endParaRPr>
@@ -19813,7 +19498,7 @@
         </p:blipFill>
         <p:spPr>
           <a:xfrm>
-            <a:off x="1877201" y="4316515"/>
+            <a:off x="1781665" y="4412051"/>
             <a:ext cx="739037" cy="770713"/>
           </a:xfrm>
           <a:prstGeom prst="rect">
@@ -19829,8 +19514,8 @@
         </p:nvSpPr>
         <p:spPr>
           <a:xfrm>
-            <a:off x="2816315" y="4558776"/>
-            <a:ext cx="2938176" cy="461665"/>
+            <a:off x="2666187" y="4517832"/>
+            <a:ext cx="2480977" cy="461665"/>
           </a:xfrm>
           <a:prstGeom prst="rect">
             <a:avLst/>
@@ -19843,12 +19528,12 @@
           </a:bodyPr>
           <a:lstStyle/>
           <a:p>
+            <a:pPr algn="ctr"/>
             <a:r>
               <a:rPr kumimoji="1" lang="en-US" altLang="zh-CN" sz="2400" dirty="0">
                 <a:solidFill>
                   <a:srgbClr val="90C226"/>
                 </a:solidFill>
-                <a:latin typeface="MS PGothic" charset="-128"/>
                 <a:ea typeface="MS PGothic" charset="-128"/>
                 <a:cs typeface="MS PGothic" charset="-128"/>
               </a:rPr>
@@ -19858,7 +19543,6 @@
               <a:solidFill>
                 <a:srgbClr val="90C226"/>
               </a:solidFill>
-              <a:latin typeface="MS PGothic" charset="-128"/>
               <a:ea typeface="MS PGothic" charset="-128"/>
               <a:cs typeface="MS PGothic" charset="-128"/>
             </a:endParaRPr>
@@ -19873,8 +19557,8 @@
         </p:nvSpPr>
         <p:spPr>
           <a:xfrm>
-            <a:off x="3643715" y="2480644"/>
-            <a:ext cx="397910" cy="369332"/>
+            <a:off x="3698307" y="2480644"/>
+            <a:ext cx="397910" cy="461665"/>
           </a:xfrm>
           <a:prstGeom prst="rect">
             <a:avLst/>
@@ -19888,14 +19572,14 @@
           <a:lstStyle/>
           <a:p>
             <a:r>
-              <a:rPr kumimoji="1" lang="en-US" altLang="zh-CN" dirty="0">
+              <a:rPr kumimoji="1" lang="en-US" altLang="zh-CN" sz="2400" dirty="0">
                 <a:solidFill>
                   <a:srgbClr val="90C226"/>
                 </a:solidFill>
               </a:rPr>
               <a:t>+</a:t>
             </a:r>
-            <a:endParaRPr kumimoji="1" lang="zh-CN" altLang="en-US" dirty="0">
+            <a:endParaRPr kumimoji="1" lang="zh-CN" altLang="en-US" sz="2400" dirty="0">
               <a:solidFill>
                 <a:srgbClr val="90C226"/>
               </a:solidFill>
@@ -19911,8 +19595,8 @@
         </p:nvSpPr>
         <p:spPr>
           <a:xfrm>
-            <a:off x="3622002" y="3952544"/>
-            <a:ext cx="322339" cy="369332"/>
+            <a:off x="3703890" y="3952544"/>
+            <a:ext cx="322339" cy="461665"/>
           </a:xfrm>
           <a:prstGeom prst="rect">
             <a:avLst/>
@@ -19926,14 +19610,14 @@
           <a:lstStyle/>
           <a:p>
             <a:r>
-              <a:rPr kumimoji="1" lang="en-US" altLang="zh-CN" dirty="0">
+              <a:rPr kumimoji="1" lang="en-US" altLang="zh-CN" sz="2400" dirty="0">
                 <a:solidFill>
                   <a:srgbClr val="90C226"/>
                 </a:solidFill>
               </a:rPr>
               <a:t>+</a:t>
             </a:r>
-            <a:endParaRPr kumimoji="1" lang="zh-CN" altLang="en-US" dirty="0">
+            <a:endParaRPr kumimoji="1" lang="zh-CN" altLang="en-US" sz="2400" dirty="0">
               <a:solidFill>
                 <a:srgbClr val="90C226"/>
               </a:solidFill>
@@ -20106,7 +19790,7 @@
         <p:spPr>
           <a:xfrm>
             <a:off x="6653911" y="2830758"/>
-            <a:ext cx="1703539" cy="954107"/>
+            <a:ext cx="1703539" cy="830997"/>
           </a:xfrm>
           <a:prstGeom prst="rect">
             <a:avLst/>
@@ -20121,21 +19805,19 @@
           <a:p>
             <a:pPr algn="ctr"/>
             <a:r>
-              <a:rPr kumimoji="1" lang="en-US" altLang="zh-CN" sz="2800" dirty="0">
+              <a:rPr kumimoji="1" lang="en-US" altLang="zh-CN" sz="2400" dirty="0">
                 <a:solidFill>
                   <a:schemeClr val="bg1"/>
                 </a:solidFill>
-                <a:latin typeface="MS PGothic" charset="-128"/>
                 <a:ea typeface="MS PGothic" charset="-128"/>
                 <a:cs typeface="MS PGothic" charset="-128"/>
               </a:rPr>
               <a:t>Smart Economy</a:t>
             </a:r>
-            <a:endParaRPr kumimoji="1" lang="zh-CN" altLang="en-US" sz="2800" dirty="0">
+            <a:endParaRPr kumimoji="1" lang="zh-CN" altLang="en-US" sz="2400" dirty="0">
               <a:solidFill>
                 <a:schemeClr val="bg1"/>
               </a:solidFill>
-              <a:latin typeface="MS PGothic" charset="-128"/>
               <a:ea typeface="MS PGothic" charset="-128"/>
               <a:cs typeface="MS PGothic" charset="-128"/>
             </a:endParaRPr>
@@ -20691,7 +20373,7 @@
           </a:ln>
           <a:extLst>
             <a:ext uri="{C572A759-6A51-4108-AA02-DFA0A04FC94B}">
-              <ma14:wrappingTextBoxFlag xmlns:ma14="http://schemas.microsoft.com/office/mac/drawingml/2011/main" xmlns="" val="1"/>
+              <ma14:wrappingTextBoxFlag xmlns="" xmlns:ma14="http://schemas.microsoft.com/office/mac/drawingml/2011/main" val="1"/>
             </a:ext>
           </a:extLst>
         </p:spPr>
@@ -20734,7 +20416,7 @@
           </a:ln>
           <a:extLst>
             <a:ext uri="{C572A759-6A51-4108-AA02-DFA0A04FC94B}">
-              <ma14:wrappingTextBoxFlag xmlns:ma14="http://schemas.microsoft.com/office/mac/drawingml/2011/main" xmlns="" val="1"/>
+              <ma14:wrappingTextBoxFlag xmlns="" xmlns:ma14="http://schemas.microsoft.com/office/mac/drawingml/2011/main" val="1"/>
             </a:ext>
           </a:extLst>
         </p:spPr>
@@ -20778,7 +20460,7 @@
           </a:ln>
           <a:extLst>
             <a:ext uri="{C572A759-6A51-4108-AA02-DFA0A04FC94B}">
-              <ma14:wrappingTextBoxFlag xmlns:ma14="http://schemas.microsoft.com/office/mac/drawingml/2011/main" xmlns="" val="1"/>
+              <ma14:wrappingTextBoxFlag xmlns="" xmlns:ma14="http://schemas.microsoft.com/office/mac/drawingml/2011/main" val="1"/>
             </a:ext>
           </a:extLst>
         </p:spPr>
@@ -20822,7 +20504,7 @@
           </a:ln>
           <a:extLst>
             <a:ext uri="{C572A759-6A51-4108-AA02-DFA0A04FC94B}">
-              <ma14:wrappingTextBoxFlag xmlns:ma14="http://schemas.microsoft.com/office/mac/drawingml/2011/main" xmlns="" val="1"/>
+              <ma14:wrappingTextBoxFlag xmlns="" xmlns:ma14="http://schemas.microsoft.com/office/mac/drawingml/2011/main" val="1"/>
             </a:ext>
           </a:extLst>
         </p:spPr>

--- a/events/2018-neo-blockchain-toronto/NEO Blockchain-Toronto-20180314 Meetup.pptx
+++ b/events/2018-neo-blockchain-toronto/NEO Blockchain-Toronto-20180314 Meetup.pptx
@@ -16745,7 +16745,7 @@
         <p:spPr>
           <a:xfrm>
             <a:off x="677334" y="609600"/>
-            <a:ext cx="10889024" cy="1320800"/>
+            <a:ext cx="9810834" cy="1320800"/>
           </a:xfrm>
         </p:spPr>
         <p:txBody>
@@ -20373,7 +20373,7 @@
           </a:ln>
           <a:extLst>
             <a:ext uri="{C572A759-6A51-4108-AA02-DFA0A04FC94B}">
-              <ma14:wrappingTextBoxFlag xmlns="" xmlns:ma14="http://schemas.microsoft.com/office/mac/drawingml/2011/main" val="1"/>
+              <ma14:wrappingTextBoxFlag xmlns:ma14="http://schemas.microsoft.com/office/mac/drawingml/2011/main" xmlns="" val="1"/>
             </a:ext>
           </a:extLst>
         </p:spPr>
@@ -20416,7 +20416,7 @@
           </a:ln>
           <a:extLst>
             <a:ext uri="{C572A759-6A51-4108-AA02-DFA0A04FC94B}">
-              <ma14:wrappingTextBoxFlag xmlns="" xmlns:ma14="http://schemas.microsoft.com/office/mac/drawingml/2011/main" val="1"/>
+              <ma14:wrappingTextBoxFlag xmlns:ma14="http://schemas.microsoft.com/office/mac/drawingml/2011/main" xmlns="" val="1"/>
             </a:ext>
           </a:extLst>
         </p:spPr>
@@ -20460,7 +20460,7 @@
           </a:ln>
           <a:extLst>
             <a:ext uri="{C572A759-6A51-4108-AA02-DFA0A04FC94B}">
-              <ma14:wrappingTextBoxFlag xmlns="" xmlns:ma14="http://schemas.microsoft.com/office/mac/drawingml/2011/main" val="1"/>
+              <ma14:wrappingTextBoxFlag xmlns:ma14="http://schemas.microsoft.com/office/mac/drawingml/2011/main" xmlns="" val="1"/>
             </a:ext>
           </a:extLst>
         </p:spPr>
@@ -20504,7 +20504,7 @@
           </a:ln>
           <a:extLst>
             <a:ext uri="{C572A759-6A51-4108-AA02-DFA0A04FC94B}">
-              <ma14:wrappingTextBoxFlag xmlns="" xmlns:ma14="http://schemas.microsoft.com/office/mac/drawingml/2011/main" val="1"/>
+              <ma14:wrappingTextBoxFlag xmlns:ma14="http://schemas.microsoft.com/office/mac/drawingml/2011/main" xmlns="" val="1"/>
             </a:ext>
           </a:extLst>
         </p:spPr>
